--- a/005- SSIS/6- Linq queries to our NodeOrders DB/1-LINQ.pptx
+++ b/005- SSIS/6- Linq queries to our NodeOrders DB/1-LINQ.pptx
@@ -5,45 +5,40 @@
     <p:sldMasterId id="2147483648" r:id="rId1"/>
   </p:sldMasterIdLst>
   <p:notesMasterIdLst>
-    <p:notesMasterId r:id="rId38"/>
+    <p:notesMasterId r:id="rId33"/>
   </p:notesMasterIdLst>
   <p:sldIdLst>
     <p:sldId id="256" r:id="rId2"/>
     <p:sldId id="259" r:id="rId3"/>
     <p:sldId id="307" r:id="rId4"/>
-    <p:sldId id="306" r:id="rId5"/>
-    <p:sldId id="310" r:id="rId6"/>
-    <p:sldId id="260" r:id="rId7"/>
-    <p:sldId id="303" r:id="rId8"/>
-    <p:sldId id="302" r:id="rId9"/>
-    <p:sldId id="309" r:id="rId10"/>
-    <p:sldId id="261" r:id="rId11"/>
-    <p:sldId id="262" r:id="rId12"/>
-    <p:sldId id="305" r:id="rId13"/>
-    <p:sldId id="304" r:id="rId14"/>
-    <p:sldId id="263" r:id="rId15"/>
-    <p:sldId id="308" r:id="rId16"/>
-    <p:sldId id="264" r:id="rId17"/>
-    <p:sldId id="265" r:id="rId18"/>
-    <p:sldId id="266" r:id="rId19"/>
-    <p:sldId id="267" r:id="rId20"/>
-    <p:sldId id="268" r:id="rId21"/>
-    <p:sldId id="269" r:id="rId22"/>
-    <p:sldId id="270" r:id="rId23"/>
-    <p:sldId id="271" r:id="rId24"/>
-    <p:sldId id="272" r:id="rId25"/>
-    <p:sldId id="273" r:id="rId26"/>
-    <p:sldId id="274" r:id="rId27"/>
-    <p:sldId id="275" r:id="rId28"/>
-    <p:sldId id="276" r:id="rId29"/>
-    <p:sldId id="277" r:id="rId30"/>
-    <p:sldId id="278" r:id="rId31"/>
-    <p:sldId id="279" r:id="rId32"/>
-    <p:sldId id="280" r:id="rId33"/>
-    <p:sldId id="281" r:id="rId34"/>
-    <p:sldId id="282" r:id="rId35"/>
-    <p:sldId id="283" r:id="rId36"/>
-    <p:sldId id="284" r:id="rId37"/>
+    <p:sldId id="302" r:id="rId5"/>
+    <p:sldId id="261" r:id="rId6"/>
+    <p:sldId id="262" r:id="rId7"/>
+    <p:sldId id="305" r:id="rId8"/>
+    <p:sldId id="304" r:id="rId9"/>
+    <p:sldId id="263" r:id="rId10"/>
+    <p:sldId id="308" r:id="rId11"/>
+    <p:sldId id="264" r:id="rId12"/>
+    <p:sldId id="265" r:id="rId13"/>
+    <p:sldId id="266" r:id="rId14"/>
+    <p:sldId id="267" r:id="rId15"/>
+    <p:sldId id="268" r:id="rId16"/>
+    <p:sldId id="269" r:id="rId17"/>
+    <p:sldId id="270" r:id="rId18"/>
+    <p:sldId id="271" r:id="rId19"/>
+    <p:sldId id="272" r:id="rId20"/>
+    <p:sldId id="273" r:id="rId21"/>
+    <p:sldId id="274" r:id="rId22"/>
+    <p:sldId id="275" r:id="rId23"/>
+    <p:sldId id="276" r:id="rId24"/>
+    <p:sldId id="277" r:id="rId25"/>
+    <p:sldId id="278" r:id="rId26"/>
+    <p:sldId id="279" r:id="rId27"/>
+    <p:sldId id="280" r:id="rId28"/>
+    <p:sldId id="281" r:id="rId29"/>
+    <p:sldId id="282" r:id="rId30"/>
+    <p:sldId id="283" r:id="rId31"/>
+    <p:sldId id="284" r:id="rId32"/>
   </p:sldIdLst>
   <p:sldSz cx="9144000" cy="6858000" type="screen4x3"/>
   <p:notesSz cx="6858000" cy="9144000"/>
@@ -243,7 +238,7 @@
           <a:p>
             <a:fld id="{C26F076B-7587-4749-BB59-FD64C8726444}" type="datetimeFigureOut">
               <a:rPr lang="en-US" smtClean="0"/>
-              <a:t>5/5/2018</a:t>
+              <a:t>5/11/2020</a:t>
             </a:fld>
             <a:endParaRPr lang="en-US"/>
           </a:p>
@@ -307,38 +302,37 @@
           <a:p>
             <a:pPr lvl="0"/>
             <a:r>
-              <a:rPr lang="en-US" smtClean="0"/>
+              <a:rPr lang="en-US"/>
               <a:t>Click to edit Master text styles</a:t>
             </a:r>
           </a:p>
           <a:p>
             <a:pPr lvl="1"/>
             <a:r>
-              <a:rPr lang="en-US" smtClean="0"/>
+              <a:rPr lang="en-US"/>
               <a:t>Second level</a:t>
             </a:r>
           </a:p>
           <a:p>
             <a:pPr lvl="2"/>
             <a:r>
-              <a:rPr lang="en-US" smtClean="0"/>
+              <a:rPr lang="en-US"/>
               <a:t>Third level</a:t>
             </a:r>
           </a:p>
           <a:p>
             <a:pPr lvl="3"/>
             <a:r>
-              <a:rPr lang="en-US" smtClean="0"/>
+              <a:rPr lang="en-US"/>
               <a:t>Fourth level</a:t>
             </a:r>
           </a:p>
           <a:p>
             <a:pPr lvl="4"/>
             <a:r>
-              <a:rPr lang="en-US" smtClean="0"/>
+              <a:rPr lang="en-US"/>
               <a:t>Fifth level</a:t>
             </a:r>
-            <a:endParaRPr lang="en-US"/>
           </a:p>
         </p:txBody>
       </p:sp>
@@ -579,7 +573,7 @@
           <a:bodyPr/>
           <a:lstStyle/>
           <a:p>
-            <a:endParaRPr lang="en-US" altLang="en-US" smtClean="0"/>
+            <a:endParaRPr lang="en-US" altLang="en-US"/>
           </a:p>
         </p:txBody>
       </p:sp>
@@ -664,7 +658,7 @@
           <a:bodyPr/>
           <a:lstStyle/>
           <a:p>
-            <a:endParaRPr lang="en-US" altLang="en-US" smtClean="0"/>
+            <a:endParaRPr lang="en-US" altLang="en-US"/>
           </a:p>
         </p:txBody>
       </p:sp>
@@ -749,7 +743,7 @@
           <a:bodyPr/>
           <a:lstStyle/>
           <a:p>
-            <a:endParaRPr lang="en-US" altLang="en-US" smtClean="0"/>
+            <a:endParaRPr lang="en-US" altLang="en-US"/>
           </a:p>
         </p:txBody>
       </p:sp>
@@ -834,7 +828,7 @@
           <a:bodyPr/>
           <a:lstStyle/>
           <a:p>
-            <a:endParaRPr lang="en-US" altLang="en-US" smtClean="0"/>
+            <a:endParaRPr lang="en-US" altLang="en-US"/>
           </a:p>
         </p:txBody>
       </p:sp>
@@ -919,7 +913,7 @@
           <a:bodyPr/>
           <a:lstStyle/>
           <a:p>
-            <a:endParaRPr lang="en-US" altLang="en-US" smtClean="0"/>
+            <a:endParaRPr lang="en-US" altLang="en-US"/>
           </a:p>
         </p:txBody>
       </p:sp>
@@ -1098,7 +1092,7 @@
             <a:fld id="{E7CEFB27-CB7A-4DA0-A9DB-639792FEB175}" type="slidenum">
               <a:rPr lang="en-US" altLang="en-US" sz="1200"/>
               <a:pPr algn="r"/>
-              <a:t>29</a:t>
+              <a:t>24</a:t>
             </a:fld>
             <a:endParaRPr lang="en-US" altLang="en-US" sz="1200"/>
           </a:p>
@@ -1155,7 +1149,7 @@
           <a:bodyPr/>
           <a:lstStyle/>
           <a:p>
-            <a:endParaRPr lang="en-US" altLang="en-US" smtClean="0"/>
+            <a:endParaRPr lang="en-US" altLang="en-US"/>
           </a:p>
         </p:txBody>
       </p:sp>
@@ -1240,7 +1234,7 @@
           <a:bodyPr/>
           <a:lstStyle/>
           <a:p>
-            <a:endParaRPr lang="en-US" altLang="en-US" smtClean="0"/>
+            <a:endParaRPr lang="en-US" altLang="en-US"/>
           </a:p>
         </p:txBody>
       </p:sp>
@@ -1325,7 +1319,7 @@
           <a:bodyPr/>
           <a:lstStyle/>
           <a:p>
-            <a:endParaRPr lang="en-US" altLang="en-US" smtClean="0"/>
+            <a:endParaRPr lang="en-US" altLang="en-US"/>
           </a:p>
         </p:txBody>
       </p:sp>
@@ -1504,7 +1498,7 @@
             <a:fld id="{2A2ED443-8ED7-4BD7-9B5C-17436E973250}" type="slidenum">
               <a:rPr lang="en-US" altLang="en-US" sz="1200"/>
               <a:pPr algn="r"/>
-              <a:t>32</a:t>
+              <a:t>27</a:t>
             </a:fld>
             <a:endParaRPr lang="en-US" altLang="en-US" sz="1200"/>
           </a:p>
@@ -1561,7 +1555,7 @@
           <a:bodyPr/>
           <a:lstStyle/>
           <a:p>
-            <a:endParaRPr lang="en-US" altLang="en-US" smtClean="0"/>
+            <a:endParaRPr lang="en-US" altLang="en-US"/>
           </a:p>
         </p:txBody>
       </p:sp>
@@ -1646,7 +1640,7 @@
           <a:bodyPr/>
           <a:lstStyle/>
           <a:p>
-            <a:endParaRPr lang="en-US" altLang="en-US" smtClean="0"/>
+            <a:endParaRPr lang="en-US" altLang="en-US"/>
           </a:p>
         </p:txBody>
       </p:sp>
@@ -1731,7 +1725,7 @@
           <a:bodyPr/>
           <a:lstStyle/>
           <a:p>
-            <a:endParaRPr lang="en-US" altLang="en-US" smtClean="0"/>
+            <a:endParaRPr lang="en-US" altLang="en-US"/>
           </a:p>
         </p:txBody>
       </p:sp>
@@ -1910,7 +1904,7 @@
             <a:fld id="{2B5F33BD-CD1D-40F2-9CCB-5DAE8AE99205}" type="slidenum">
               <a:rPr lang="en-US" altLang="en-US" sz="1200"/>
               <a:pPr algn="r"/>
-              <a:t>17</a:t>
+              <a:t>12</a:t>
             </a:fld>
             <a:endParaRPr lang="en-US" altLang="en-US" sz="1200"/>
           </a:p>
@@ -1967,7 +1961,7 @@
           <a:bodyPr/>
           <a:lstStyle/>
           <a:p>
-            <a:endParaRPr lang="en-US" altLang="en-US" smtClean="0"/>
+            <a:endParaRPr lang="en-US" altLang="en-US"/>
           </a:p>
         </p:txBody>
       </p:sp>
@@ -2052,7 +2046,7 @@
           <a:bodyPr/>
           <a:lstStyle/>
           <a:p>
-            <a:endParaRPr lang="en-US" altLang="en-US" smtClean="0"/>
+            <a:endParaRPr lang="en-US" altLang="en-US"/>
           </a:p>
         </p:txBody>
       </p:sp>
@@ -2231,7 +2225,7 @@
             <a:fld id="{C820C5C1-E4DB-4891-8759-FBDF88C97CE0}" type="slidenum">
               <a:rPr lang="en-US" altLang="en-US" sz="1200"/>
               <a:pPr algn="r"/>
-              <a:t>36</a:t>
+              <a:t>31</a:t>
             </a:fld>
             <a:endParaRPr lang="en-US" altLang="en-US" sz="1200"/>
           </a:p>
@@ -2288,7 +2282,7 @@
           <a:bodyPr/>
           <a:lstStyle/>
           <a:p>
-            <a:endParaRPr lang="en-US" altLang="en-US" smtClean="0"/>
+            <a:endParaRPr lang="en-US" altLang="en-US"/>
           </a:p>
         </p:txBody>
       </p:sp>
@@ -2373,7 +2367,7 @@
           <a:bodyPr/>
           <a:lstStyle/>
           <a:p>
-            <a:endParaRPr lang="en-US" altLang="en-US" smtClean="0"/>
+            <a:endParaRPr lang="en-US" altLang="en-US"/>
           </a:p>
         </p:txBody>
       </p:sp>
@@ -2458,7 +2452,7 @@
           <a:bodyPr/>
           <a:lstStyle/>
           <a:p>
-            <a:endParaRPr lang="en-US" altLang="en-US" smtClean="0"/>
+            <a:endParaRPr lang="en-US" altLang="en-US"/>
           </a:p>
         </p:txBody>
       </p:sp>
@@ -2637,7 +2631,7 @@
             <a:fld id="{E4BC2C6D-B959-4999-B30B-9B097FF7A5B3}" type="slidenum">
               <a:rPr lang="en-US" altLang="en-US" sz="1200"/>
               <a:pPr algn="r"/>
-              <a:t>20</a:t>
+              <a:t>15</a:t>
             </a:fld>
             <a:endParaRPr lang="en-US" altLang="en-US" sz="1200"/>
           </a:p>
@@ -2694,7 +2688,7 @@
           <a:bodyPr/>
           <a:lstStyle/>
           <a:p>
-            <a:endParaRPr lang="en-US" altLang="en-US" smtClean="0"/>
+            <a:endParaRPr lang="en-US" altLang="en-US"/>
           </a:p>
         </p:txBody>
       </p:sp>
@@ -2779,7 +2773,7 @@
           <a:bodyPr/>
           <a:lstStyle/>
           <a:p>
-            <a:endParaRPr lang="en-US" altLang="en-US" smtClean="0"/>
+            <a:endParaRPr lang="en-US" altLang="en-US"/>
           </a:p>
         </p:txBody>
       </p:sp>
@@ -2864,7 +2858,7 @@
           <a:bodyPr/>
           <a:lstStyle/>
           <a:p>
-            <a:endParaRPr lang="en-US" altLang="en-US" smtClean="0"/>
+            <a:endParaRPr lang="en-US" altLang="en-US"/>
           </a:p>
         </p:txBody>
       </p:sp>
@@ -3043,7 +3037,7 @@
             <a:fld id="{FEB7D5E4-D0B8-4F92-A520-082CD4031539}" type="slidenum">
               <a:rPr lang="en-US" altLang="en-US" sz="1200"/>
               <a:pPr algn="r"/>
-              <a:t>23</a:t>
+              <a:t>18</a:t>
             </a:fld>
             <a:endParaRPr lang="en-US" altLang="en-US" sz="1200"/>
           </a:p>
@@ -3100,7 +3094,7 @@
           <a:bodyPr/>
           <a:lstStyle/>
           <a:p>
-            <a:endParaRPr lang="en-US" altLang="en-US" smtClean="0"/>
+            <a:endParaRPr lang="en-US" altLang="en-US"/>
           </a:p>
         </p:txBody>
       </p:sp>
@@ -3185,7 +3179,7 @@
           <a:bodyPr/>
           <a:lstStyle/>
           <a:p>
-            <a:endParaRPr lang="en-US" altLang="en-US" smtClean="0"/>
+            <a:endParaRPr lang="en-US" altLang="en-US"/>
           </a:p>
         </p:txBody>
       </p:sp>
@@ -3240,10 +3234,9 @@
           <a:lstStyle/>
           <a:p>
             <a:r>
-              <a:rPr lang="en-US" smtClean="0"/>
+              <a:rPr lang="en-US"/>
               <a:t>Click to edit Master title style</a:t>
             </a:r>
-            <a:endParaRPr lang="en-US"/>
           </a:p>
         </p:txBody>
       </p:sp>
@@ -3359,10 +3352,9 @@
           </a:lstStyle>
           <a:p>
             <a:r>
-              <a:rPr lang="en-US" smtClean="0"/>
+              <a:rPr lang="en-US"/>
               <a:t>Click to edit Master subtitle style</a:t>
             </a:r>
-            <a:endParaRPr lang="en-US"/>
           </a:p>
         </p:txBody>
       </p:sp>
@@ -3383,7 +3375,7 @@
           <a:p>
             <a:fld id="{C19809E4-CEF6-4BC7-8145-2858FE8BFFC8}" type="datetimeFigureOut">
               <a:rPr lang="en-US" smtClean="0"/>
-              <a:t>5/5/2018</a:t>
+              <a:t>5/11/2020</a:t>
             </a:fld>
             <a:endParaRPr lang="en-US"/>
           </a:p>
@@ -3477,10 +3469,9 @@
           <a:lstStyle/>
           <a:p>
             <a:r>
-              <a:rPr lang="en-US" smtClean="0"/>
+              <a:rPr lang="en-US"/>
               <a:t>Click to edit Master title style</a:t>
             </a:r>
-            <a:endParaRPr lang="en-US"/>
           </a:p>
         </p:txBody>
       </p:sp>
@@ -3501,38 +3492,37 @@
           <a:p>
             <a:pPr lvl="0"/>
             <a:r>
-              <a:rPr lang="en-US" smtClean="0"/>
+              <a:rPr lang="en-US"/>
               <a:t>Click to edit Master text styles</a:t>
             </a:r>
           </a:p>
           <a:p>
             <a:pPr lvl="1"/>
             <a:r>
-              <a:rPr lang="en-US" smtClean="0"/>
+              <a:rPr lang="en-US"/>
               <a:t>Second level</a:t>
             </a:r>
           </a:p>
           <a:p>
             <a:pPr lvl="2"/>
             <a:r>
-              <a:rPr lang="en-US" smtClean="0"/>
+              <a:rPr lang="en-US"/>
               <a:t>Third level</a:t>
             </a:r>
           </a:p>
           <a:p>
             <a:pPr lvl="3"/>
             <a:r>
-              <a:rPr lang="en-US" smtClean="0"/>
+              <a:rPr lang="en-US"/>
               <a:t>Fourth level</a:t>
             </a:r>
           </a:p>
           <a:p>
             <a:pPr lvl="4"/>
             <a:r>
-              <a:rPr lang="en-US" smtClean="0"/>
+              <a:rPr lang="en-US"/>
               <a:t>Fifth level</a:t>
             </a:r>
-            <a:endParaRPr lang="en-US"/>
           </a:p>
         </p:txBody>
       </p:sp>
@@ -3553,7 +3543,7 @@
           <a:p>
             <a:fld id="{C19809E4-CEF6-4BC7-8145-2858FE8BFFC8}" type="datetimeFigureOut">
               <a:rPr lang="en-US" smtClean="0"/>
-              <a:t>5/5/2018</a:t>
+              <a:t>5/11/2020</a:t>
             </a:fld>
             <a:endParaRPr lang="en-US"/>
           </a:p>
@@ -3652,10 +3642,9 @@
           <a:lstStyle/>
           <a:p>
             <a:r>
-              <a:rPr lang="en-US" smtClean="0"/>
+              <a:rPr lang="en-US"/>
               <a:t>Click to edit Master title style</a:t>
             </a:r>
-            <a:endParaRPr lang="en-US"/>
           </a:p>
         </p:txBody>
       </p:sp>
@@ -3681,38 +3670,37 @@
           <a:p>
             <a:pPr lvl="0"/>
             <a:r>
-              <a:rPr lang="en-US" smtClean="0"/>
+              <a:rPr lang="en-US"/>
               <a:t>Click to edit Master text styles</a:t>
             </a:r>
           </a:p>
           <a:p>
             <a:pPr lvl="1"/>
             <a:r>
-              <a:rPr lang="en-US" smtClean="0"/>
+              <a:rPr lang="en-US"/>
               <a:t>Second level</a:t>
             </a:r>
           </a:p>
           <a:p>
             <a:pPr lvl="2"/>
             <a:r>
-              <a:rPr lang="en-US" smtClean="0"/>
+              <a:rPr lang="en-US"/>
               <a:t>Third level</a:t>
             </a:r>
           </a:p>
           <a:p>
             <a:pPr lvl="3"/>
             <a:r>
-              <a:rPr lang="en-US" smtClean="0"/>
+              <a:rPr lang="en-US"/>
               <a:t>Fourth level</a:t>
             </a:r>
           </a:p>
           <a:p>
             <a:pPr lvl="4"/>
             <a:r>
-              <a:rPr lang="en-US" smtClean="0"/>
+              <a:rPr lang="en-US"/>
               <a:t>Fifth level</a:t>
             </a:r>
-            <a:endParaRPr lang="en-US"/>
           </a:p>
         </p:txBody>
       </p:sp>
@@ -3733,7 +3721,7 @@
           <a:p>
             <a:fld id="{C19809E4-CEF6-4BC7-8145-2858FE8BFFC8}" type="datetimeFigureOut">
               <a:rPr lang="en-US" smtClean="0"/>
-              <a:t>5/5/2018</a:t>
+              <a:t>5/11/2020</a:t>
             </a:fld>
             <a:endParaRPr lang="en-US"/>
           </a:p>
@@ -3827,10 +3815,9 @@
           <a:lstStyle/>
           <a:p>
             <a:r>
-              <a:rPr lang="en-US" smtClean="0"/>
+              <a:rPr lang="en-US"/>
               <a:t>Click to edit Master title style</a:t>
             </a:r>
-            <a:endParaRPr lang="en-US"/>
           </a:p>
         </p:txBody>
       </p:sp>
@@ -3851,38 +3838,37 @@
           <a:p>
             <a:pPr lvl="0"/>
             <a:r>
-              <a:rPr lang="en-US" smtClean="0"/>
+              <a:rPr lang="en-US"/>
               <a:t>Click to edit Master text styles</a:t>
             </a:r>
           </a:p>
           <a:p>
             <a:pPr lvl="1"/>
             <a:r>
-              <a:rPr lang="en-US" smtClean="0"/>
+              <a:rPr lang="en-US"/>
               <a:t>Second level</a:t>
             </a:r>
           </a:p>
           <a:p>
             <a:pPr lvl="2"/>
             <a:r>
-              <a:rPr lang="en-US" smtClean="0"/>
+              <a:rPr lang="en-US"/>
               <a:t>Third level</a:t>
             </a:r>
           </a:p>
           <a:p>
             <a:pPr lvl="3"/>
             <a:r>
-              <a:rPr lang="en-US" smtClean="0"/>
+              <a:rPr lang="en-US"/>
               <a:t>Fourth level</a:t>
             </a:r>
           </a:p>
           <a:p>
             <a:pPr lvl="4"/>
             <a:r>
-              <a:rPr lang="en-US" smtClean="0"/>
+              <a:rPr lang="en-US"/>
               <a:t>Fifth level</a:t>
             </a:r>
-            <a:endParaRPr lang="en-US"/>
           </a:p>
         </p:txBody>
       </p:sp>
@@ -3903,7 +3889,7 @@
           <a:p>
             <a:fld id="{C19809E4-CEF6-4BC7-8145-2858FE8BFFC8}" type="datetimeFigureOut">
               <a:rPr lang="en-US" smtClean="0"/>
-              <a:t>5/5/2018</a:t>
+              <a:t>5/11/2020</a:t>
             </a:fld>
             <a:endParaRPr lang="en-US"/>
           </a:p>
@@ -4006,10 +3992,9 @@
           </a:lstStyle>
           <a:p>
             <a:r>
-              <a:rPr lang="en-US" smtClean="0"/>
+              <a:rPr lang="en-US"/>
               <a:t>Click to edit Master title style</a:t>
             </a:r>
-            <a:endParaRPr lang="en-US"/>
           </a:p>
         </p:txBody>
       </p:sp>
@@ -4126,7 +4111,7 @@
           <a:p>
             <a:pPr lvl="0"/>
             <a:r>
-              <a:rPr lang="en-US" smtClean="0"/>
+              <a:rPr lang="en-US"/>
               <a:t>Click to edit Master text styles</a:t>
             </a:r>
           </a:p>
@@ -4149,7 +4134,7 @@
           <a:p>
             <a:fld id="{C19809E4-CEF6-4BC7-8145-2858FE8BFFC8}" type="datetimeFigureOut">
               <a:rPr lang="en-US" smtClean="0"/>
-              <a:t>5/5/2018</a:t>
+              <a:t>5/11/2020</a:t>
             </a:fld>
             <a:endParaRPr lang="en-US"/>
           </a:p>
@@ -4243,10 +4228,9 @@
           <a:lstStyle/>
           <a:p>
             <a:r>
-              <a:rPr lang="en-US" smtClean="0"/>
+              <a:rPr lang="en-US"/>
               <a:t>Click to edit Master title style</a:t>
             </a:r>
-            <a:endParaRPr lang="en-US"/>
           </a:p>
         </p:txBody>
       </p:sp>
@@ -4300,38 +4284,37 @@
           <a:p>
             <a:pPr lvl="0"/>
             <a:r>
-              <a:rPr lang="en-US" smtClean="0"/>
+              <a:rPr lang="en-US"/>
               <a:t>Click to edit Master text styles</a:t>
             </a:r>
           </a:p>
           <a:p>
             <a:pPr lvl="1"/>
             <a:r>
-              <a:rPr lang="en-US" smtClean="0"/>
+              <a:rPr lang="en-US"/>
               <a:t>Second level</a:t>
             </a:r>
           </a:p>
           <a:p>
             <a:pPr lvl="2"/>
             <a:r>
-              <a:rPr lang="en-US" smtClean="0"/>
+              <a:rPr lang="en-US"/>
               <a:t>Third level</a:t>
             </a:r>
           </a:p>
           <a:p>
             <a:pPr lvl="3"/>
             <a:r>
-              <a:rPr lang="en-US" smtClean="0"/>
+              <a:rPr lang="en-US"/>
               <a:t>Fourth level</a:t>
             </a:r>
           </a:p>
           <a:p>
             <a:pPr lvl="4"/>
             <a:r>
-              <a:rPr lang="en-US" smtClean="0"/>
+              <a:rPr lang="en-US"/>
               <a:t>Fifth level</a:t>
             </a:r>
-            <a:endParaRPr lang="en-US"/>
           </a:p>
         </p:txBody>
       </p:sp>
@@ -4385,38 +4368,37 @@
           <a:p>
             <a:pPr lvl="0"/>
             <a:r>
-              <a:rPr lang="en-US" smtClean="0"/>
+              <a:rPr lang="en-US"/>
               <a:t>Click to edit Master text styles</a:t>
             </a:r>
           </a:p>
           <a:p>
             <a:pPr lvl="1"/>
             <a:r>
-              <a:rPr lang="en-US" smtClean="0"/>
+              <a:rPr lang="en-US"/>
               <a:t>Second level</a:t>
             </a:r>
           </a:p>
           <a:p>
             <a:pPr lvl="2"/>
             <a:r>
-              <a:rPr lang="en-US" smtClean="0"/>
+              <a:rPr lang="en-US"/>
               <a:t>Third level</a:t>
             </a:r>
           </a:p>
           <a:p>
             <a:pPr lvl="3"/>
             <a:r>
-              <a:rPr lang="en-US" smtClean="0"/>
+              <a:rPr lang="en-US"/>
               <a:t>Fourth level</a:t>
             </a:r>
           </a:p>
           <a:p>
             <a:pPr lvl="4"/>
             <a:r>
-              <a:rPr lang="en-US" smtClean="0"/>
+              <a:rPr lang="en-US"/>
               <a:t>Fifth level</a:t>
             </a:r>
-            <a:endParaRPr lang="en-US"/>
           </a:p>
         </p:txBody>
       </p:sp>
@@ -4437,7 +4419,7 @@
           <a:p>
             <a:fld id="{C19809E4-CEF6-4BC7-8145-2858FE8BFFC8}" type="datetimeFigureOut">
               <a:rPr lang="en-US" smtClean="0"/>
-              <a:t>5/5/2018</a:t>
+              <a:t>5/11/2020</a:t>
             </a:fld>
             <a:endParaRPr lang="en-US"/>
           </a:p>
@@ -4535,10 +4517,9 @@
           </a:lstStyle>
           <a:p>
             <a:r>
-              <a:rPr lang="en-US" smtClean="0"/>
+              <a:rPr lang="en-US"/>
               <a:t>Click to edit Master title style</a:t>
             </a:r>
-            <a:endParaRPr lang="en-US"/>
           </a:p>
         </p:txBody>
       </p:sp>
@@ -4601,7 +4582,7 @@
           <a:p>
             <a:pPr lvl="0"/>
             <a:r>
-              <a:rPr lang="en-US" smtClean="0"/>
+              <a:rPr lang="en-US"/>
               <a:t>Click to edit Master text styles</a:t>
             </a:r>
           </a:p>
@@ -4657,38 +4638,37 @@
           <a:p>
             <a:pPr lvl="0"/>
             <a:r>
-              <a:rPr lang="en-US" smtClean="0"/>
+              <a:rPr lang="en-US"/>
               <a:t>Click to edit Master text styles</a:t>
             </a:r>
           </a:p>
           <a:p>
             <a:pPr lvl="1"/>
             <a:r>
-              <a:rPr lang="en-US" smtClean="0"/>
+              <a:rPr lang="en-US"/>
               <a:t>Second level</a:t>
             </a:r>
           </a:p>
           <a:p>
             <a:pPr lvl="2"/>
             <a:r>
-              <a:rPr lang="en-US" smtClean="0"/>
+              <a:rPr lang="en-US"/>
               <a:t>Third level</a:t>
             </a:r>
           </a:p>
           <a:p>
             <a:pPr lvl="3"/>
             <a:r>
-              <a:rPr lang="en-US" smtClean="0"/>
+              <a:rPr lang="en-US"/>
               <a:t>Fourth level</a:t>
             </a:r>
           </a:p>
           <a:p>
             <a:pPr lvl="4"/>
             <a:r>
-              <a:rPr lang="en-US" smtClean="0"/>
+              <a:rPr lang="en-US"/>
               <a:t>Fifth level</a:t>
             </a:r>
-            <a:endParaRPr lang="en-US"/>
           </a:p>
         </p:txBody>
       </p:sp>
@@ -4751,7 +4731,7 @@
           <a:p>
             <a:pPr lvl="0"/>
             <a:r>
-              <a:rPr lang="en-US" smtClean="0"/>
+              <a:rPr lang="en-US"/>
               <a:t>Click to edit Master text styles</a:t>
             </a:r>
           </a:p>
@@ -4807,38 +4787,37 @@
           <a:p>
             <a:pPr lvl="0"/>
             <a:r>
-              <a:rPr lang="en-US" smtClean="0"/>
+              <a:rPr lang="en-US"/>
               <a:t>Click to edit Master text styles</a:t>
             </a:r>
           </a:p>
           <a:p>
             <a:pPr lvl="1"/>
             <a:r>
-              <a:rPr lang="en-US" smtClean="0"/>
+              <a:rPr lang="en-US"/>
               <a:t>Second level</a:t>
             </a:r>
           </a:p>
           <a:p>
             <a:pPr lvl="2"/>
             <a:r>
-              <a:rPr lang="en-US" smtClean="0"/>
+              <a:rPr lang="en-US"/>
               <a:t>Third level</a:t>
             </a:r>
           </a:p>
           <a:p>
             <a:pPr lvl="3"/>
             <a:r>
-              <a:rPr lang="en-US" smtClean="0"/>
+              <a:rPr lang="en-US"/>
               <a:t>Fourth level</a:t>
             </a:r>
           </a:p>
           <a:p>
             <a:pPr lvl="4"/>
             <a:r>
-              <a:rPr lang="en-US" smtClean="0"/>
+              <a:rPr lang="en-US"/>
               <a:t>Fifth level</a:t>
             </a:r>
-            <a:endParaRPr lang="en-US"/>
           </a:p>
         </p:txBody>
       </p:sp>
@@ -4859,7 +4838,7 @@
           <a:p>
             <a:fld id="{C19809E4-CEF6-4BC7-8145-2858FE8BFFC8}" type="datetimeFigureOut">
               <a:rPr lang="en-US" smtClean="0"/>
-              <a:t>5/5/2018</a:t>
+              <a:t>5/11/2020</a:t>
             </a:fld>
             <a:endParaRPr lang="en-US"/>
           </a:p>
@@ -4953,10 +4932,9 @@
           <a:lstStyle/>
           <a:p>
             <a:r>
-              <a:rPr lang="en-US" smtClean="0"/>
+              <a:rPr lang="en-US"/>
               <a:t>Click to edit Master title style</a:t>
             </a:r>
-            <a:endParaRPr lang="en-US"/>
           </a:p>
         </p:txBody>
       </p:sp>
@@ -4977,7 +4955,7 @@
           <a:p>
             <a:fld id="{C19809E4-CEF6-4BC7-8145-2858FE8BFFC8}" type="datetimeFigureOut">
               <a:rPr lang="en-US" smtClean="0"/>
-              <a:t>5/5/2018</a:t>
+              <a:t>5/11/2020</a:t>
             </a:fld>
             <a:endParaRPr lang="en-US"/>
           </a:p>
@@ -5072,7 +5050,7 @@
           <a:p>
             <a:fld id="{C19809E4-CEF6-4BC7-8145-2858FE8BFFC8}" type="datetimeFigureOut">
               <a:rPr lang="en-US" smtClean="0"/>
-              <a:t>5/5/2018</a:t>
+              <a:t>5/11/2020</a:t>
             </a:fld>
             <a:endParaRPr lang="en-US"/>
           </a:p>
@@ -5175,10 +5153,9 @@
           </a:lstStyle>
           <a:p>
             <a:r>
-              <a:rPr lang="en-US" smtClean="0"/>
+              <a:rPr lang="en-US"/>
               <a:t>Click to edit Master title style</a:t>
             </a:r>
-            <a:endParaRPr lang="en-US"/>
           </a:p>
         </p:txBody>
       </p:sp>
@@ -5232,38 +5209,37 @@
           <a:p>
             <a:pPr lvl="0"/>
             <a:r>
-              <a:rPr lang="en-US" smtClean="0"/>
+              <a:rPr lang="en-US"/>
               <a:t>Click to edit Master text styles</a:t>
             </a:r>
           </a:p>
           <a:p>
             <a:pPr lvl="1"/>
             <a:r>
-              <a:rPr lang="en-US" smtClean="0"/>
+              <a:rPr lang="en-US"/>
               <a:t>Second level</a:t>
             </a:r>
           </a:p>
           <a:p>
             <a:pPr lvl="2"/>
             <a:r>
-              <a:rPr lang="en-US" smtClean="0"/>
+              <a:rPr lang="en-US"/>
               <a:t>Third level</a:t>
             </a:r>
           </a:p>
           <a:p>
             <a:pPr lvl="3"/>
             <a:r>
-              <a:rPr lang="en-US" smtClean="0"/>
+              <a:rPr lang="en-US"/>
               <a:t>Fourth level</a:t>
             </a:r>
           </a:p>
           <a:p>
             <a:pPr lvl="4"/>
             <a:r>
-              <a:rPr lang="en-US" smtClean="0"/>
+              <a:rPr lang="en-US"/>
               <a:t>Fifth level</a:t>
             </a:r>
-            <a:endParaRPr lang="en-US"/>
           </a:p>
         </p:txBody>
       </p:sp>
@@ -5326,7 +5302,7 @@
           <a:p>
             <a:pPr lvl="0"/>
             <a:r>
-              <a:rPr lang="en-US" smtClean="0"/>
+              <a:rPr lang="en-US"/>
               <a:t>Click to edit Master text styles</a:t>
             </a:r>
           </a:p>
@@ -5349,7 +5325,7 @@
           <a:p>
             <a:fld id="{C19809E4-CEF6-4BC7-8145-2858FE8BFFC8}" type="datetimeFigureOut">
               <a:rPr lang="en-US" smtClean="0"/>
-              <a:t>5/5/2018</a:t>
+              <a:t>5/11/2020</a:t>
             </a:fld>
             <a:endParaRPr lang="en-US"/>
           </a:p>
@@ -5452,10 +5428,9 @@
           </a:lstStyle>
           <a:p>
             <a:r>
-              <a:rPr lang="en-US" smtClean="0"/>
+              <a:rPr lang="en-US"/>
               <a:t>Click to edit Master title style</a:t>
             </a:r>
-            <a:endParaRPr lang="en-US"/>
           </a:p>
         </p:txBody>
       </p:sp>
@@ -5579,7 +5554,7 @@
           <a:p>
             <a:pPr lvl="0"/>
             <a:r>
-              <a:rPr lang="en-US" smtClean="0"/>
+              <a:rPr lang="en-US"/>
               <a:t>Click to edit Master text styles</a:t>
             </a:r>
           </a:p>
@@ -5602,7 +5577,7 @@
           <a:p>
             <a:fld id="{C19809E4-CEF6-4BC7-8145-2858FE8BFFC8}" type="datetimeFigureOut">
               <a:rPr lang="en-US" smtClean="0"/>
-              <a:t>5/5/2018</a:t>
+              <a:t>5/11/2020</a:t>
             </a:fld>
             <a:endParaRPr lang="en-US"/>
           </a:p>
@@ -5711,10 +5686,9 @@
           <a:lstStyle/>
           <a:p>
             <a:r>
-              <a:rPr lang="en-US" smtClean="0"/>
+              <a:rPr lang="en-US"/>
               <a:t>Click to edit Master title style</a:t>
             </a:r>
-            <a:endParaRPr lang="en-US"/>
           </a:p>
         </p:txBody>
       </p:sp>
@@ -5745,38 +5719,37 @@
           <a:p>
             <a:pPr lvl="0"/>
             <a:r>
-              <a:rPr lang="en-US" smtClean="0"/>
+              <a:rPr lang="en-US"/>
               <a:t>Click to edit Master text styles</a:t>
             </a:r>
           </a:p>
           <a:p>
             <a:pPr lvl="1"/>
             <a:r>
-              <a:rPr lang="en-US" smtClean="0"/>
+              <a:rPr lang="en-US"/>
               <a:t>Second level</a:t>
             </a:r>
           </a:p>
           <a:p>
             <a:pPr lvl="2"/>
             <a:r>
-              <a:rPr lang="en-US" smtClean="0"/>
+              <a:rPr lang="en-US"/>
               <a:t>Third level</a:t>
             </a:r>
           </a:p>
           <a:p>
             <a:pPr lvl="3"/>
             <a:r>
-              <a:rPr lang="en-US" smtClean="0"/>
+              <a:rPr lang="en-US"/>
               <a:t>Fourth level</a:t>
             </a:r>
           </a:p>
           <a:p>
             <a:pPr lvl="4"/>
             <a:r>
-              <a:rPr lang="en-US" smtClean="0"/>
+              <a:rPr lang="en-US"/>
               <a:t>Fifth level</a:t>
             </a:r>
-            <a:endParaRPr lang="en-US"/>
           </a:p>
         </p:txBody>
       </p:sp>
@@ -5815,7 +5788,7 @@
           <a:p>
             <a:fld id="{C19809E4-CEF6-4BC7-8145-2858FE8BFFC8}" type="datetimeFigureOut">
               <a:rPr lang="en-US" smtClean="0"/>
-              <a:t>5/5/2018</a:t>
+              <a:t>5/11/2020</a:t>
             </a:fld>
             <a:endParaRPr lang="en-US"/>
           </a:p>
@@ -6208,24 +6181,23 @@
           <a:lstStyle/>
           <a:p>
             <a:r>
-              <a:rPr lang="en-US" sz="3600" dirty="0" smtClean="0"/>
+              <a:rPr lang="en-US" sz="3600" dirty="0"/>
               <a:t>LINQ</a:t>
             </a:r>
             <a:br>
-              <a:rPr lang="en-US" sz="3600" dirty="0" smtClean="0"/>
+              <a:rPr lang="en-US" sz="3600" dirty="0"/>
             </a:br>
             <a:r>
-              <a:rPr lang="en-US" sz="3600" dirty="0" smtClean="0"/>
+              <a:rPr lang="en-US" sz="3600" dirty="0"/>
               <a:t>Language Integrated Query</a:t>
             </a:r>
             <a:br>
-              <a:rPr lang="en-US" sz="3600" dirty="0" smtClean="0"/>
+              <a:rPr lang="en-US" sz="3600" dirty="0"/>
             </a:br>
             <a:r>
-              <a:rPr lang="en-US" sz="3600" dirty="0" smtClean="0"/>
+              <a:rPr lang="en-US" sz="3600" dirty="0"/>
               <a:t>Chapter 17</a:t>
             </a:r>
-            <a:endParaRPr lang="en-US" sz="3600" dirty="0"/>
           </a:p>
         </p:txBody>
       </p:sp>
@@ -6247,7 +6219,7 @@
           <a:lstStyle/>
           <a:p>
             <a:r>
-              <a:rPr lang="en-US" altLang="en-US" sz="2800" dirty="0" smtClean="0">
+              <a:rPr lang="en-US" altLang="en-US" sz="2800" dirty="0">
                 <a:solidFill>
                   <a:schemeClr val="tx1"/>
                 </a:solidFill>
@@ -6257,7 +6229,7 @@
           </a:p>
           <a:p>
             <a:r>
-              <a:rPr lang="en-US" altLang="en-US" sz="2800" dirty="0" smtClean="0">
+              <a:rPr lang="en-US" altLang="en-US" sz="2800" dirty="0">
                 <a:solidFill>
                   <a:schemeClr val="tx1"/>
                 </a:solidFill>
@@ -6265,7 +6237,7 @@
               <a:t>© 2011, Mike </a:t>
             </a:r>
             <a:r>
-              <a:rPr lang="en-US" altLang="en-US" sz="2800" dirty="0" err="1" smtClean="0">
+              <a:rPr lang="en-US" altLang="en-US" sz="2800" dirty="0" err="1">
                 <a:solidFill>
                   <a:schemeClr val="tx1"/>
                 </a:solidFill>
@@ -6273,7 +6245,7 @@
               <a:t>Murach</a:t>
             </a:r>
             <a:r>
-              <a:rPr lang="en-US" altLang="en-US" sz="2800" dirty="0" smtClean="0">
+              <a:rPr lang="en-US" altLang="en-US" sz="2800" dirty="0">
                 <a:solidFill>
                   <a:schemeClr val="tx1"/>
                 </a:solidFill>
@@ -6282,7 +6254,7 @@
             </a:r>
           </a:p>
           <a:p>
-            <a:endParaRPr lang="en-US" altLang="en-US" sz="2800" dirty="0" smtClean="0">
+            <a:endParaRPr lang="en-US" altLang="en-US" sz="2800" dirty="0">
               <a:solidFill>
                 <a:schemeClr val="tx1"/>
               </a:solidFill>
@@ -6346,13 +6318,8 @@
           <a:p>
             <a:r>
               <a:rPr lang="en-US" dirty="0"/>
-              <a:t>The three stages of a query </a:t>
-            </a:r>
-            <a:r>
-              <a:rPr lang="en-US" dirty="0" smtClean="0"/>
-              <a:t>operation</a:t>
-            </a:r>
-            <a:endParaRPr lang="en-US" dirty="0"/>
+              <a:t>Learning the LINQ syntax for query expressions</a:t>
+            </a:r>
           </a:p>
         </p:txBody>
       </p:sp>
@@ -6371,50 +6338,29 @@
           <a:bodyPr/>
           <a:lstStyle/>
           <a:p>
-            <a:pPr lvl="0"/>
-            <a:r>
-              <a:rPr lang="en-US" dirty="0" smtClean="0"/>
-              <a:t>Q1 - Get </a:t>
-            </a:r>
             <a:r>
               <a:rPr lang="en-US" dirty="0"/>
-              <a:t>the data source.</a:t>
-            </a:r>
-          </a:p>
-          <a:p>
-            <a:pPr lvl="0"/>
-            <a:r>
-              <a:rPr lang="en-US" dirty="0" smtClean="0"/>
-              <a:t>Q2 - Define </a:t>
-            </a:r>
+              <a:t>Next slides show several examples (right from the book)</a:t>
+            </a:r>
+          </a:p>
+          <a:p>
             <a:r>
               <a:rPr lang="en-US" dirty="0"/>
-              <a:t>the query expression.</a:t>
-            </a:r>
-          </a:p>
-          <a:p>
-            <a:pPr lvl="0"/>
-            <a:r>
-              <a:rPr lang="en-US" dirty="0" smtClean="0"/>
-              <a:t>Q3 – Execute (use) </a:t>
-            </a:r>
+              <a:t>All use LINQ-to-Objects so can focus on the syntax, but LINQ-to-Anything is the same.</a:t>
+            </a:r>
+          </a:p>
+          <a:p>
             <a:r>
               <a:rPr lang="en-US" dirty="0"/>
-              <a:t>the query to return the results.</a:t>
-            </a:r>
-          </a:p>
-          <a:p>
-            <a:pPr marL="0" indent="0">
-              <a:buNone/>
-            </a:pPr>
-            <a:endParaRPr lang="en-US" dirty="0"/>
+              <a:t>Won’t go through these, but consider this reference information to come back to when you have to design a query</a:t>
+            </a:r>
           </a:p>
         </p:txBody>
       </p:sp>
     </p:spTree>
     <p:extLst>
       <p:ext uri="{BB962C8B-B14F-4D97-AF65-F5344CB8AC3E}">
-        <p14:creationId xmlns:p14="http://schemas.microsoft.com/office/powerpoint/2010/main" val="3303919214"/>
+        <p14:creationId xmlns:p14="http://schemas.microsoft.com/office/powerpoint/2010/main" val="1727202650"/>
       </p:ext>
     </p:extLst>
   </p:cSld>
@@ -6443,2506 +6389,6 @@
       </p:grpSpPr>
       <p:sp>
         <p:nvSpPr>
-          <p:cNvPr id="2" name="Title 1"/>
-          <p:cNvSpPr>
-            <a:spLocks noGrp="1"/>
-          </p:cNvSpPr>
-          <p:nvPr>
-            <p:ph type="title"/>
-          </p:nvPr>
-        </p:nvSpPr>
-        <p:spPr/>
-        <p:txBody>
-          <a:bodyPr>
-            <a:normAutofit fontScale="90000"/>
-          </a:bodyPr>
-          <a:lstStyle/>
-          <a:p>
-            <a:r>
-              <a:rPr lang="en-US" sz="3200" dirty="0"/>
-              <a:t>A </a:t>
-            </a:r>
-            <a:r>
-              <a:rPr lang="en-US" sz="3200" dirty="0" smtClean="0"/>
-              <a:t>LINQ-to-Objects </a:t>
-            </a:r>
-            <a:r>
-              <a:rPr lang="en-US" sz="3200" dirty="0"/>
-              <a:t>query </a:t>
-            </a:r>
-            <a:r>
-              <a:rPr lang="en-US" sz="3200" dirty="0" smtClean="0"/>
-              <a:t>example where the</a:t>
-            </a:r>
-            <a:br>
-              <a:rPr lang="en-US" sz="3200" dirty="0" smtClean="0"/>
-            </a:br>
-            <a:r>
-              <a:rPr lang="en-US" sz="3200" dirty="0" smtClean="0"/>
-              <a:t>data is in a generic list (with </a:t>
-            </a:r>
-            <a:r>
-              <a:rPr lang="en-US" sz="3200" dirty="0"/>
-              <a:t>deferred </a:t>
-            </a:r>
-            <a:r>
-              <a:rPr lang="en-US" sz="3200" dirty="0" smtClean="0"/>
-              <a:t>execution)-1</a:t>
-            </a:r>
-            <a:endParaRPr lang="en-US" sz="3200" dirty="0"/>
-          </a:p>
-        </p:txBody>
-      </p:sp>
-      <p:sp>
-        <p:nvSpPr>
-          <p:cNvPr id="3" name="Content Placeholder 2"/>
-          <p:cNvSpPr>
-            <a:spLocks noGrp="1"/>
-          </p:cNvSpPr>
-          <p:nvPr>
-            <p:ph idx="1"/>
-          </p:nvPr>
-        </p:nvSpPr>
-        <p:spPr>
-          <a:xfrm>
-            <a:off x="304800" y="1828800"/>
-            <a:ext cx="8229600" cy="4343400"/>
-          </a:xfrm>
-        </p:spPr>
-        <p:txBody>
-          <a:bodyPr>
-            <a:noAutofit/>
-          </a:bodyPr>
-          <a:lstStyle/>
-          <a:p>
-            <a:pPr marL="347345" marR="0">
-              <a:spcBef>
-                <a:spcPts val="0"/>
-              </a:spcBef>
-              <a:spcAft>
-                <a:spcPts val="600"/>
-              </a:spcAft>
-              <a:tabLst>
-                <a:tab pos="1371600" algn="l"/>
-                <a:tab pos="2743200" algn="l"/>
-              </a:tabLst>
-            </a:pPr>
-            <a:r>
-              <a:rPr lang="en-US" sz="2000" spc="-10" dirty="0" smtClean="0">
-                <a:solidFill>
-                  <a:srgbClr val="0000FF"/>
-                </a:solidFill>
-                <a:effectLst/>
-                <a:latin typeface="Arial"/>
-                <a:ea typeface="Times New Roman"/>
-                <a:cs typeface="Times New Roman"/>
-              </a:rPr>
-              <a:t>Q1 - statement that declares and populates a list</a:t>
-            </a:r>
-          </a:p>
-          <a:p>
-            <a:pPr marL="347345" marR="0">
-              <a:spcBef>
-                <a:spcPts val="0"/>
-              </a:spcBef>
-              <a:spcAft>
-                <a:spcPts val="600"/>
-              </a:spcAft>
-              <a:tabLst>
-                <a:tab pos="1371600" algn="l"/>
-                <a:tab pos="2743200" algn="l"/>
-              </a:tabLst>
-            </a:pPr>
-            <a:r>
-              <a:rPr lang="en-US" sz="2000" spc="-10" dirty="0" smtClean="0">
-                <a:latin typeface="Arial"/>
-                <a:ea typeface="Times New Roman"/>
-                <a:cs typeface="Times New Roman"/>
-              </a:rPr>
-              <a:t>First get the data source. Depends on what type of data source. </a:t>
-            </a:r>
-          </a:p>
-          <a:p>
-            <a:pPr marL="747395" lvl="1">
-              <a:spcBef>
-                <a:spcPts val="0"/>
-              </a:spcBef>
-              <a:spcAft>
-                <a:spcPts val="600"/>
-              </a:spcAft>
-              <a:tabLst>
-                <a:tab pos="1371600" algn="l"/>
-                <a:tab pos="2743200" algn="l"/>
-              </a:tabLst>
-            </a:pPr>
-            <a:r>
-              <a:rPr lang="en-US" sz="1600" spc="-10" dirty="0" smtClean="0">
-                <a:effectLst/>
-                <a:latin typeface="Arial"/>
-                <a:ea typeface="Times New Roman"/>
-                <a:cs typeface="Times New Roman"/>
-              </a:rPr>
-              <a:t>For this generic List&lt;T&gt;, declare a </a:t>
-            </a:r>
-            <a:r>
-              <a:rPr lang="en-US" sz="1600" spc="-10" dirty="0" err="1" smtClean="0">
-                <a:effectLst/>
-                <a:latin typeface="Arial"/>
-                <a:ea typeface="Times New Roman"/>
-                <a:cs typeface="Times New Roman"/>
-              </a:rPr>
-              <a:t>var</a:t>
-            </a:r>
-            <a:r>
-              <a:rPr lang="en-US" sz="1600" spc="-10" dirty="0" smtClean="0">
-                <a:effectLst/>
-                <a:latin typeface="Arial"/>
-                <a:ea typeface="Times New Roman"/>
-                <a:cs typeface="Times New Roman"/>
-              </a:rPr>
-              <a:t> to hold the list</a:t>
-            </a:r>
-          </a:p>
-          <a:p>
-            <a:pPr marL="747395" lvl="1">
-              <a:spcBef>
-                <a:spcPts val="0"/>
-              </a:spcBef>
-              <a:spcAft>
-                <a:spcPts val="600"/>
-              </a:spcAft>
-              <a:tabLst>
-                <a:tab pos="1371600" algn="l"/>
-                <a:tab pos="2743200" algn="l"/>
-              </a:tabLst>
-            </a:pPr>
-            <a:r>
-              <a:rPr lang="en-US" sz="1600" spc="-10" dirty="0" smtClean="0">
-                <a:latin typeface="Arial"/>
-                <a:ea typeface="Times New Roman"/>
-                <a:cs typeface="Times New Roman"/>
-              </a:rPr>
-              <a:t>Then call some method that will return the list</a:t>
-            </a:r>
-            <a:endParaRPr lang="en-US" sz="1600" spc="-10" dirty="0" smtClean="0">
-              <a:effectLst/>
-              <a:latin typeface="Arial"/>
-              <a:ea typeface="Times New Roman"/>
-              <a:cs typeface="Times New Roman"/>
-            </a:endParaRPr>
-          </a:p>
-          <a:p>
-            <a:pPr marL="4445" marR="0" indent="0">
-              <a:spcBef>
-                <a:spcPts val="0"/>
-              </a:spcBef>
-              <a:spcAft>
-                <a:spcPts val="600"/>
-              </a:spcAft>
-              <a:buNone/>
-              <a:tabLst>
-                <a:tab pos="1371600" algn="l"/>
-              </a:tabLst>
-            </a:pPr>
-            <a:endParaRPr lang="en-US" sz="1600" b="1" dirty="0" smtClean="0">
-              <a:solidFill>
-                <a:srgbClr val="000000"/>
-              </a:solidFill>
-              <a:effectLst/>
-              <a:latin typeface="Courier New"/>
-              <a:ea typeface="Times New Roman"/>
-              <a:cs typeface="Times New Roman"/>
-            </a:endParaRPr>
-          </a:p>
-          <a:p>
-            <a:pPr marL="4445" marR="0" indent="0">
-              <a:spcBef>
-                <a:spcPts val="0"/>
-              </a:spcBef>
-              <a:spcAft>
-                <a:spcPts val="600"/>
-              </a:spcAft>
-              <a:buNone/>
-              <a:tabLst>
-                <a:tab pos="1371600" algn="l"/>
-              </a:tabLst>
-            </a:pPr>
-            <a:r>
-              <a:rPr lang="en-US" sz="1600" b="1" dirty="0" smtClean="0">
-                <a:solidFill>
-                  <a:srgbClr val="000000"/>
-                </a:solidFill>
-                <a:effectLst/>
-                <a:latin typeface="Courier New"/>
-                <a:ea typeface="Times New Roman"/>
-                <a:cs typeface="Times New Roman"/>
-              </a:rPr>
-              <a:t>List&lt;Invoice&gt; </a:t>
-            </a:r>
-            <a:r>
-              <a:rPr lang="en-US" sz="1600" b="1" dirty="0" err="1" smtClean="0">
-                <a:solidFill>
-                  <a:srgbClr val="000000"/>
-                </a:solidFill>
-                <a:effectLst/>
-                <a:latin typeface="Courier New"/>
-                <a:ea typeface="Times New Roman"/>
-                <a:cs typeface="Times New Roman"/>
-              </a:rPr>
-              <a:t>invoiceList</a:t>
-            </a:r>
-            <a:r>
-              <a:rPr lang="en-US" sz="1600" b="1" dirty="0" smtClean="0">
-                <a:solidFill>
-                  <a:srgbClr val="000000"/>
-                </a:solidFill>
-                <a:effectLst/>
-                <a:latin typeface="Courier New"/>
-                <a:ea typeface="Times New Roman"/>
-                <a:cs typeface="Times New Roman"/>
-              </a:rPr>
-              <a:t> = </a:t>
-            </a:r>
-            <a:r>
-              <a:rPr lang="en-US" sz="1600" b="1" dirty="0" err="1" smtClean="0">
-                <a:solidFill>
-                  <a:srgbClr val="000000"/>
-                </a:solidFill>
-                <a:effectLst/>
-                <a:latin typeface="Courier New"/>
-                <a:ea typeface="Times New Roman"/>
-                <a:cs typeface="Times New Roman"/>
-              </a:rPr>
-              <a:t>InvoiceDB.GetInvoices</a:t>
-            </a:r>
-            <a:r>
-              <a:rPr lang="en-US" sz="1600" b="1" dirty="0" smtClean="0">
-                <a:solidFill>
-                  <a:srgbClr val="000000"/>
-                </a:solidFill>
-                <a:effectLst/>
-                <a:latin typeface="Courier New"/>
-                <a:ea typeface="Times New Roman"/>
-                <a:cs typeface="Times New Roman"/>
-              </a:rPr>
-              <a:t>();</a:t>
-            </a:r>
-          </a:p>
-          <a:p>
-            <a:pPr marL="4445" marR="0" indent="0">
-              <a:spcBef>
-                <a:spcPts val="0"/>
-              </a:spcBef>
-              <a:spcAft>
-                <a:spcPts val="600"/>
-              </a:spcAft>
-              <a:buNone/>
-              <a:tabLst>
-                <a:tab pos="1371600" algn="l"/>
-              </a:tabLst>
-            </a:pPr>
-            <a:r>
-              <a:rPr lang="en-US" sz="1600" b="1" dirty="0" smtClean="0">
-                <a:solidFill>
-                  <a:srgbClr val="1C6E1C"/>
-                </a:solidFill>
-                <a:latin typeface="Courier New"/>
-                <a:ea typeface="Times New Roman"/>
-                <a:cs typeface="Times New Roman"/>
-              </a:rPr>
-              <a:t>// assumes there is an </a:t>
-            </a:r>
-            <a:r>
-              <a:rPr lang="en-US" sz="1600" b="1" dirty="0" err="1" smtClean="0">
-                <a:solidFill>
-                  <a:srgbClr val="1C6E1C"/>
-                </a:solidFill>
-                <a:latin typeface="Courier New"/>
-                <a:ea typeface="Times New Roman"/>
-                <a:cs typeface="Times New Roman"/>
-              </a:rPr>
-              <a:t>InvoiceDB</a:t>
-            </a:r>
-            <a:r>
-              <a:rPr lang="en-US" sz="1600" b="1" dirty="0" smtClean="0">
-                <a:solidFill>
-                  <a:srgbClr val="1C6E1C"/>
-                </a:solidFill>
-                <a:latin typeface="Courier New"/>
-                <a:ea typeface="Times New Roman"/>
-                <a:cs typeface="Times New Roman"/>
-              </a:rPr>
-              <a:t> class with a </a:t>
-            </a:r>
-            <a:r>
-              <a:rPr lang="en-US" sz="1600" b="1" dirty="0" err="1" smtClean="0">
-                <a:solidFill>
-                  <a:srgbClr val="1C6E1C"/>
-                </a:solidFill>
-                <a:latin typeface="Courier New"/>
-                <a:ea typeface="Times New Roman"/>
-                <a:cs typeface="Times New Roman"/>
-              </a:rPr>
-              <a:t>GetInvoices</a:t>
-            </a:r>
-            <a:r>
-              <a:rPr lang="en-US" sz="1600" b="1" dirty="0" smtClean="0">
-                <a:solidFill>
-                  <a:srgbClr val="1C6E1C"/>
-                </a:solidFill>
-                <a:latin typeface="Courier New"/>
-                <a:ea typeface="Times New Roman"/>
-                <a:cs typeface="Times New Roman"/>
-              </a:rPr>
-              <a:t>() method that will return a List&lt;objects of type Invoice&gt;</a:t>
-            </a:r>
-          </a:p>
-          <a:p>
-            <a:pPr marL="4445" marR="0" indent="0">
-              <a:spcBef>
-                <a:spcPts val="0"/>
-              </a:spcBef>
-              <a:spcAft>
-                <a:spcPts val="600"/>
-              </a:spcAft>
-              <a:buNone/>
-              <a:tabLst>
-                <a:tab pos="1371600" algn="l"/>
-              </a:tabLst>
-            </a:pPr>
-            <a:endParaRPr lang="en-US" sz="1600" b="1" dirty="0">
-              <a:solidFill>
-                <a:srgbClr val="1C6E1C"/>
-              </a:solidFill>
-              <a:effectLst/>
-              <a:latin typeface="Courier New"/>
-              <a:ea typeface="Times New Roman"/>
-              <a:cs typeface="Times New Roman"/>
-            </a:endParaRPr>
-          </a:p>
-          <a:p>
-            <a:pPr marL="4445" marR="0" indent="0">
-              <a:spcBef>
-                <a:spcPts val="0"/>
-              </a:spcBef>
-              <a:spcAft>
-                <a:spcPts val="600"/>
-              </a:spcAft>
-              <a:buNone/>
-              <a:tabLst>
-                <a:tab pos="1371600" algn="l"/>
-              </a:tabLst>
-            </a:pPr>
-            <a:r>
-              <a:rPr lang="en-US" sz="1600" b="1" dirty="0" smtClean="0">
-                <a:solidFill>
-                  <a:srgbClr val="1C6E1C"/>
-                </a:solidFill>
-                <a:latin typeface="Courier New"/>
-                <a:ea typeface="Times New Roman"/>
-                <a:cs typeface="Times New Roman"/>
-              </a:rPr>
-              <a:t>// so now we “have” the data</a:t>
-            </a:r>
-            <a:endParaRPr lang="en-US" sz="1600" b="1" dirty="0" smtClean="0">
-              <a:solidFill>
-                <a:srgbClr val="1C6E1C"/>
-              </a:solidFill>
-              <a:effectLst/>
-              <a:latin typeface="Courier New"/>
-              <a:ea typeface="Times New Roman"/>
-              <a:cs typeface="Times New Roman"/>
-            </a:endParaRPr>
-          </a:p>
-          <a:p>
-            <a:pPr marL="4445" marR="0" indent="0">
-              <a:spcBef>
-                <a:spcPts val="0"/>
-              </a:spcBef>
-              <a:spcAft>
-                <a:spcPts val="600"/>
-              </a:spcAft>
-              <a:buNone/>
-              <a:tabLst>
-                <a:tab pos="1371600" algn="l"/>
-              </a:tabLst>
-            </a:pPr>
-            <a:endParaRPr lang="en-US" sz="1600" dirty="0">
-              <a:solidFill>
-                <a:srgbClr val="000000"/>
-              </a:solidFill>
-              <a:latin typeface="Courier New"/>
-              <a:ea typeface="Times New Roman"/>
-              <a:cs typeface="Times New Roman"/>
-            </a:endParaRPr>
-          </a:p>
-          <a:p>
-            <a:pPr marL="4445" indent="0">
-              <a:spcBef>
-                <a:spcPts val="0"/>
-              </a:spcBef>
-              <a:spcAft>
-                <a:spcPts val="600"/>
-              </a:spcAft>
-              <a:buNone/>
-              <a:tabLst>
-                <a:tab pos="1371600" algn="l"/>
-              </a:tabLst>
-            </a:pPr>
-            <a:endParaRPr lang="en-US" sz="1600" dirty="0" smtClean="0">
-              <a:solidFill>
-                <a:srgbClr val="000000"/>
-              </a:solidFill>
-              <a:effectLst/>
-              <a:latin typeface="Courier New"/>
-              <a:ea typeface="Times New Roman"/>
-              <a:cs typeface="Times New Roman"/>
-            </a:endParaRPr>
-          </a:p>
-          <a:p>
-            <a:pPr marL="4445" marR="0" indent="0">
-              <a:spcBef>
-                <a:spcPts val="0"/>
-              </a:spcBef>
-              <a:spcAft>
-                <a:spcPts val="600"/>
-              </a:spcAft>
-              <a:buNone/>
-              <a:tabLst>
-                <a:tab pos="1371600" algn="l"/>
-              </a:tabLst>
-            </a:pPr>
-            <a:endParaRPr lang="en-US" sz="300" dirty="0" smtClean="0">
-              <a:solidFill>
-                <a:srgbClr val="000000"/>
-              </a:solidFill>
-              <a:effectLst/>
-              <a:latin typeface="Courier New"/>
-              <a:ea typeface="Times New Roman"/>
-              <a:cs typeface="Times New Roman"/>
-            </a:endParaRPr>
-          </a:p>
-          <a:p>
-            <a:endParaRPr lang="en-US" sz="1600" dirty="0"/>
-          </a:p>
-        </p:txBody>
-      </p:sp>
-    </p:spTree>
-    <p:extLst>
-      <p:ext uri="{BB962C8B-B14F-4D97-AF65-F5344CB8AC3E}">
-        <p14:creationId xmlns:p14="http://schemas.microsoft.com/office/powerpoint/2010/main" val="2228889091"/>
-      </p:ext>
-    </p:extLst>
-  </p:cSld>
-  <p:clrMapOvr>
-    <a:masterClrMapping/>
-  </p:clrMapOvr>
-</p:sld>
-</file>
-
-<file path=ppt/slides/slide12.xml><?xml version="1.0" encoding="utf-8"?>
-<p:sld xmlns:a="http://schemas.openxmlformats.org/drawingml/2006/main" xmlns:r="http://schemas.openxmlformats.org/officeDocument/2006/relationships" xmlns:p="http://schemas.openxmlformats.org/presentationml/2006/main">
-  <p:cSld>
-    <p:spTree>
-      <p:nvGrpSpPr>
-        <p:cNvPr id="1" name=""/>
-        <p:cNvGrpSpPr/>
-        <p:nvPr/>
-      </p:nvGrpSpPr>
-      <p:grpSpPr>
-        <a:xfrm>
-          <a:off x="0" y="0"/>
-          <a:ext cx="0" cy="0"/>
-          <a:chOff x="0" y="0"/>
-          <a:chExt cx="0" cy="0"/>
-        </a:xfrm>
-      </p:grpSpPr>
-      <p:sp>
-        <p:nvSpPr>
-          <p:cNvPr id="2" name="Title 1"/>
-          <p:cNvSpPr>
-            <a:spLocks noGrp="1"/>
-          </p:cNvSpPr>
-          <p:nvPr>
-            <p:ph type="title"/>
-          </p:nvPr>
-        </p:nvSpPr>
-        <p:spPr>
-          <a:xfrm>
-            <a:off x="457200" y="274638"/>
-            <a:ext cx="8229600" cy="944562"/>
-          </a:xfrm>
-        </p:spPr>
-        <p:txBody>
-          <a:bodyPr>
-            <a:normAutofit fontScale="90000"/>
-          </a:bodyPr>
-          <a:lstStyle/>
-          <a:p>
-            <a:r>
-              <a:rPr lang="en-US" sz="3200" dirty="0"/>
-              <a:t>A LINQ-to-Objects query example where the</a:t>
-            </a:r>
-            <a:br>
-              <a:rPr lang="en-US" sz="3200" dirty="0"/>
-            </a:br>
-            <a:r>
-              <a:rPr lang="en-US" sz="3200" dirty="0"/>
-              <a:t>data is in a generic list (with deferred execution</a:t>
-            </a:r>
-            <a:r>
-              <a:rPr lang="en-US" sz="3200" dirty="0" smtClean="0"/>
-              <a:t>)-2</a:t>
-            </a:r>
-            <a:endParaRPr lang="en-US" sz="3200" dirty="0"/>
-          </a:p>
-        </p:txBody>
-      </p:sp>
-      <p:sp>
-        <p:nvSpPr>
-          <p:cNvPr id="3" name="Content Placeholder 2"/>
-          <p:cNvSpPr>
-            <a:spLocks noGrp="1"/>
-          </p:cNvSpPr>
-          <p:nvPr>
-            <p:ph idx="1"/>
-          </p:nvPr>
-        </p:nvSpPr>
-        <p:spPr>
-          <a:xfrm>
-            <a:off x="228600" y="1600200"/>
-            <a:ext cx="8229600" cy="4953000"/>
-          </a:xfrm>
-        </p:spPr>
-        <p:txBody>
-          <a:bodyPr>
-            <a:noAutofit/>
-          </a:bodyPr>
-          <a:lstStyle/>
-          <a:p>
-            <a:pPr marL="347345" marR="0">
-              <a:spcBef>
-                <a:spcPts val="0"/>
-              </a:spcBef>
-              <a:spcAft>
-                <a:spcPts val="600"/>
-              </a:spcAft>
-              <a:tabLst>
-                <a:tab pos="1371600" algn="l"/>
-                <a:tab pos="2743200" algn="l"/>
-              </a:tabLst>
-            </a:pPr>
-            <a:r>
-              <a:rPr lang="en-US" sz="2000" spc="-10" dirty="0" smtClean="0">
-                <a:solidFill>
-                  <a:srgbClr val="0000FF"/>
-                </a:solidFill>
-                <a:effectLst/>
-                <a:latin typeface="Arial"/>
-                <a:ea typeface="Times New Roman"/>
-                <a:cs typeface="Times New Roman"/>
-              </a:rPr>
-              <a:t>Q2 - statement that defines the query expression</a:t>
-            </a:r>
-          </a:p>
-          <a:p>
-            <a:pPr marL="347345" marR="0">
-              <a:spcBef>
-                <a:spcPts val="0"/>
-              </a:spcBef>
-              <a:spcAft>
-                <a:spcPts val="600"/>
-              </a:spcAft>
-              <a:tabLst>
-                <a:tab pos="1371600" algn="l"/>
-                <a:tab pos="2743200" algn="l"/>
-              </a:tabLst>
-            </a:pPr>
-            <a:r>
-              <a:rPr lang="en-US" sz="2000" spc="-10" dirty="0" smtClean="0">
-                <a:effectLst/>
-                <a:latin typeface="Arial"/>
-                <a:ea typeface="Times New Roman"/>
-                <a:cs typeface="Times New Roman"/>
-              </a:rPr>
-              <a:t>Define the query expression</a:t>
-            </a:r>
-          </a:p>
-          <a:p>
-            <a:pPr marL="747395" lvl="1">
-              <a:spcBef>
-                <a:spcPts val="0"/>
-              </a:spcBef>
-              <a:spcAft>
-                <a:spcPts val="600"/>
-              </a:spcAft>
-              <a:tabLst>
-                <a:tab pos="1371600" algn="l"/>
-                <a:tab pos="2743200" algn="l"/>
-              </a:tabLst>
-            </a:pPr>
-            <a:r>
-              <a:rPr lang="en-US" sz="1600" spc="-10" dirty="0" smtClean="0">
-                <a:latin typeface="Arial"/>
-                <a:ea typeface="Times New Roman"/>
-                <a:cs typeface="Times New Roman"/>
-              </a:rPr>
-              <a:t>Identify the data source  </a:t>
-            </a:r>
-            <a:r>
-              <a:rPr lang="en-US" sz="1600" b="1" spc="-10" dirty="0" smtClean="0">
-                <a:solidFill>
-                  <a:srgbClr val="C00000"/>
-                </a:solidFill>
-                <a:latin typeface="Arial"/>
-                <a:ea typeface="Times New Roman"/>
-                <a:cs typeface="Times New Roman"/>
-              </a:rPr>
-              <a:t>from</a:t>
-            </a:r>
-            <a:r>
-              <a:rPr lang="en-US" sz="1600" spc="-10" dirty="0" smtClean="0">
-                <a:latin typeface="Arial"/>
-                <a:ea typeface="Times New Roman"/>
-                <a:cs typeface="Times New Roman"/>
-              </a:rPr>
-              <a:t> (</a:t>
-            </a:r>
-            <a:r>
-              <a:rPr lang="en-US" sz="1600" spc="-10" dirty="0" err="1" smtClean="0">
-                <a:latin typeface="Arial"/>
-                <a:ea typeface="Times New Roman"/>
-                <a:cs typeface="Times New Roman"/>
-              </a:rPr>
-              <a:t>invoiceList</a:t>
-            </a:r>
-            <a:r>
-              <a:rPr lang="en-US" sz="1600" spc="-10" dirty="0" smtClean="0">
-                <a:latin typeface="Arial"/>
-                <a:ea typeface="Times New Roman"/>
-                <a:cs typeface="Times New Roman"/>
-              </a:rPr>
-              <a:t>)</a:t>
-            </a:r>
-          </a:p>
-          <a:p>
-            <a:pPr marL="747395" lvl="1">
-              <a:spcBef>
-                <a:spcPts val="0"/>
-              </a:spcBef>
-              <a:spcAft>
-                <a:spcPts val="600"/>
-              </a:spcAft>
-              <a:tabLst>
-                <a:tab pos="1371600" algn="l"/>
-                <a:tab pos="2743200" algn="l"/>
-              </a:tabLst>
-            </a:pPr>
-            <a:r>
-              <a:rPr lang="en-US" sz="1600" spc="-10" dirty="0" smtClean="0">
-                <a:effectLst/>
-                <a:latin typeface="Arial"/>
-                <a:ea typeface="Times New Roman"/>
-                <a:cs typeface="Times New Roman"/>
-              </a:rPr>
-              <a:t>And specify what data is too be retrieved from it (invoice objects, </a:t>
-            </a:r>
-            <a:r>
-              <a:rPr lang="en-US" sz="1600" b="1" spc="-10" dirty="0" smtClean="0">
-                <a:solidFill>
-                  <a:srgbClr val="C00000"/>
-                </a:solidFill>
-                <a:effectLst/>
-                <a:latin typeface="Arial"/>
-                <a:ea typeface="Times New Roman"/>
-                <a:cs typeface="Times New Roman"/>
-              </a:rPr>
-              <a:t>where</a:t>
-            </a:r>
-            <a:r>
-              <a:rPr lang="en-US" sz="1600" spc="-10" dirty="0" smtClean="0">
-                <a:effectLst/>
-                <a:latin typeface="Arial"/>
-                <a:ea typeface="Times New Roman"/>
-                <a:cs typeface="Times New Roman"/>
-              </a:rPr>
-              <a:t> their total is &gt; 20000)</a:t>
-            </a:r>
-          </a:p>
-          <a:p>
-            <a:pPr marL="747395" lvl="1">
-              <a:spcBef>
-                <a:spcPts val="0"/>
-              </a:spcBef>
-              <a:spcAft>
-                <a:spcPts val="600"/>
-              </a:spcAft>
-              <a:tabLst>
-                <a:tab pos="1371600" algn="l"/>
-                <a:tab pos="2743200" algn="l"/>
-              </a:tabLst>
-            </a:pPr>
-            <a:r>
-              <a:rPr lang="en-US" sz="1600" spc="-10" dirty="0" smtClean="0">
-                <a:latin typeface="Arial"/>
-                <a:ea typeface="Times New Roman"/>
-                <a:cs typeface="Times New Roman"/>
-              </a:rPr>
-              <a:t>Specify an </a:t>
-            </a:r>
-            <a:r>
-              <a:rPr lang="en-US" sz="1600" b="1" spc="-10" dirty="0" err="1" smtClean="0">
-                <a:solidFill>
-                  <a:srgbClr val="C00000"/>
-                </a:solidFill>
-                <a:latin typeface="Arial"/>
-                <a:ea typeface="Times New Roman"/>
-                <a:cs typeface="Times New Roman"/>
-              </a:rPr>
-              <a:t>orderby</a:t>
-            </a:r>
-            <a:endParaRPr lang="en-US" sz="1600" b="1" spc="-10" dirty="0" smtClean="0">
-              <a:solidFill>
-                <a:srgbClr val="C00000"/>
-              </a:solidFill>
-              <a:effectLst/>
-              <a:latin typeface="Arial"/>
-              <a:ea typeface="Times New Roman"/>
-              <a:cs typeface="Times New Roman"/>
-            </a:endParaRPr>
-          </a:p>
-          <a:p>
-            <a:pPr marL="4445" marR="0" indent="0">
-              <a:spcBef>
-                <a:spcPts val="0"/>
-              </a:spcBef>
-              <a:spcAft>
-                <a:spcPts val="0"/>
-              </a:spcAft>
-              <a:buNone/>
-              <a:tabLst>
-                <a:tab pos="1371600" algn="l"/>
-              </a:tabLst>
-            </a:pPr>
-            <a:r>
-              <a:rPr lang="en-US" sz="1600" b="1" dirty="0" err="1" smtClean="0">
-                <a:solidFill>
-                  <a:srgbClr val="000000"/>
-                </a:solidFill>
-                <a:effectLst/>
-                <a:latin typeface="Courier New"/>
-                <a:ea typeface="Times New Roman"/>
-                <a:cs typeface="Times New Roman"/>
-              </a:rPr>
-              <a:t>var</a:t>
-            </a:r>
-            <a:r>
-              <a:rPr lang="en-US" sz="1600" b="1" dirty="0" smtClean="0">
-                <a:solidFill>
-                  <a:srgbClr val="000000"/>
-                </a:solidFill>
-                <a:effectLst/>
-                <a:latin typeface="Courier New"/>
-                <a:ea typeface="Times New Roman"/>
-                <a:cs typeface="Times New Roman"/>
-              </a:rPr>
-              <a:t> </a:t>
-            </a:r>
-            <a:r>
-              <a:rPr lang="en-US" sz="1600" b="1" dirty="0" smtClean="0">
-                <a:solidFill>
-                  <a:schemeClr val="accent6">
-                    <a:lumMod val="50000"/>
-                  </a:schemeClr>
-                </a:solidFill>
-                <a:effectLst/>
-                <a:latin typeface="Courier New"/>
-                <a:ea typeface="Times New Roman"/>
-                <a:cs typeface="Times New Roman"/>
-              </a:rPr>
-              <a:t>invoices</a:t>
-            </a:r>
-            <a:r>
-              <a:rPr lang="en-US" sz="1600" b="1" dirty="0" smtClean="0">
-                <a:solidFill>
-                  <a:srgbClr val="000000"/>
-                </a:solidFill>
-                <a:effectLst/>
-                <a:latin typeface="Courier New"/>
-                <a:ea typeface="Times New Roman"/>
-                <a:cs typeface="Times New Roman"/>
-              </a:rPr>
-              <a:t> = from invoice in </a:t>
-            </a:r>
-            <a:r>
-              <a:rPr lang="en-US" sz="1600" b="1" dirty="0" err="1" smtClean="0">
-                <a:solidFill>
-                  <a:srgbClr val="000000"/>
-                </a:solidFill>
-                <a:effectLst/>
-                <a:latin typeface="Courier New"/>
-                <a:ea typeface="Times New Roman"/>
-                <a:cs typeface="Times New Roman"/>
-              </a:rPr>
-              <a:t>invoiceList</a:t>
-            </a:r>
-            <a:endParaRPr lang="en-US" sz="1600" b="1" dirty="0" smtClean="0">
-              <a:effectLst/>
-              <a:latin typeface="Courier New"/>
-              <a:ea typeface="Times New Roman"/>
-              <a:cs typeface="Times New Roman"/>
-            </a:endParaRPr>
-          </a:p>
-          <a:p>
-            <a:pPr marL="4445" marR="0" indent="0">
-              <a:spcBef>
-                <a:spcPts val="0"/>
-              </a:spcBef>
-              <a:spcAft>
-                <a:spcPts val="0"/>
-              </a:spcAft>
-              <a:buNone/>
-              <a:tabLst>
-                <a:tab pos="1371600" algn="l"/>
-              </a:tabLst>
-            </a:pPr>
-            <a:r>
-              <a:rPr lang="en-US" sz="1600" b="1" dirty="0" smtClean="0">
-                <a:solidFill>
-                  <a:srgbClr val="000000"/>
-                </a:solidFill>
-                <a:effectLst/>
-                <a:latin typeface="Courier New"/>
-                <a:ea typeface="Times New Roman"/>
-                <a:cs typeface="Times New Roman"/>
-              </a:rPr>
-              <a:t>               where </a:t>
-            </a:r>
-            <a:r>
-              <a:rPr lang="en-US" sz="1600" b="1" dirty="0" err="1" smtClean="0">
-                <a:solidFill>
-                  <a:srgbClr val="000000"/>
-                </a:solidFill>
-                <a:effectLst/>
-                <a:latin typeface="Courier New"/>
-                <a:ea typeface="Times New Roman"/>
-                <a:cs typeface="Times New Roman"/>
-              </a:rPr>
-              <a:t>invoice.InvoiceTotal</a:t>
-            </a:r>
-            <a:r>
-              <a:rPr lang="en-US" sz="1600" b="1" dirty="0" smtClean="0">
-                <a:solidFill>
-                  <a:srgbClr val="000000"/>
-                </a:solidFill>
-                <a:effectLst/>
-                <a:latin typeface="Courier New"/>
-                <a:ea typeface="Times New Roman"/>
-                <a:cs typeface="Times New Roman"/>
-              </a:rPr>
-              <a:t> &gt; 20000</a:t>
-            </a:r>
-            <a:endParaRPr lang="en-US" sz="1600" b="1" dirty="0" smtClean="0">
-              <a:effectLst/>
-              <a:latin typeface="Courier New"/>
-              <a:ea typeface="Times New Roman"/>
-              <a:cs typeface="Times New Roman"/>
-            </a:endParaRPr>
-          </a:p>
-          <a:p>
-            <a:pPr marL="4445" marR="0" indent="0">
-              <a:spcBef>
-                <a:spcPts val="0"/>
-              </a:spcBef>
-              <a:spcAft>
-                <a:spcPts val="0"/>
-              </a:spcAft>
-              <a:buNone/>
-              <a:tabLst>
-                <a:tab pos="1371600" algn="l"/>
-              </a:tabLst>
-            </a:pPr>
-            <a:r>
-              <a:rPr lang="en-US" sz="1600" b="1" dirty="0" smtClean="0">
-                <a:solidFill>
-                  <a:srgbClr val="000000"/>
-                </a:solidFill>
-                <a:effectLst/>
-                <a:latin typeface="Courier New"/>
-                <a:ea typeface="Times New Roman"/>
-                <a:cs typeface="Times New Roman"/>
-              </a:rPr>
-              <a:t>               </a:t>
-            </a:r>
-            <a:r>
-              <a:rPr lang="en-US" sz="1600" b="1" dirty="0" err="1" smtClean="0">
-                <a:solidFill>
-                  <a:srgbClr val="000000"/>
-                </a:solidFill>
-                <a:effectLst/>
-                <a:latin typeface="Courier New"/>
-                <a:ea typeface="Times New Roman"/>
-                <a:cs typeface="Times New Roman"/>
-              </a:rPr>
-              <a:t>orderby</a:t>
-            </a:r>
-            <a:r>
-              <a:rPr lang="en-US" sz="1600" b="1" dirty="0" smtClean="0">
-                <a:solidFill>
-                  <a:srgbClr val="000000"/>
-                </a:solidFill>
-                <a:effectLst/>
-                <a:latin typeface="Courier New"/>
-                <a:ea typeface="Times New Roman"/>
-                <a:cs typeface="Times New Roman"/>
-              </a:rPr>
-              <a:t> </a:t>
-            </a:r>
-            <a:r>
-              <a:rPr lang="en-US" sz="1600" b="1" dirty="0" err="1" smtClean="0">
-                <a:solidFill>
-                  <a:srgbClr val="000000"/>
-                </a:solidFill>
-                <a:effectLst/>
-                <a:latin typeface="Courier New"/>
-                <a:ea typeface="Times New Roman"/>
-                <a:cs typeface="Times New Roman"/>
-              </a:rPr>
-              <a:t>invoice.InvoiceTotal</a:t>
-            </a:r>
-            <a:r>
-              <a:rPr lang="en-US" sz="1600" b="1" dirty="0" smtClean="0">
-                <a:solidFill>
-                  <a:srgbClr val="000000"/>
-                </a:solidFill>
-                <a:effectLst/>
-                <a:latin typeface="Courier New"/>
-                <a:ea typeface="Times New Roman"/>
-                <a:cs typeface="Times New Roman"/>
-              </a:rPr>
-              <a:t> descending</a:t>
-            </a:r>
-          </a:p>
-          <a:p>
-            <a:pPr marL="4445" marR="0" indent="0">
-              <a:spcBef>
-                <a:spcPts val="0"/>
-              </a:spcBef>
-              <a:spcAft>
-                <a:spcPts val="0"/>
-              </a:spcAft>
-              <a:buNone/>
-              <a:tabLst>
-                <a:tab pos="1371600" algn="l"/>
-              </a:tabLst>
-            </a:pPr>
-            <a:endParaRPr lang="en-US" sz="1600" b="1" dirty="0">
-              <a:solidFill>
-                <a:srgbClr val="000000"/>
-              </a:solidFill>
-              <a:latin typeface="Courier New"/>
-              <a:ea typeface="Times New Roman"/>
-              <a:cs typeface="Times New Roman"/>
-            </a:endParaRPr>
-          </a:p>
-          <a:p>
-            <a:pPr marL="347345">
-              <a:spcBef>
-                <a:spcPts val="0"/>
-              </a:spcBef>
-              <a:tabLst>
-                <a:tab pos="1371600" algn="l"/>
-              </a:tabLst>
-            </a:pPr>
-            <a:r>
-              <a:rPr lang="en-US" sz="2000" spc="-10" dirty="0" smtClean="0">
-                <a:solidFill>
-                  <a:prstClr val="black"/>
-                </a:solidFill>
-                <a:latin typeface="Arial"/>
-                <a:ea typeface="Times New Roman"/>
-                <a:cs typeface="Times New Roman"/>
-              </a:rPr>
-              <a:t>The query expression is stored in a </a:t>
-            </a:r>
-            <a:r>
-              <a:rPr lang="en-US" sz="2000" i="1" spc="-10" dirty="0" smtClean="0">
-                <a:solidFill>
-                  <a:prstClr val="black"/>
-                </a:solidFill>
-                <a:latin typeface="Arial"/>
-                <a:ea typeface="Times New Roman"/>
-                <a:cs typeface="Times New Roman"/>
-              </a:rPr>
-              <a:t>query variable </a:t>
-            </a:r>
-            <a:r>
-              <a:rPr lang="en-US" sz="2000" spc="-10" dirty="0" smtClean="0">
-                <a:solidFill>
-                  <a:prstClr val="black"/>
-                </a:solidFill>
-                <a:latin typeface="Arial"/>
-                <a:ea typeface="Times New Roman"/>
-                <a:cs typeface="Times New Roman"/>
-              </a:rPr>
-              <a:t>(invoices)</a:t>
-            </a:r>
-          </a:p>
-          <a:p>
-            <a:pPr marL="747395" lvl="1">
-              <a:spcBef>
-                <a:spcPts val="0"/>
-              </a:spcBef>
-              <a:tabLst>
-                <a:tab pos="1371600" algn="l"/>
-              </a:tabLst>
-            </a:pPr>
-            <a:r>
-              <a:rPr lang="en-US" sz="1400" spc="-10" dirty="0" smtClean="0">
-                <a:solidFill>
-                  <a:prstClr val="black"/>
-                </a:solidFill>
-                <a:effectLst/>
-                <a:latin typeface="Arial"/>
-                <a:ea typeface="Times New Roman"/>
-                <a:cs typeface="Times New Roman"/>
-              </a:rPr>
-              <a:t>Must be this way as the query is not executed here, it is just defined (</a:t>
-            </a:r>
-            <a:r>
-              <a:rPr lang="en-US" sz="1400" i="1" spc="-10" dirty="0" smtClean="0">
-                <a:solidFill>
-                  <a:srgbClr val="0070C0"/>
-                </a:solidFill>
-                <a:effectLst/>
-                <a:latin typeface="Arial"/>
-                <a:ea typeface="Times New Roman"/>
-                <a:cs typeface="Times New Roman"/>
-              </a:rPr>
-              <a:t>deferred ex</a:t>
-            </a:r>
-            <a:r>
-              <a:rPr lang="en-US" sz="1400" spc="-10" dirty="0" smtClean="0">
-                <a:solidFill>
-                  <a:prstClr val="black"/>
-                </a:solidFill>
-                <a:effectLst/>
-                <a:latin typeface="Arial"/>
-                <a:ea typeface="Times New Roman"/>
-                <a:cs typeface="Times New Roman"/>
-              </a:rPr>
-              <a:t>)</a:t>
-            </a:r>
-          </a:p>
-          <a:p>
-            <a:pPr marL="747395" lvl="1">
-              <a:spcBef>
-                <a:spcPts val="0"/>
-              </a:spcBef>
-              <a:tabLst>
-                <a:tab pos="1371600" algn="l"/>
-              </a:tabLst>
-            </a:pPr>
-            <a:r>
-              <a:rPr lang="en-US" sz="1400" spc="-10" dirty="0" smtClean="0">
-                <a:solidFill>
-                  <a:prstClr val="black"/>
-                </a:solidFill>
-                <a:latin typeface="Arial"/>
-                <a:ea typeface="Times New Roman"/>
-                <a:cs typeface="Times New Roman"/>
-              </a:rPr>
-              <a:t>This query variable, </a:t>
-            </a:r>
-            <a:r>
-              <a:rPr lang="en-US" sz="1400" b="1" dirty="0" smtClean="0">
-                <a:solidFill>
-                  <a:schemeClr val="accent6">
-                    <a:lumMod val="50000"/>
-                  </a:schemeClr>
-                </a:solidFill>
-                <a:effectLst/>
-                <a:latin typeface="Courier New"/>
-                <a:ea typeface="Times New Roman"/>
-                <a:cs typeface="Times New Roman"/>
-              </a:rPr>
-              <a:t>invoices,</a:t>
-            </a:r>
-            <a:r>
-              <a:rPr lang="en-US" sz="1400" spc="-10" dirty="0" smtClean="0">
-                <a:solidFill>
-                  <a:prstClr val="black"/>
-                </a:solidFill>
-                <a:latin typeface="Arial"/>
-                <a:ea typeface="Times New Roman"/>
-                <a:cs typeface="Times New Roman"/>
-              </a:rPr>
-              <a:t> is not given a pre-defined type,  it gets its type set based on the type of elements returned from the right side of the statement.</a:t>
-            </a:r>
-          </a:p>
-          <a:p>
-            <a:pPr marL="747395" lvl="1">
-              <a:spcBef>
-                <a:spcPts val="0"/>
-              </a:spcBef>
-              <a:tabLst>
-                <a:tab pos="1371600" algn="l"/>
-              </a:tabLst>
-            </a:pPr>
-            <a:r>
-              <a:rPr lang="en-US" sz="1400" spc="-10" dirty="0" smtClean="0">
-                <a:solidFill>
-                  <a:prstClr val="black"/>
-                </a:solidFill>
-                <a:effectLst/>
-                <a:latin typeface="Arial"/>
-                <a:ea typeface="Times New Roman"/>
-                <a:cs typeface="Times New Roman"/>
-              </a:rPr>
-              <a:t>In this case, </a:t>
-            </a:r>
-            <a:r>
-              <a:rPr lang="en-US" sz="1400" b="1" dirty="0" smtClean="0">
-                <a:solidFill>
-                  <a:schemeClr val="accent6">
-                    <a:lumMod val="50000"/>
-                  </a:schemeClr>
-                </a:solidFill>
-                <a:effectLst/>
-                <a:latin typeface="Courier New"/>
-                <a:ea typeface="Times New Roman"/>
-                <a:cs typeface="Times New Roman"/>
-              </a:rPr>
-              <a:t>invoices</a:t>
-            </a:r>
-            <a:r>
-              <a:rPr lang="en-US" sz="1400" b="1" dirty="0" smtClean="0">
-                <a:solidFill>
-                  <a:srgbClr val="000000"/>
-                </a:solidFill>
-                <a:effectLst/>
-                <a:latin typeface="Courier New"/>
-                <a:ea typeface="Times New Roman"/>
-                <a:cs typeface="Times New Roman"/>
-              </a:rPr>
-              <a:t> </a:t>
-            </a:r>
-            <a:r>
-              <a:rPr lang="en-US" sz="1400" spc="-10" dirty="0" smtClean="0">
-                <a:solidFill>
-                  <a:prstClr val="black"/>
-                </a:solidFill>
-                <a:effectLst/>
-                <a:latin typeface="Arial"/>
-                <a:ea typeface="Times New Roman"/>
-                <a:cs typeface="Times New Roman"/>
-              </a:rPr>
-              <a:t>is given the type </a:t>
-            </a:r>
-            <a:r>
-              <a:rPr lang="en-US" sz="1400" spc="-10" dirty="0" err="1" smtClean="0">
-                <a:solidFill>
-                  <a:prstClr val="black"/>
-                </a:solidFill>
-                <a:effectLst/>
-                <a:latin typeface="Arial"/>
-                <a:ea typeface="Times New Roman"/>
-                <a:cs typeface="Times New Roman"/>
-              </a:rPr>
-              <a:t>IEnumerable</a:t>
-            </a:r>
-            <a:r>
-              <a:rPr lang="en-US" sz="1400" spc="-10" dirty="0" smtClean="0">
-                <a:solidFill>
-                  <a:prstClr val="black"/>
-                </a:solidFill>
-                <a:latin typeface="Arial"/>
-                <a:ea typeface="Times New Roman"/>
-                <a:cs typeface="Times New Roman"/>
-              </a:rPr>
-              <a:t>&lt;Invoice&gt; </a:t>
-            </a:r>
-          </a:p>
-          <a:p>
-            <a:pPr marL="747395" lvl="1">
-              <a:spcBef>
-                <a:spcPts val="0"/>
-              </a:spcBef>
-              <a:tabLst>
-                <a:tab pos="1371600" algn="l"/>
-              </a:tabLst>
-            </a:pPr>
-            <a:r>
-              <a:rPr lang="en-US" sz="1400" spc="-10" dirty="0" smtClean="0">
-                <a:solidFill>
-                  <a:prstClr val="black"/>
-                </a:solidFill>
-                <a:latin typeface="Arial"/>
-                <a:ea typeface="Times New Roman"/>
-                <a:cs typeface="Times New Roman"/>
-              </a:rPr>
-              <a:t>For this to work, the data source must be an enumerable type, meaning, it implements the </a:t>
-            </a:r>
-            <a:r>
-              <a:rPr lang="en-US" sz="1400" spc="-10" dirty="0" err="1" smtClean="0">
-                <a:solidFill>
-                  <a:prstClr val="black"/>
-                </a:solidFill>
-                <a:latin typeface="Arial"/>
-                <a:ea typeface="Times New Roman"/>
-                <a:cs typeface="Times New Roman"/>
-              </a:rPr>
-              <a:t>IEnumerable</a:t>
-            </a:r>
-            <a:r>
-              <a:rPr lang="en-US" sz="1400" spc="-10" dirty="0" smtClean="0">
-                <a:solidFill>
-                  <a:prstClr val="black"/>
-                </a:solidFill>
-                <a:latin typeface="Arial"/>
-                <a:ea typeface="Times New Roman"/>
-                <a:cs typeface="Times New Roman"/>
-              </a:rPr>
-              <a:t>&lt;T&gt; interface (or another one, the </a:t>
-            </a:r>
-            <a:r>
-              <a:rPr lang="en-US" sz="1400" spc="-10" dirty="0" err="1" smtClean="0">
-                <a:solidFill>
-                  <a:prstClr val="black"/>
-                </a:solidFill>
-                <a:latin typeface="Arial"/>
-                <a:ea typeface="Times New Roman"/>
-                <a:cs typeface="Times New Roman"/>
-              </a:rPr>
-              <a:t>IQueryable</a:t>
-            </a:r>
-            <a:r>
-              <a:rPr lang="en-US" sz="1400" spc="-10" dirty="0" smtClean="0">
-                <a:solidFill>
-                  <a:prstClr val="black"/>
-                </a:solidFill>
-                <a:latin typeface="Arial"/>
-                <a:ea typeface="Times New Roman"/>
-                <a:cs typeface="Times New Roman"/>
-              </a:rPr>
-              <a:t>&lt;T&gt; interface which is a superset</a:t>
-            </a:r>
-          </a:p>
-          <a:p>
-            <a:pPr marL="747395" lvl="1">
-              <a:spcBef>
-                <a:spcPts val="0"/>
-              </a:spcBef>
-              <a:tabLst>
-                <a:tab pos="1371600" algn="l"/>
-              </a:tabLst>
-            </a:pPr>
-            <a:r>
-              <a:rPr lang="en-US" sz="1400" spc="-10" dirty="0" smtClean="0">
-                <a:solidFill>
-                  <a:prstClr val="black"/>
-                </a:solidFill>
-                <a:latin typeface="Arial"/>
-                <a:ea typeface="Times New Roman"/>
-                <a:cs typeface="Times New Roman"/>
-              </a:rPr>
-              <a:t>(The List&lt;&gt; class </a:t>
-            </a:r>
-            <a:r>
-              <a:rPr lang="en-US" sz="1400" i="1" spc="-10" dirty="0" smtClean="0">
-                <a:solidFill>
-                  <a:prstClr val="black"/>
-                </a:solidFill>
-                <a:latin typeface="Arial"/>
-                <a:ea typeface="Times New Roman"/>
-                <a:cs typeface="Times New Roman"/>
-              </a:rPr>
-              <a:t>does</a:t>
-            </a:r>
-            <a:r>
-              <a:rPr lang="en-US" sz="1400" spc="-10" dirty="0" smtClean="0">
-                <a:solidFill>
-                  <a:prstClr val="black"/>
-                </a:solidFill>
-                <a:latin typeface="Arial"/>
-                <a:ea typeface="Times New Roman"/>
-                <a:cs typeface="Times New Roman"/>
-              </a:rPr>
-              <a:t> implement </a:t>
-            </a:r>
-            <a:r>
-              <a:rPr lang="en-US" sz="1400" spc="-10" dirty="0">
-                <a:solidFill>
-                  <a:prstClr val="black"/>
-                </a:solidFill>
-                <a:latin typeface="Arial"/>
-                <a:ea typeface="Times New Roman"/>
-                <a:cs typeface="Times New Roman"/>
-              </a:rPr>
-              <a:t>the </a:t>
-            </a:r>
-            <a:r>
-              <a:rPr lang="en-US" sz="1400" spc="-10" dirty="0" err="1">
-                <a:solidFill>
-                  <a:prstClr val="black"/>
-                </a:solidFill>
-                <a:latin typeface="Arial"/>
-                <a:ea typeface="Times New Roman"/>
-                <a:cs typeface="Times New Roman"/>
-              </a:rPr>
-              <a:t>IEnumerable</a:t>
-            </a:r>
-            <a:r>
-              <a:rPr lang="en-US" sz="1400" spc="-10" dirty="0">
-                <a:solidFill>
-                  <a:prstClr val="black"/>
-                </a:solidFill>
-                <a:latin typeface="Arial"/>
-                <a:ea typeface="Times New Roman"/>
-                <a:cs typeface="Times New Roman"/>
-              </a:rPr>
-              <a:t>&lt;T&gt; interface </a:t>
-            </a:r>
-            <a:r>
-              <a:rPr lang="en-US" sz="1400" spc="-10" dirty="0" smtClean="0">
-                <a:solidFill>
-                  <a:prstClr val="black"/>
-                </a:solidFill>
-                <a:latin typeface="Arial"/>
-                <a:ea typeface="Times New Roman"/>
-                <a:cs typeface="Times New Roman"/>
-              </a:rPr>
-              <a:t>)</a:t>
-            </a:r>
-            <a:endParaRPr lang="en-US" sz="1100" dirty="0">
-              <a:latin typeface="Courier New"/>
-              <a:ea typeface="Times New Roman"/>
-              <a:cs typeface="Times New Roman"/>
-            </a:endParaRPr>
-          </a:p>
-        </p:txBody>
-      </p:sp>
-    </p:spTree>
-    <p:extLst>
-      <p:ext uri="{BB962C8B-B14F-4D97-AF65-F5344CB8AC3E}">
-        <p14:creationId xmlns:p14="http://schemas.microsoft.com/office/powerpoint/2010/main" val="1869031716"/>
-      </p:ext>
-    </p:extLst>
-  </p:cSld>
-  <p:clrMapOvr>
-    <a:masterClrMapping/>
-  </p:clrMapOvr>
-</p:sld>
-</file>
-
-<file path=ppt/slides/slide13.xml><?xml version="1.0" encoding="utf-8"?>
-<p:sld xmlns:a="http://schemas.openxmlformats.org/drawingml/2006/main" xmlns:r="http://schemas.openxmlformats.org/officeDocument/2006/relationships" xmlns:p="http://schemas.openxmlformats.org/presentationml/2006/main">
-  <p:cSld>
-    <p:spTree>
-      <p:nvGrpSpPr>
-        <p:cNvPr id="1" name=""/>
-        <p:cNvGrpSpPr/>
-        <p:nvPr/>
-      </p:nvGrpSpPr>
-      <p:grpSpPr>
-        <a:xfrm>
-          <a:off x="0" y="0"/>
-          <a:ext cx="0" cy="0"/>
-          <a:chOff x="0" y="0"/>
-          <a:chExt cx="0" cy="0"/>
-        </a:xfrm>
-      </p:grpSpPr>
-      <p:pic>
-        <p:nvPicPr>
-          <p:cNvPr id="4" name="Picture 3" descr="Figure 17-2"/>
-          <p:cNvPicPr>
-            <a:picLocks noChangeAspect="1" noChangeArrowheads="1"/>
-          </p:cNvPicPr>
-          <p:nvPr/>
-        </p:nvPicPr>
-        <p:blipFill>
-          <a:blip r:embed="rId2">
-            <a:extLst>
-              <a:ext uri="{28A0092B-C50C-407E-A947-70E740481C1C}">
-                <a14:useLocalDpi xmlns:a14="http://schemas.microsoft.com/office/drawing/2010/main" val="0"/>
-              </a:ext>
-            </a:extLst>
-          </a:blip>
-          <a:srcRect/>
-          <a:stretch>
-            <a:fillRect/>
-          </a:stretch>
-        </p:blipFill>
-        <p:spPr bwMode="auto">
-          <a:xfrm>
-            <a:off x="6553200" y="152400"/>
-            <a:ext cx="2461846" cy="2000250"/>
-          </a:xfrm>
-          <a:prstGeom prst="rect">
-            <a:avLst/>
-          </a:prstGeom>
-          <a:noFill/>
-          <a:extLst>
-            <a:ext uri="{909E8E84-426E-40DD-AFC4-6F175D3DCCD1}">
-              <a14:hiddenFill xmlns:a14="http://schemas.microsoft.com/office/drawing/2010/main">
-                <a:solidFill>
-                  <a:srgbClr val="FFFFFF"/>
-                </a:solidFill>
-              </a14:hiddenFill>
-            </a:ext>
-          </a:extLst>
-        </p:spPr>
-      </p:pic>
-      <p:sp>
-        <p:nvSpPr>
-          <p:cNvPr id="2" name="Title 1"/>
-          <p:cNvSpPr>
-            <a:spLocks noGrp="1"/>
-          </p:cNvSpPr>
-          <p:nvPr>
-            <p:ph type="title"/>
-          </p:nvPr>
-        </p:nvSpPr>
-        <p:spPr>
-          <a:xfrm>
-            <a:off x="457200" y="274638"/>
-            <a:ext cx="5715000" cy="1143000"/>
-          </a:xfrm>
-        </p:spPr>
-        <p:txBody>
-          <a:bodyPr>
-            <a:normAutofit fontScale="90000"/>
-          </a:bodyPr>
-          <a:lstStyle/>
-          <a:p>
-            <a:pPr algn="l"/>
-            <a:r>
-              <a:rPr lang="en-US" sz="2800" dirty="0"/>
-              <a:t>A LINQ-to-Objects query example where </a:t>
-            </a:r>
-            <a:r>
-              <a:rPr lang="en-US" sz="2800" dirty="0" smtClean="0"/>
-              <a:t>the data </a:t>
-            </a:r>
-            <a:r>
-              <a:rPr lang="en-US" sz="2800" dirty="0"/>
-              <a:t>is in a generic list (with deferred execution</a:t>
-            </a:r>
-            <a:r>
-              <a:rPr lang="en-US" sz="2800" dirty="0" smtClean="0"/>
-              <a:t>)-3</a:t>
-            </a:r>
-            <a:endParaRPr lang="en-US" sz="2800" dirty="0"/>
-          </a:p>
-        </p:txBody>
-      </p:sp>
-      <p:sp>
-        <p:nvSpPr>
-          <p:cNvPr id="3" name="Content Placeholder 2"/>
-          <p:cNvSpPr>
-            <a:spLocks noGrp="1"/>
-          </p:cNvSpPr>
-          <p:nvPr>
-            <p:ph idx="1"/>
-          </p:nvPr>
-        </p:nvSpPr>
-        <p:spPr>
-          <a:xfrm>
-            <a:off x="228600" y="1752600"/>
-            <a:ext cx="8229600" cy="4724400"/>
-          </a:xfrm>
-        </p:spPr>
-        <p:txBody>
-          <a:bodyPr>
-            <a:noAutofit/>
-          </a:bodyPr>
-          <a:lstStyle/>
-          <a:p>
-            <a:pPr marL="347345" marR="0">
-              <a:spcBef>
-                <a:spcPts val="0"/>
-              </a:spcBef>
-              <a:spcAft>
-                <a:spcPts val="600"/>
-              </a:spcAft>
-              <a:tabLst>
-                <a:tab pos="1371600" algn="l"/>
-                <a:tab pos="2743200" algn="l"/>
-              </a:tabLst>
-            </a:pPr>
-            <a:r>
-              <a:rPr lang="en-US" sz="2000" b="1" spc="-10" dirty="0" smtClean="0">
-                <a:solidFill>
-                  <a:srgbClr val="0000FF"/>
-                </a:solidFill>
-                <a:effectLst/>
-                <a:latin typeface="Arial"/>
-                <a:ea typeface="Times New Roman"/>
-                <a:cs typeface="Times New Roman"/>
-              </a:rPr>
-              <a:t>Q3 - Code that executes the query</a:t>
-            </a:r>
-          </a:p>
-          <a:p>
-            <a:pPr marL="347345" marR="0">
-              <a:spcBef>
-                <a:spcPts val="0"/>
-              </a:spcBef>
-              <a:spcAft>
-                <a:spcPts val="600"/>
-              </a:spcAft>
-              <a:tabLst>
-                <a:tab pos="1371600" algn="l"/>
-                <a:tab pos="2743200" algn="l"/>
-              </a:tabLst>
-            </a:pPr>
-            <a:r>
-              <a:rPr lang="en-US" sz="2000" spc="-10" dirty="0" smtClean="0">
-                <a:latin typeface="Arial"/>
-                <a:ea typeface="Times New Roman"/>
-                <a:cs typeface="Times New Roman"/>
-              </a:rPr>
-              <a:t>Typically use a </a:t>
-            </a:r>
-            <a:r>
-              <a:rPr lang="en-US" sz="2000" spc="-10" dirty="0" err="1" smtClean="0">
-                <a:latin typeface="Arial"/>
-                <a:ea typeface="Times New Roman"/>
-                <a:cs typeface="Times New Roman"/>
-              </a:rPr>
-              <a:t>foreach</a:t>
-            </a:r>
-            <a:r>
-              <a:rPr lang="en-US" sz="2000" spc="-10" dirty="0" smtClean="0">
-                <a:latin typeface="Arial"/>
-                <a:ea typeface="Times New Roman"/>
-                <a:cs typeface="Times New Roman"/>
-              </a:rPr>
-              <a:t> loop</a:t>
-            </a:r>
-          </a:p>
-          <a:p>
-            <a:pPr marL="347345" marR="0">
-              <a:spcBef>
-                <a:spcPts val="0"/>
-              </a:spcBef>
-              <a:spcAft>
-                <a:spcPts val="600"/>
-              </a:spcAft>
-              <a:tabLst>
-                <a:tab pos="1371600" algn="l"/>
-                <a:tab pos="2743200" algn="l"/>
-              </a:tabLst>
-            </a:pPr>
-            <a:r>
-              <a:rPr lang="en-US" sz="2000" spc="-10" dirty="0" smtClean="0">
-                <a:latin typeface="Arial"/>
-                <a:ea typeface="Times New Roman"/>
-                <a:cs typeface="Times New Roman"/>
-              </a:rPr>
-              <a:t>(In this example, we are just taking the query results and appending them all to one string.)</a:t>
-            </a:r>
-          </a:p>
-          <a:p>
-            <a:pPr marL="4445" marR="0" indent="0">
-              <a:spcBef>
-                <a:spcPts val="0"/>
-              </a:spcBef>
-              <a:spcAft>
-                <a:spcPts val="600"/>
-              </a:spcAft>
-              <a:buNone/>
-              <a:tabLst>
-                <a:tab pos="1371600" algn="l"/>
-                <a:tab pos="2743200" algn="l"/>
-              </a:tabLst>
-            </a:pPr>
-            <a:endParaRPr lang="en-US" sz="2000" spc="-10" dirty="0" smtClean="0">
-              <a:effectLst/>
-              <a:latin typeface="Arial"/>
-              <a:ea typeface="Times New Roman"/>
-              <a:cs typeface="Times New Roman"/>
-            </a:endParaRPr>
-          </a:p>
-          <a:p>
-            <a:pPr marL="4445" marR="0" indent="0">
-              <a:spcBef>
-                <a:spcPts val="0"/>
-              </a:spcBef>
-              <a:spcAft>
-                <a:spcPts val="0"/>
-              </a:spcAft>
-              <a:buNone/>
-              <a:tabLst>
-                <a:tab pos="1371600" algn="l"/>
-              </a:tabLst>
-            </a:pPr>
-            <a:r>
-              <a:rPr lang="en-US" sz="1600" b="1" dirty="0" smtClean="0">
-                <a:solidFill>
-                  <a:srgbClr val="000000"/>
-                </a:solidFill>
-                <a:effectLst/>
-                <a:latin typeface="Courier New"/>
-                <a:ea typeface="Times New Roman"/>
-                <a:cs typeface="Times New Roman"/>
-              </a:rPr>
-              <a:t>string </a:t>
-            </a:r>
-            <a:r>
-              <a:rPr lang="en-US" sz="1600" b="1" dirty="0" err="1" smtClean="0">
-                <a:solidFill>
-                  <a:srgbClr val="000000"/>
-                </a:solidFill>
-                <a:effectLst/>
-                <a:latin typeface="Courier New"/>
-                <a:ea typeface="Times New Roman"/>
-                <a:cs typeface="Times New Roman"/>
-              </a:rPr>
-              <a:t>invoiceDisplay</a:t>
-            </a:r>
-            <a:r>
-              <a:rPr lang="en-US" sz="1600" b="1" dirty="0" smtClean="0">
-                <a:solidFill>
-                  <a:srgbClr val="000000"/>
-                </a:solidFill>
-                <a:effectLst/>
-                <a:latin typeface="Courier New"/>
-                <a:ea typeface="Times New Roman"/>
-                <a:cs typeface="Times New Roman"/>
-              </a:rPr>
-              <a:t> = "Invoice No.\</a:t>
-            </a:r>
-            <a:r>
-              <a:rPr lang="en-US" sz="1600" b="1" dirty="0" err="1" smtClean="0">
-                <a:solidFill>
-                  <a:srgbClr val="000000"/>
-                </a:solidFill>
-                <a:effectLst/>
-                <a:latin typeface="Courier New"/>
-                <a:ea typeface="Times New Roman"/>
-                <a:cs typeface="Times New Roman"/>
-              </a:rPr>
-              <a:t>tInvoice</a:t>
-            </a:r>
-            <a:r>
-              <a:rPr lang="en-US" sz="1600" b="1" dirty="0" smtClean="0">
-                <a:solidFill>
-                  <a:srgbClr val="000000"/>
-                </a:solidFill>
-                <a:effectLst/>
-                <a:latin typeface="Courier New"/>
-                <a:ea typeface="Times New Roman"/>
-                <a:cs typeface="Times New Roman"/>
-              </a:rPr>
-              <a:t> Total\n";</a:t>
-            </a:r>
-          </a:p>
-          <a:p>
-            <a:pPr marL="4445" marR="0" indent="0">
-              <a:spcBef>
-                <a:spcPts val="0"/>
-              </a:spcBef>
-              <a:spcAft>
-                <a:spcPts val="0"/>
-              </a:spcAft>
-              <a:buNone/>
-              <a:tabLst>
-                <a:tab pos="1371600" algn="l"/>
-              </a:tabLst>
-            </a:pPr>
-            <a:r>
-              <a:rPr lang="en-US" sz="1600" b="1" dirty="0" smtClean="0">
-                <a:solidFill>
-                  <a:srgbClr val="1C6E1C"/>
-                </a:solidFill>
-                <a:latin typeface="Courier New"/>
-                <a:ea typeface="Times New Roman"/>
-                <a:cs typeface="Times New Roman"/>
-              </a:rPr>
-              <a:t>// header line</a:t>
-            </a:r>
-            <a:endParaRPr lang="en-US" sz="1600" b="1" dirty="0" smtClean="0">
-              <a:solidFill>
-                <a:srgbClr val="1C6E1C"/>
-              </a:solidFill>
-              <a:effectLst/>
-              <a:latin typeface="Courier New"/>
-              <a:ea typeface="Times New Roman"/>
-              <a:cs typeface="Times New Roman"/>
-            </a:endParaRPr>
-          </a:p>
-          <a:p>
-            <a:pPr marL="4445" marR="0" indent="0">
-              <a:spcBef>
-                <a:spcPts val="0"/>
-              </a:spcBef>
-              <a:spcAft>
-                <a:spcPts val="0"/>
-              </a:spcAft>
-              <a:buNone/>
-              <a:tabLst>
-                <a:tab pos="1371600" algn="l"/>
-              </a:tabLst>
-            </a:pPr>
-            <a:endParaRPr lang="en-US" sz="1600" b="1" dirty="0" smtClean="0">
-              <a:effectLst/>
-              <a:latin typeface="Courier New"/>
-              <a:ea typeface="Times New Roman"/>
-              <a:cs typeface="Times New Roman"/>
-            </a:endParaRPr>
-          </a:p>
-          <a:p>
-            <a:pPr marL="4445" marR="0" indent="0">
-              <a:spcBef>
-                <a:spcPts val="0"/>
-              </a:spcBef>
-              <a:spcAft>
-                <a:spcPts val="0"/>
-              </a:spcAft>
-              <a:buNone/>
-              <a:tabLst>
-                <a:tab pos="1371600" algn="l"/>
-              </a:tabLst>
-            </a:pPr>
-            <a:r>
-              <a:rPr lang="en-US" sz="1600" b="1" dirty="0" err="1" smtClean="0">
-                <a:solidFill>
-                  <a:srgbClr val="000000"/>
-                </a:solidFill>
-                <a:effectLst/>
-                <a:latin typeface="Courier New"/>
-                <a:ea typeface="Times New Roman"/>
-                <a:cs typeface="Times New Roman"/>
-              </a:rPr>
-              <a:t>foreach</a:t>
-            </a:r>
-            <a:r>
-              <a:rPr lang="en-US" sz="1600" b="1" dirty="0" smtClean="0">
-                <a:solidFill>
-                  <a:srgbClr val="000000"/>
-                </a:solidFill>
-                <a:effectLst/>
-                <a:latin typeface="Courier New"/>
-                <a:ea typeface="Times New Roman"/>
-                <a:cs typeface="Times New Roman"/>
-              </a:rPr>
-              <a:t> (</a:t>
-            </a:r>
-            <a:r>
-              <a:rPr lang="en-US" sz="1600" b="1" dirty="0" err="1" smtClean="0">
-                <a:solidFill>
-                  <a:srgbClr val="000000"/>
-                </a:solidFill>
-                <a:effectLst/>
-                <a:latin typeface="Courier New"/>
-                <a:ea typeface="Times New Roman"/>
-                <a:cs typeface="Times New Roman"/>
-              </a:rPr>
-              <a:t>var</a:t>
-            </a:r>
-            <a:r>
-              <a:rPr lang="en-US" sz="1600" b="1" dirty="0" smtClean="0">
-                <a:solidFill>
-                  <a:srgbClr val="000000"/>
-                </a:solidFill>
-                <a:effectLst/>
-                <a:latin typeface="Courier New"/>
-                <a:ea typeface="Times New Roman"/>
-                <a:cs typeface="Times New Roman"/>
-              </a:rPr>
-              <a:t> invoice in </a:t>
-            </a:r>
-            <a:r>
-              <a:rPr lang="en-US" sz="1600" b="1" dirty="0" smtClean="0">
-                <a:solidFill>
-                  <a:schemeClr val="accent6">
-                    <a:lumMod val="50000"/>
-                  </a:schemeClr>
-                </a:solidFill>
-                <a:effectLst/>
-                <a:latin typeface="Courier New"/>
-                <a:ea typeface="Times New Roman"/>
-                <a:cs typeface="Times New Roman"/>
-              </a:rPr>
-              <a:t>invoices</a:t>
-            </a:r>
-            <a:r>
-              <a:rPr lang="en-US" sz="1600" b="1" dirty="0" smtClean="0">
-                <a:solidFill>
-                  <a:srgbClr val="000000"/>
-                </a:solidFill>
-                <a:effectLst/>
-                <a:latin typeface="Courier New"/>
-                <a:ea typeface="Times New Roman"/>
-                <a:cs typeface="Times New Roman"/>
-              </a:rPr>
-              <a:t>)</a:t>
-            </a:r>
-            <a:endParaRPr lang="en-US" sz="1600" b="1" dirty="0" smtClean="0">
-              <a:effectLst/>
-              <a:latin typeface="Courier New"/>
-              <a:ea typeface="Times New Roman"/>
-              <a:cs typeface="Times New Roman"/>
-            </a:endParaRPr>
-          </a:p>
-          <a:p>
-            <a:pPr marL="4445" marR="0" indent="0">
-              <a:spcBef>
-                <a:spcPts val="0"/>
-              </a:spcBef>
-              <a:spcAft>
-                <a:spcPts val="0"/>
-              </a:spcAft>
-              <a:buNone/>
-              <a:tabLst>
-                <a:tab pos="1371600" algn="l"/>
-              </a:tabLst>
-            </a:pPr>
-            <a:r>
-              <a:rPr lang="en-US" sz="1600" b="1" dirty="0" smtClean="0">
-                <a:solidFill>
-                  <a:srgbClr val="000000"/>
-                </a:solidFill>
-                <a:effectLst/>
-                <a:latin typeface="Courier New"/>
-                <a:ea typeface="Times New Roman"/>
-                <a:cs typeface="Times New Roman"/>
-              </a:rPr>
-              <a:t>{</a:t>
-            </a:r>
-            <a:endParaRPr lang="en-US" sz="1600" b="1" dirty="0" smtClean="0">
-              <a:effectLst/>
-              <a:latin typeface="Courier New"/>
-              <a:ea typeface="Times New Roman"/>
-              <a:cs typeface="Times New Roman"/>
-            </a:endParaRPr>
-          </a:p>
-          <a:p>
-            <a:pPr marL="4445" marR="0" indent="0">
-              <a:spcBef>
-                <a:spcPts val="0"/>
-              </a:spcBef>
-              <a:spcAft>
-                <a:spcPts val="0"/>
-              </a:spcAft>
-              <a:buNone/>
-              <a:tabLst>
-                <a:tab pos="1371600" algn="l"/>
-              </a:tabLst>
-            </a:pPr>
-            <a:r>
-              <a:rPr lang="en-US" sz="1600" b="1" dirty="0" smtClean="0">
-                <a:solidFill>
-                  <a:srgbClr val="000000"/>
-                </a:solidFill>
-                <a:effectLst/>
-                <a:latin typeface="Courier New"/>
-                <a:ea typeface="Times New Roman"/>
-                <a:cs typeface="Times New Roman"/>
-              </a:rPr>
-              <a:t>  </a:t>
-            </a:r>
-            <a:r>
-              <a:rPr lang="en-US" sz="1600" b="1" dirty="0" err="1" smtClean="0">
-                <a:solidFill>
-                  <a:srgbClr val="000000"/>
-                </a:solidFill>
-                <a:effectLst/>
-                <a:latin typeface="Courier New"/>
-                <a:ea typeface="Times New Roman"/>
-                <a:cs typeface="Times New Roman"/>
-              </a:rPr>
-              <a:t>invoiceDisplay</a:t>
-            </a:r>
-            <a:r>
-              <a:rPr lang="en-US" sz="1600" b="1" dirty="0" smtClean="0">
-                <a:solidFill>
-                  <a:srgbClr val="000000"/>
-                </a:solidFill>
-                <a:effectLst/>
-                <a:latin typeface="Courier New"/>
-                <a:ea typeface="Times New Roman"/>
-                <a:cs typeface="Times New Roman"/>
-              </a:rPr>
-              <a:t> += </a:t>
-            </a:r>
-            <a:r>
-              <a:rPr lang="en-US" sz="1600" b="1" dirty="0" err="1" smtClean="0">
-                <a:solidFill>
-                  <a:srgbClr val="000000"/>
-                </a:solidFill>
-                <a:effectLst/>
-                <a:latin typeface="Courier New"/>
-                <a:ea typeface="Times New Roman"/>
-                <a:cs typeface="Times New Roman"/>
-              </a:rPr>
-              <a:t>invoice.InvoiceNumber</a:t>
-            </a:r>
-            <a:r>
-              <a:rPr lang="en-US" sz="1600" b="1" dirty="0" smtClean="0">
-                <a:solidFill>
-                  <a:srgbClr val="000000"/>
-                </a:solidFill>
-                <a:effectLst/>
-                <a:latin typeface="Courier New"/>
-                <a:ea typeface="Times New Roman"/>
-                <a:cs typeface="Times New Roman"/>
-              </a:rPr>
-              <a:t> + "\t\t" + </a:t>
-            </a:r>
-            <a:r>
-              <a:rPr lang="en-US" sz="1600" b="1" dirty="0" smtClean="0">
-                <a:solidFill>
-                  <a:srgbClr val="1C6E1C"/>
-                </a:solidFill>
-                <a:latin typeface="Courier New"/>
-                <a:ea typeface="Times New Roman"/>
-                <a:cs typeface="Times New Roman"/>
-              </a:rPr>
-              <a:t>// first col</a:t>
-            </a:r>
-            <a:endParaRPr lang="en-US" sz="1600" b="1" dirty="0" smtClean="0">
-              <a:solidFill>
-                <a:srgbClr val="1C6E1C"/>
-              </a:solidFill>
-              <a:effectLst/>
-              <a:latin typeface="Courier New"/>
-              <a:ea typeface="Times New Roman"/>
-              <a:cs typeface="Times New Roman"/>
-            </a:endParaRPr>
-          </a:p>
-          <a:p>
-            <a:pPr marL="4445" marR="0" indent="0">
-              <a:spcBef>
-                <a:spcPts val="0"/>
-              </a:spcBef>
-              <a:spcAft>
-                <a:spcPts val="0"/>
-              </a:spcAft>
-              <a:buNone/>
-              <a:tabLst>
-                <a:tab pos="1371600" algn="l"/>
-              </a:tabLst>
-            </a:pPr>
-            <a:r>
-              <a:rPr lang="en-US" sz="1600" b="1" dirty="0" smtClean="0">
-                <a:solidFill>
-                  <a:srgbClr val="000000"/>
-                </a:solidFill>
-                <a:effectLst/>
-                <a:latin typeface="Courier New"/>
-                <a:ea typeface="Times New Roman"/>
-                <a:cs typeface="Times New Roman"/>
-              </a:rPr>
-              <a:t>                   </a:t>
-            </a:r>
-            <a:r>
-              <a:rPr lang="en-US" sz="1600" b="1" dirty="0" err="1" smtClean="0">
-                <a:solidFill>
-                  <a:srgbClr val="000000"/>
-                </a:solidFill>
-                <a:effectLst/>
-                <a:latin typeface="Courier New"/>
-                <a:ea typeface="Times New Roman"/>
-                <a:cs typeface="Times New Roman"/>
-              </a:rPr>
-              <a:t>invoice.InvoiceTotal.ToString</a:t>
-            </a:r>
-            <a:r>
-              <a:rPr lang="en-US" sz="1600" b="1" dirty="0" smtClean="0">
-                <a:solidFill>
-                  <a:srgbClr val="000000"/>
-                </a:solidFill>
-                <a:effectLst/>
-                <a:latin typeface="Courier New"/>
-                <a:ea typeface="Times New Roman"/>
-                <a:cs typeface="Times New Roman"/>
-              </a:rPr>
-              <a:t>("c") + </a:t>
-            </a:r>
-            <a:endParaRPr lang="en-US" sz="1600" b="1" dirty="0" smtClean="0">
-              <a:effectLst/>
-              <a:latin typeface="Courier New"/>
-              <a:ea typeface="Times New Roman"/>
-              <a:cs typeface="Times New Roman"/>
-            </a:endParaRPr>
-          </a:p>
-          <a:p>
-            <a:pPr marL="4445" marR="0" indent="0">
-              <a:spcBef>
-                <a:spcPts val="0"/>
-              </a:spcBef>
-              <a:spcAft>
-                <a:spcPts val="0"/>
-              </a:spcAft>
-              <a:buNone/>
-              <a:tabLst>
-                <a:tab pos="1371600" algn="l"/>
-              </a:tabLst>
-            </a:pPr>
-            <a:r>
-              <a:rPr lang="en-US" sz="1600" b="1" dirty="0" smtClean="0">
-                <a:solidFill>
-                  <a:srgbClr val="000000"/>
-                </a:solidFill>
-                <a:effectLst/>
-                <a:latin typeface="Courier New"/>
-                <a:ea typeface="Times New Roman"/>
-                <a:cs typeface="Times New Roman"/>
-              </a:rPr>
-              <a:t>                   "\n"; </a:t>
-            </a:r>
-            <a:r>
-              <a:rPr lang="en-US" sz="1600" b="1" dirty="0" smtClean="0">
-                <a:solidFill>
-                  <a:srgbClr val="1C6E1C"/>
-                </a:solidFill>
-                <a:latin typeface="Courier New"/>
-                <a:ea typeface="Times New Roman"/>
-                <a:cs typeface="Times New Roman"/>
-              </a:rPr>
-              <a:t>// second column appended to the string</a:t>
-            </a:r>
-            <a:endParaRPr lang="en-US" sz="1600" b="1" dirty="0" smtClean="0">
-              <a:solidFill>
-                <a:srgbClr val="1C6E1C"/>
-              </a:solidFill>
-              <a:effectLst/>
-              <a:latin typeface="Courier New"/>
-              <a:ea typeface="Times New Roman"/>
-              <a:cs typeface="Times New Roman"/>
-            </a:endParaRPr>
-          </a:p>
-          <a:p>
-            <a:pPr marL="4445" marR="0" indent="0">
-              <a:spcBef>
-                <a:spcPts val="0"/>
-              </a:spcBef>
-              <a:spcAft>
-                <a:spcPts val="0"/>
-              </a:spcAft>
-              <a:buNone/>
-              <a:tabLst>
-                <a:tab pos="1371600" algn="l"/>
-              </a:tabLst>
-            </a:pPr>
-            <a:r>
-              <a:rPr lang="en-US" sz="1600" b="1" dirty="0" smtClean="0">
-                <a:solidFill>
-                  <a:srgbClr val="000000"/>
-                </a:solidFill>
-                <a:effectLst/>
-                <a:latin typeface="Courier New"/>
-                <a:ea typeface="Times New Roman"/>
-                <a:cs typeface="Times New Roman"/>
-              </a:rPr>
-              <a:t>}</a:t>
-            </a:r>
-            <a:endParaRPr lang="en-US" sz="1600" b="1" dirty="0" smtClean="0">
-              <a:effectLst/>
-              <a:latin typeface="Courier New"/>
-              <a:ea typeface="Times New Roman"/>
-              <a:cs typeface="Times New Roman"/>
-            </a:endParaRPr>
-          </a:p>
-          <a:p>
-            <a:pPr marL="4445" marR="0" indent="0">
-              <a:spcBef>
-                <a:spcPts val="0"/>
-              </a:spcBef>
-              <a:spcAft>
-                <a:spcPts val="0"/>
-              </a:spcAft>
-              <a:buNone/>
-              <a:tabLst>
-                <a:tab pos="1371600" algn="l"/>
-              </a:tabLst>
-            </a:pPr>
-            <a:r>
-              <a:rPr lang="en-US" sz="1600" b="1" dirty="0" err="1" smtClean="0">
-                <a:solidFill>
-                  <a:srgbClr val="000000"/>
-                </a:solidFill>
-                <a:effectLst/>
-                <a:latin typeface="Courier New"/>
-                <a:ea typeface="Times New Roman"/>
-                <a:cs typeface="Times New Roman"/>
-              </a:rPr>
-              <a:t>MessageBox.Show</a:t>
-            </a:r>
-            <a:r>
-              <a:rPr lang="en-US" sz="1600" b="1" dirty="0" smtClean="0">
-                <a:solidFill>
-                  <a:srgbClr val="000000"/>
-                </a:solidFill>
-                <a:effectLst/>
-                <a:latin typeface="Courier New"/>
-                <a:ea typeface="Times New Roman"/>
-                <a:cs typeface="Times New Roman"/>
-              </a:rPr>
-              <a:t>(</a:t>
-            </a:r>
-            <a:r>
-              <a:rPr lang="en-US" sz="1600" b="1" dirty="0" err="1" smtClean="0">
-                <a:solidFill>
-                  <a:srgbClr val="000000"/>
-                </a:solidFill>
-                <a:effectLst/>
-                <a:latin typeface="Courier New"/>
-                <a:ea typeface="Times New Roman"/>
-                <a:cs typeface="Times New Roman"/>
-              </a:rPr>
-              <a:t>invoiceDisplay</a:t>
-            </a:r>
-            <a:r>
-              <a:rPr lang="en-US" sz="1600" b="1" dirty="0" smtClean="0">
-                <a:solidFill>
-                  <a:srgbClr val="000000"/>
-                </a:solidFill>
-                <a:effectLst/>
-                <a:latin typeface="Courier New"/>
-                <a:ea typeface="Times New Roman"/>
-                <a:cs typeface="Times New Roman"/>
-              </a:rPr>
-              <a:t>, "Invoices Over $20,000");</a:t>
-            </a:r>
-            <a:endParaRPr lang="en-US" sz="1600" b="1" dirty="0" smtClean="0">
-              <a:effectLst/>
-              <a:latin typeface="Courier New"/>
-              <a:ea typeface="Times New Roman"/>
-              <a:cs typeface="Times New Roman"/>
-            </a:endParaRPr>
-          </a:p>
-          <a:p>
-            <a:endParaRPr lang="en-US" sz="1600" dirty="0"/>
-          </a:p>
-        </p:txBody>
-      </p:sp>
-    </p:spTree>
-    <p:extLst>
-      <p:ext uri="{BB962C8B-B14F-4D97-AF65-F5344CB8AC3E}">
-        <p14:creationId xmlns:p14="http://schemas.microsoft.com/office/powerpoint/2010/main" val="1869031716"/>
-      </p:ext>
-    </p:extLst>
-  </p:cSld>
-  <p:clrMapOvr>
-    <a:masterClrMapping/>
-  </p:clrMapOvr>
-</p:sld>
-</file>
-
-<file path=ppt/slides/slide14.xml><?xml version="1.0" encoding="utf-8"?>
-<p:sld xmlns:a="http://schemas.openxmlformats.org/drawingml/2006/main" xmlns:r="http://schemas.openxmlformats.org/officeDocument/2006/relationships" xmlns:p="http://schemas.openxmlformats.org/presentationml/2006/main">
-  <p:cSld>
-    <p:spTree>
-      <p:nvGrpSpPr>
-        <p:cNvPr id="1" name=""/>
-        <p:cNvGrpSpPr/>
-        <p:nvPr/>
-      </p:nvGrpSpPr>
-      <p:grpSpPr>
-        <a:xfrm>
-          <a:off x="0" y="0"/>
-          <a:ext cx="0" cy="0"/>
-          <a:chOff x="0" y="0"/>
-          <a:chExt cx="0" cy="0"/>
-        </a:xfrm>
-      </p:grpSpPr>
-      <p:sp>
-        <p:nvSpPr>
-          <p:cNvPr id="2" name="Title 1"/>
-          <p:cNvSpPr>
-            <a:spLocks noGrp="1"/>
-          </p:cNvSpPr>
-          <p:nvPr>
-            <p:ph type="title"/>
-          </p:nvPr>
-        </p:nvSpPr>
-        <p:spPr/>
-        <p:txBody>
-          <a:bodyPr>
-            <a:normAutofit/>
-          </a:bodyPr>
-          <a:lstStyle/>
-          <a:p>
-            <a:r>
-              <a:rPr lang="en-US" sz="4000" dirty="0" smtClean="0"/>
-              <a:t>Deferred  or Immediate Execution</a:t>
-            </a:r>
-            <a:endParaRPr lang="en-US" sz="4000" dirty="0"/>
-          </a:p>
-        </p:txBody>
-      </p:sp>
-      <p:sp>
-        <p:nvSpPr>
-          <p:cNvPr id="3" name="Content Placeholder 2"/>
-          <p:cNvSpPr>
-            <a:spLocks noGrp="1"/>
-          </p:cNvSpPr>
-          <p:nvPr>
-            <p:ph idx="1"/>
-          </p:nvPr>
-        </p:nvSpPr>
-        <p:spPr/>
-        <p:txBody>
-          <a:bodyPr>
-            <a:normAutofit/>
-          </a:bodyPr>
-          <a:lstStyle/>
-          <a:p>
-            <a:r>
-              <a:rPr lang="en-US" sz="2400" dirty="0" smtClean="0"/>
-              <a:t>This example uses </a:t>
-            </a:r>
-            <a:r>
-              <a:rPr lang="en-US" sz="2400" b="1" dirty="0" smtClean="0"/>
-              <a:t>deferred</a:t>
-            </a:r>
-            <a:r>
-              <a:rPr lang="en-US" sz="2400" dirty="0" smtClean="0"/>
-              <a:t>. The query is saved in a query variable </a:t>
-            </a:r>
-            <a:r>
-              <a:rPr lang="en-US" sz="2400" b="1" dirty="0" smtClean="0">
-                <a:solidFill>
-                  <a:schemeClr val="accent6">
-                    <a:lumMod val="50000"/>
-                  </a:schemeClr>
-                </a:solidFill>
-                <a:effectLst/>
-                <a:latin typeface="Courier New"/>
-                <a:ea typeface="Times New Roman"/>
-                <a:cs typeface="Times New Roman"/>
-              </a:rPr>
-              <a:t>invoices</a:t>
-            </a:r>
-            <a:r>
-              <a:rPr lang="en-US" sz="2400" b="1" dirty="0" smtClean="0">
-                <a:solidFill>
-                  <a:srgbClr val="000000"/>
-                </a:solidFill>
-                <a:effectLst/>
-                <a:latin typeface="Courier New"/>
-                <a:ea typeface="Times New Roman"/>
-                <a:cs typeface="Times New Roman"/>
-              </a:rPr>
-              <a:t> </a:t>
-            </a:r>
-            <a:r>
-              <a:rPr lang="en-US" sz="2400" dirty="0" smtClean="0"/>
-              <a:t>but not executed.</a:t>
-            </a:r>
-          </a:p>
-          <a:p>
-            <a:r>
-              <a:rPr lang="en-US" sz="2400" dirty="0" smtClean="0"/>
-              <a:t>It does get executed when the code tries to access the individual elements returned by the query</a:t>
-            </a:r>
-          </a:p>
-          <a:p>
-            <a:pPr lvl="1"/>
-            <a:r>
-              <a:rPr lang="en-US" sz="2000" dirty="0" smtClean="0"/>
-              <a:t>Such as when the query (</a:t>
-            </a:r>
-            <a:r>
-              <a:rPr lang="en-US" sz="2000" b="1" dirty="0" smtClean="0">
-                <a:solidFill>
-                  <a:schemeClr val="accent6">
-                    <a:lumMod val="50000"/>
-                  </a:schemeClr>
-                </a:solidFill>
-                <a:effectLst/>
-                <a:latin typeface="Courier New"/>
-                <a:ea typeface="Times New Roman"/>
-                <a:cs typeface="Times New Roman"/>
-              </a:rPr>
-              <a:t>invoices</a:t>
-            </a:r>
-            <a:r>
-              <a:rPr lang="en-US" sz="2000" b="1" dirty="0" smtClean="0">
-                <a:solidFill>
-                  <a:srgbClr val="000000"/>
-                </a:solidFill>
-                <a:effectLst/>
-                <a:latin typeface="Courier New"/>
-                <a:ea typeface="Times New Roman"/>
-                <a:cs typeface="Times New Roman"/>
-              </a:rPr>
-              <a:t>)</a:t>
-            </a:r>
-            <a:r>
-              <a:rPr lang="en-US" sz="2000" dirty="0" smtClean="0"/>
-              <a:t>is used in the </a:t>
-            </a:r>
-            <a:r>
-              <a:rPr lang="en-US" sz="2000" dirty="0" err="1" smtClean="0"/>
-              <a:t>foreach</a:t>
-            </a:r>
-            <a:endParaRPr lang="en-US" sz="2000" dirty="0" smtClean="0"/>
-          </a:p>
-          <a:p>
-            <a:pPr lvl="1"/>
-            <a:endParaRPr lang="en-US" sz="2000" dirty="0"/>
-          </a:p>
-          <a:p>
-            <a:r>
-              <a:rPr lang="en-US" sz="2400" dirty="0" smtClean="0"/>
-              <a:t>In contrast, </a:t>
-            </a:r>
-            <a:r>
-              <a:rPr lang="en-US" sz="2400" b="1" dirty="0" smtClean="0"/>
-              <a:t>immediate</a:t>
-            </a:r>
-            <a:r>
-              <a:rPr lang="en-US" sz="2400" dirty="0" smtClean="0"/>
-              <a:t> execution occurs if </a:t>
-            </a:r>
-            <a:r>
-              <a:rPr lang="en-US" sz="2400" i="1" dirty="0" smtClean="0"/>
-              <a:t>a method that requires access</a:t>
-            </a:r>
-            <a:r>
-              <a:rPr lang="en-US" sz="2400" dirty="0" smtClean="0"/>
-              <a:t> to the individual elements is executed on the query expression (such as an aggregate function)</a:t>
-            </a:r>
-          </a:p>
-          <a:p>
-            <a:pPr lvl="1"/>
-            <a:r>
-              <a:rPr lang="en-US" sz="2000" dirty="0" smtClean="0"/>
-              <a:t>Get a count of the number of elements, using the .Count method on the query expression would force an immediate execution</a:t>
-            </a:r>
-          </a:p>
-          <a:p>
-            <a:pPr lvl="1"/>
-            <a:endParaRPr lang="en-US" sz="2000" dirty="0"/>
-          </a:p>
-        </p:txBody>
-      </p:sp>
-    </p:spTree>
-    <p:extLst>
-      <p:ext uri="{BB962C8B-B14F-4D97-AF65-F5344CB8AC3E}">
-        <p14:creationId xmlns:p14="http://schemas.microsoft.com/office/powerpoint/2010/main" val="2576331207"/>
-      </p:ext>
-    </p:extLst>
-  </p:cSld>
-  <p:clrMapOvr>
-    <a:masterClrMapping/>
-  </p:clrMapOvr>
-</p:sld>
-</file>
-
-<file path=ppt/slides/slide15.xml><?xml version="1.0" encoding="utf-8"?>
-<p:sld xmlns:a="http://schemas.openxmlformats.org/drawingml/2006/main" xmlns:r="http://schemas.openxmlformats.org/officeDocument/2006/relationships" xmlns:p="http://schemas.openxmlformats.org/presentationml/2006/main">
-  <p:cSld>
-    <p:spTree>
-      <p:nvGrpSpPr>
-        <p:cNvPr id="1" name=""/>
-        <p:cNvGrpSpPr/>
-        <p:nvPr/>
-      </p:nvGrpSpPr>
-      <p:grpSpPr>
-        <a:xfrm>
-          <a:off x="0" y="0"/>
-          <a:ext cx="0" cy="0"/>
-          <a:chOff x="0" y="0"/>
-          <a:chExt cx="0" cy="0"/>
-        </a:xfrm>
-      </p:grpSpPr>
-      <p:sp>
-        <p:nvSpPr>
-          <p:cNvPr id="2" name="Title 1"/>
-          <p:cNvSpPr>
-            <a:spLocks noGrp="1"/>
-          </p:cNvSpPr>
-          <p:nvPr>
-            <p:ph type="title"/>
-          </p:nvPr>
-        </p:nvSpPr>
-        <p:spPr/>
-        <p:txBody>
-          <a:bodyPr>
-            <a:normAutofit fontScale="90000"/>
-          </a:bodyPr>
-          <a:lstStyle/>
-          <a:p>
-            <a:r>
-              <a:rPr lang="en-US" dirty="0" smtClean="0"/>
-              <a:t>Learning the LINQ syntax for query expressions</a:t>
-            </a:r>
-            <a:endParaRPr lang="en-US" dirty="0"/>
-          </a:p>
-        </p:txBody>
-      </p:sp>
-      <p:sp>
-        <p:nvSpPr>
-          <p:cNvPr id="3" name="Content Placeholder 2"/>
-          <p:cNvSpPr>
-            <a:spLocks noGrp="1"/>
-          </p:cNvSpPr>
-          <p:nvPr>
-            <p:ph idx="1"/>
-          </p:nvPr>
-        </p:nvSpPr>
-        <p:spPr/>
-        <p:txBody>
-          <a:bodyPr/>
-          <a:lstStyle/>
-          <a:p>
-            <a:r>
-              <a:rPr lang="en-US" dirty="0" smtClean="0"/>
-              <a:t>Next slides show several examples (right from the book)</a:t>
-            </a:r>
-          </a:p>
-          <a:p>
-            <a:r>
-              <a:rPr lang="en-US" dirty="0" smtClean="0"/>
-              <a:t>All use LINQ-to-Objects so can focus on the syntax, but LINQ-to-Anything is the same.</a:t>
-            </a:r>
-          </a:p>
-          <a:p>
-            <a:r>
-              <a:rPr lang="en-US" dirty="0" smtClean="0"/>
-              <a:t>Won’t go through these, but consider this reference information to come back to when you have to design a query</a:t>
-            </a:r>
-            <a:endParaRPr lang="en-US" dirty="0"/>
-          </a:p>
-        </p:txBody>
-      </p:sp>
-    </p:spTree>
-    <p:extLst>
-      <p:ext uri="{BB962C8B-B14F-4D97-AF65-F5344CB8AC3E}">
-        <p14:creationId xmlns:p14="http://schemas.microsoft.com/office/powerpoint/2010/main" val="1727202650"/>
-      </p:ext>
-    </p:extLst>
-  </p:cSld>
-  <p:clrMapOvr>
-    <a:masterClrMapping/>
-  </p:clrMapOvr>
-</p:sld>
-</file>
-
-<file path=ppt/slides/slide16.xml><?xml version="1.0" encoding="utf-8"?>
-<p:sld xmlns:a="http://schemas.openxmlformats.org/drawingml/2006/main" xmlns:r="http://schemas.openxmlformats.org/officeDocument/2006/relationships" xmlns:p="http://schemas.openxmlformats.org/presentationml/2006/main">
-  <p:cSld>
-    <p:spTree>
-      <p:nvGrpSpPr>
-        <p:cNvPr id="1" name=""/>
-        <p:cNvGrpSpPr/>
-        <p:nvPr/>
-      </p:nvGrpSpPr>
-      <p:grpSpPr>
-        <a:xfrm>
-          <a:off x="0" y="0"/>
-          <a:ext cx="0" cy="0"/>
-          <a:chOff x="0" y="0"/>
-          <a:chExt cx="0" cy="0"/>
-        </a:xfrm>
-      </p:grpSpPr>
-      <p:sp>
-        <p:nvSpPr>
           <p:cNvPr id="3" name="Date Placeholder 1"/>
           <p:cNvSpPr>
             <a:spLocks noGrp="1"/>
@@ -9013,7 +6459,7 @@
             <a:fld id="{E97FFEBD-BC96-4323-A403-2B8CD5A7AC45}" type="slidenum">
               <a:rPr lang="en-US" altLang="en-US"/>
               <a:pPr algn="r"/>
-              <a:t>16</a:t>
+              <a:t>11</a:t>
             </a:fld>
             <a:endParaRPr lang="en-US" altLang="en-US"/>
           </a:p>
@@ -9035,7 +6481,7 @@
           <a:graphicData uri="http://schemas.openxmlformats.org/presentationml/2006/ole">
             <mc:AlternateContent xmlns:mc="http://schemas.openxmlformats.org/markup-compatibility/2006">
               <mc:Choice xmlns:v="urn:schemas-microsoft-com:vml" Requires="v">
-                <p:oleObj spid="_x0000_s1056" name="Document" r:id="rId4" imgW="7410300" imgH="4962709" progId="Word.Document.8">
+                <p:oleObj spid="_x0000_s1057" name="Document" r:id="rId4" imgW="7410300" imgH="4962709" progId="Word.Document.8">
                   <p:embed/>
                 </p:oleObj>
               </mc:Choice>
@@ -9122,17 +6568,10 @@
   <p:clrMapOvr>
     <a:masterClrMapping/>
   </p:clrMapOvr>
-  <p:timing>
-    <p:tnLst>
-      <p:par>
-        <p:cTn id="1" dur="indefinite" restart="never" nodeType="tmRoot"/>
-      </p:par>
-    </p:tnLst>
-  </p:timing>
 </p:sld>
 </file>
 
-<file path=ppt/slides/slide17.xml><?xml version="1.0" encoding="utf-8"?>
+<file path=ppt/slides/slide12.xml><?xml version="1.0" encoding="utf-8"?>
 <p:sld xmlns:a="http://schemas.openxmlformats.org/drawingml/2006/main" xmlns:r="http://schemas.openxmlformats.org/officeDocument/2006/relationships" xmlns:p="http://schemas.openxmlformats.org/presentationml/2006/main">
   <p:cSld>
     <p:spTree>
@@ -9221,7 +6660,7 @@
             <a:fld id="{AC75629D-D743-413E-AE86-EDE72EDA84DA}" type="slidenum">
               <a:rPr lang="en-US" altLang="en-US"/>
               <a:pPr algn="r"/>
-              <a:t>17</a:t>
+              <a:t>12</a:t>
             </a:fld>
             <a:endParaRPr lang="en-US" altLang="en-US"/>
           </a:p>
@@ -9243,7 +6682,7 @@
           <a:graphicData uri="http://schemas.openxmlformats.org/presentationml/2006/ole">
             <mc:AlternateContent xmlns:mc="http://schemas.openxmlformats.org/markup-compatibility/2006">
               <mc:Choice xmlns:v="urn:schemas-microsoft-com:vml" Requires="v">
-                <p:oleObj spid="_x0000_s2080" name="Document" r:id="rId4" imgW="7285567" imgH="792362" progId="Word.Document.8">
+                <p:oleObj spid="_x0000_s2081" name="Document" r:id="rId4" imgW="7285567" imgH="792362" progId="Word.Document.8">
                   <p:embed/>
                 </p:oleObj>
               </mc:Choice>
@@ -9371,17 +6810,10 @@
   <p:clrMapOvr>
     <a:masterClrMapping/>
   </p:clrMapOvr>
-  <p:timing>
-    <p:tnLst>
-      <p:par>
-        <p:cTn id="1" dur="indefinite" restart="never" nodeType="tmRoot"/>
-      </p:par>
-    </p:tnLst>
-  </p:timing>
 </p:sld>
 </file>
 
-<file path=ppt/slides/slide18.xml><?xml version="1.0" encoding="utf-8"?>
+<file path=ppt/slides/slide13.xml><?xml version="1.0" encoding="utf-8"?>
 <p:sld xmlns:a="http://schemas.openxmlformats.org/drawingml/2006/main" xmlns:r="http://schemas.openxmlformats.org/officeDocument/2006/relationships" xmlns:p="http://schemas.openxmlformats.org/presentationml/2006/main">
   <p:cSld>
     <p:spTree>
@@ -9470,7 +6902,7 @@
             <a:fld id="{8A1C33A3-6A18-42B4-87B5-ABD283D163D3}" type="slidenum">
               <a:rPr lang="en-US" altLang="en-US"/>
               <a:pPr algn="r"/>
-              <a:t>18</a:t>
+              <a:t>13</a:t>
             </a:fld>
             <a:endParaRPr lang="en-US" altLang="en-US"/>
           </a:p>
@@ -9492,7 +6924,7 @@
           <a:graphicData uri="http://schemas.openxmlformats.org/presentationml/2006/ole">
             <mc:AlternateContent xmlns:mc="http://schemas.openxmlformats.org/markup-compatibility/2006">
               <mc:Choice xmlns:v="urn:schemas-microsoft-com:vml" Requires="v">
-                <p:oleObj spid="_x0000_s3104" name="Document" r:id="rId4" imgW="7419646" imgH="3710776" progId="Word.Document.8">
+                <p:oleObj spid="_x0000_s3105" name="Document" r:id="rId4" imgW="7419646" imgH="3710776" progId="Word.Document.8">
                   <p:embed/>
                 </p:oleObj>
               </mc:Choice>
@@ -9579,17 +7011,10 @@
   <p:clrMapOvr>
     <a:masterClrMapping/>
   </p:clrMapOvr>
-  <p:timing>
-    <p:tnLst>
-      <p:par>
-        <p:cTn id="1" dur="indefinite" restart="never" nodeType="tmRoot"/>
-      </p:par>
-    </p:tnLst>
-  </p:timing>
 </p:sld>
 </file>
 
-<file path=ppt/slides/slide19.xml><?xml version="1.0" encoding="utf-8"?>
+<file path=ppt/slides/slide14.xml><?xml version="1.0" encoding="utf-8"?>
 <p:sld xmlns:a="http://schemas.openxmlformats.org/drawingml/2006/main" xmlns:r="http://schemas.openxmlformats.org/officeDocument/2006/relationships" xmlns:p="http://schemas.openxmlformats.org/presentationml/2006/main">
   <p:cSld>
     <p:spTree>
@@ -9678,7 +7103,7 @@
             <a:fld id="{E6A735F3-7E87-465F-9C1D-E45344C47594}" type="slidenum">
               <a:rPr lang="en-US" altLang="en-US"/>
               <a:pPr algn="r"/>
-              <a:t>19</a:t>
+              <a:t>14</a:t>
             </a:fld>
             <a:endParaRPr lang="en-US" altLang="en-US"/>
           </a:p>
@@ -9706,7 +7131,7 @@
           <a:graphicData uri="http://schemas.openxmlformats.org/presentationml/2006/ole">
             <mc:AlternateContent xmlns:mc="http://schemas.openxmlformats.org/markup-compatibility/2006">
               <mc:Choice xmlns:v="urn:schemas-microsoft-com:vml" Requires="v">
-                <p:oleObj spid="_x0000_s4128" name="Document" r:id="rId4" imgW="7599017" imgH="4248862" progId="Word.Document.8">
+                <p:oleObj spid="_x0000_s4129" name="Document" r:id="rId4" imgW="7599017" imgH="4248862" progId="Word.Document.8">
                   <p:embed/>
                 </p:oleObj>
               </mc:Choice>
@@ -9814,10 +7239,12 @@
                 <a:ea typeface="Times New Roman"/>
                 <a:cs typeface="Times New Roman"/>
               </a:rPr>
-              <a:t>// </a:t>
-            </a:r>
-            <a:r>
-              <a:rPr lang="en-US" b="1" dirty="0" smtClean="0">
+              <a:t>// uses this awful string concatenation to create</a:t>
+            </a:r>
+          </a:p>
+          <a:p>
+            <a:r>
+              <a:rPr lang="en-US" b="1" dirty="0">
                 <a:solidFill>
                   <a:srgbClr val="1C6E1C"/>
                 </a:solidFill>
@@ -9825,40 +7252,8 @@
                 <a:ea typeface="Times New Roman"/>
                 <a:cs typeface="Times New Roman"/>
               </a:rPr>
-              <a:t>uses this awful string concatenation to create</a:t>
-            </a:r>
-          </a:p>
-          <a:p>
-            <a:r>
-              <a:rPr lang="en-US" b="1" dirty="0">
-                <a:solidFill>
-                  <a:srgbClr val="1C6E1C"/>
-                </a:solidFill>
-                <a:latin typeface="Courier New"/>
-                <a:ea typeface="Times New Roman"/>
-                <a:cs typeface="Times New Roman"/>
-              </a:rPr>
-              <a:t>// </a:t>
-            </a:r>
-            <a:r>
-              <a:rPr lang="en-US" b="1" dirty="0" smtClean="0">
-                <a:solidFill>
-                  <a:srgbClr val="1C6E1C"/>
-                </a:solidFill>
-                <a:latin typeface="Courier New"/>
-                <a:ea typeface="Times New Roman"/>
-                <a:cs typeface="Times New Roman"/>
-              </a:rPr>
-              <a:t>a “form” looking output.</a:t>
-            </a:r>
-            <a:endParaRPr lang="en-US" b="1" dirty="0">
-              <a:solidFill>
-                <a:srgbClr val="1C6E1C"/>
-              </a:solidFill>
-              <a:latin typeface="Courier New"/>
-              <a:ea typeface="Times New Roman"/>
-              <a:cs typeface="Times New Roman"/>
-            </a:endParaRPr>
+              <a:t>// a “form” looking output.</a:t>
+            </a:r>
           </a:p>
         </p:txBody>
       </p:sp>
@@ -9872,17 +7267,10 @@
   <p:clrMapOvr>
     <a:masterClrMapping/>
   </p:clrMapOvr>
-  <p:timing>
-    <p:tnLst>
-      <p:par>
-        <p:cTn id="1" dur="indefinite" restart="never" nodeType="tmRoot"/>
-      </p:par>
-    </p:tnLst>
-  </p:timing>
 </p:sld>
 </file>
 
-<file path=ppt/slides/slide2.xml><?xml version="1.0" encoding="utf-8"?>
+<file path=ppt/slides/slide15.xml><?xml version="1.0" encoding="utf-8"?>
 <p:sld xmlns:a="http://schemas.openxmlformats.org/drawingml/2006/main" xmlns:r="http://schemas.openxmlformats.org/officeDocument/2006/relationships" xmlns:p="http://schemas.openxmlformats.org/presentationml/2006/main">
   <p:cSld>
     <p:spTree>
@@ -9901,127 +7289,6 @@
       </p:grpSpPr>
       <p:sp>
         <p:nvSpPr>
-          <p:cNvPr id="2" name="Title 1"/>
-          <p:cNvSpPr>
-            <a:spLocks noGrp="1"/>
-          </p:cNvSpPr>
-          <p:nvPr>
-            <p:ph type="title"/>
-          </p:nvPr>
-        </p:nvSpPr>
-        <p:spPr/>
-        <p:txBody>
-          <a:bodyPr>
-            <a:normAutofit/>
-          </a:bodyPr>
-          <a:lstStyle/>
-          <a:p>
-            <a:r>
-              <a:rPr lang="en-US" dirty="0"/>
-              <a:t>Advantages of using </a:t>
-            </a:r>
-            <a:r>
-              <a:rPr lang="en-US" dirty="0" smtClean="0"/>
-              <a:t>LINQ</a:t>
-            </a:r>
-            <a:endParaRPr lang="en-US" dirty="0"/>
-          </a:p>
-        </p:txBody>
-      </p:sp>
-      <p:sp>
-        <p:nvSpPr>
-          <p:cNvPr id="3" name="Content Placeholder 2"/>
-          <p:cNvSpPr>
-            <a:spLocks noGrp="1"/>
-          </p:cNvSpPr>
-          <p:nvPr>
-            <p:ph idx="1"/>
-          </p:nvPr>
-        </p:nvSpPr>
-        <p:spPr/>
-        <p:txBody>
-          <a:bodyPr/>
-          <a:lstStyle/>
-          <a:p>
-            <a:pPr lvl="0"/>
-            <a:r>
-              <a:rPr lang="en-US" dirty="0"/>
-              <a:t>Integrates query language </a:t>
-            </a:r>
-            <a:r>
-              <a:rPr lang="en-US" i="1" dirty="0" smtClean="0"/>
-              <a:t>into</a:t>
-            </a:r>
-            <a:r>
-              <a:rPr lang="en-US" dirty="0" smtClean="0"/>
-              <a:t> C#, instead of mixing 2 languages in one source file</a:t>
-            </a:r>
-            <a:endParaRPr lang="en-US" dirty="0"/>
-          </a:p>
-          <a:p>
-            <a:pPr lvl="0"/>
-            <a:r>
-              <a:rPr lang="en-US" dirty="0"/>
-              <a:t>Provides IntelliSense, syntax checking, and debugging support</a:t>
-            </a:r>
-          </a:p>
-          <a:p>
-            <a:pPr lvl="0"/>
-            <a:r>
-              <a:rPr lang="en-US" dirty="0"/>
-              <a:t>Lets you use one language to query different types of data sources</a:t>
-            </a:r>
-          </a:p>
-          <a:p>
-            <a:pPr lvl="0"/>
-            <a:r>
-              <a:rPr lang="en-US" dirty="0"/>
-              <a:t>Provides designer tools that create </a:t>
-            </a:r>
-            <a:r>
-              <a:rPr lang="en-US" i="1" dirty="0"/>
-              <a:t>object-relational </a:t>
-            </a:r>
-            <a:r>
-              <a:rPr lang="en-US" i="1" dirty="0" smtClean="0"/>
-              <a:t>mappings</a:t>
-            </a:r>
-            <a:endParaRPr lang="en-US" dirty="0"/>
-          </a:p>
-        </p:txBody>
-      </p:sp>
-    </p:spTree>
-    <p:extLst>
-      <p:ext uri="{BB962C8B-B14F-4D97-AF65-F5344CB8AC3E}">
-        <p14:creationId xmlns:p14="http://schemas.microsoft.com/office/powerpoint/2010/main" val="3515982912"/>
-      </p:ext>
-    </p:extLst>
-  </p:cSld>
-  <p:clrMapOvr>
-    <a:masterClrMapping/>
-  </p:clrMapOvr>
-</p:sld>
-</file>
-
-<file path=ppt/slides/slide20.xml><?xml version="1.0" encoding="utf-8"?>
-<p:sld xmlns:a="http://schemas.openxmlformats.org/drawingml/2006/main" xmlns:r="http://schemas.openxmlformats.org/officeDocument/2006/relationships" xmlns:p="http://schemas.openxmlformats.org/presentationml/2006/main">
-  <p:cSld>
-    <p:spTree>
-      <p:nvGrpSpPr>
-        <p:cNvPr id="1" name=""/>
-        <p:cNvGrpSpPr/>
-        <p:nvPr/>
-      </p:nvGrpSpPr>
-      <p:grpSpPr>
-        <a:xfrm>
-          <a:off x="0" y="0"/>
-          <a:ext cx="0" cy="0"/>
-          <a:chOff x="0" y="0"/>
-          <a:chExt cx="0" cy="0"/>
-        </a:xfrm>
-      </p:grpSpPr>
-      <p:sp>
-        <p:nvSpPr>
           <p:cNvPr id="4" name="Date Placeholder 1"/>
           <p:cNvSpPr>
             <a:spLocks noGrp="1"/>
@@ -10092,7 +7359,7 @@
             <a:fld id="{4B097F19-0E43-443A-8D4D-81C3D8F149E1}" type="slidenum">
               <a:rPr lang="en-US" altLang="en-US"/>
               <a:pPr algn="r"/>
-              <a:t>20</a:t>
+              <a:t>15</a:t>
             </a:fld>
             <a:endParaRPr lang="en-US" altLang="en-US"/>
           </a:p>
@@ -10114,7 +7381,7 @@
           <a:graphicData uri="http://schemas.openxmlformats.org/presentationml/2006/ole">
             <mc:AlternateContent xmlns:mc="http://schemas.openxmlformats.org/markup-compatibility/2006">
               <mc:Choice xmlns:v="urn:schemas-microsoft-com:vml" Requires="v">
-                <p:oleObj spid="_x0000_s5152" name="Document" r:id="rId4" imgW="6501332" imgH="769967" progId="Word.Document.8">
+                <p:oleObj spid="_x0000_s5153" name="Document" r:id="rId4" imgW="6501332" imgH="769967" progId="Word.Document.8">
                   <p:embed/>
                 </p:oleObj>
               </mc:Choice>
@@ -10242,17 +7509,10 @@
   <p:clrMapOvr>
     <a:masterClrMapping/>
   </p:clrMapOvr>
-  <p:timing>
-    <p:tnLst>
-      <p:par>
-        <p:cTn id="1" dur="indefinite" restart="never" nodeType="tmRoot"/>
-      </p:par>
-    </p:tnLst>
-  </p:timing>
 </p:sld>
 </file>
 
-<file path=ppt/slides/slide21.xml><?xml version="1.0" encoding="utf-8"?>
+<file path=ppt/slides/slide16.xml><?xml version="1.0" encoding="utf-8"?>
 <p:sld xmlns:a="http://schemas.openxmlformats.org/drawingml/2006/main" xmlns:r="http://schemas.openxmlformats.org/officeDocument/2006/relationships" xmlns:p="http://schemas.openxmlformats.org/presentationml/2006/main">
   <p:cSld>
     <p:spTree>
@@ -10341,7 +7601,7 @@
             <a:fld id="{188E560B-9E7C-4685-AEC2-C0D45243CE1E}" type="slidenum">
               <a:rPr lang="en-US" altLang="en-US"/>
               <a:pPr algn="r"/>
-              <a:t>21</a:t>
+              <a:t>16</a:t>
             </a:fld>
             <a:endParaRPr lang="en-US" altLang="en-US"/>
           </a:p>
@@ -10363,7 +7623,7 @@
           <a:graphicData uri="http://schemas.openxmlformats.org/presentationml/2006/ole">
             <mc:AlternateContent xmlns:mc="http://schemas.openxmlformats.org/markup-compatibility/2006">
               <mc:Choice xmlns:v="urn:schemas-microsoft-com:vml" Requires="v">
-                <p:oleObj spid="_x0000_s6176" name="Document" r:id="rId4" imgW="7321366" imgH="4466851" progId="Word.Document.8">
+                <p:oleObj spid="_x0000_s6177" name="Document" r:id="rId4" imgW="7321366" imgH="4466851" progId="Word.Document.8">
                   <p:embed/>
                 </p:oleObj>
               </mc:Choice>
@@ -10450,17 +7710,10 @@
   <p:clrMapOvr>
     <a:masterClrMapping/>
   </p:clrMapOvr>
-  <p:timing>
-    <p:tnLst>
-      <p:par>
-        <p:cTn id="1" dur="indefinite" restart="never" nodeType="tmRoot"/>
-      </p:par>
-    </p:tnLst>
-  </p:timing>
 </p:sld>
 </file>
 
-<file path=ppt/slides/slide22.xml><?xml version="1.0" encoding="utf-8"?>
+<file path=ppt/slides/slide17.xml><?xml version="1.0" encoding="utf-8"?>
 <p:sld xmlns:a="http://schemas.openxmlformats.org/drawingml/2006/main" xmlns:r="http://schemas.openxmlformats.org/officeDocument/2006/relationships" xmlns:p="http://schemas.openxmlformats.org/presentationml/2006/main">
   <p:cSld>
     <p:spTree>
@@ -10549,7 +7802,7 @@
             <a:fld id="{88BC5F7E-A36A-480D-92F5-4D17710A841E}" type="slidenum">
               <a:rPr lang="en-US" altLang="en-US"/>
               <a:pPr algn="r"/>
-              <a:t>22</a:t>
+              <a:t>17</a:t>
             </a:fld>
             <a:endParaRPr lang="en-US" altLang="en-US"/>
           </a:p>
@@ -10571,7 +7824,7 @@
           <a:graphicData uri="http://schemas.openxmlformats.org/presentationml/2006/ole">
             <mc:AlternateContent xmlns:mc="http://schemas.openxmlformats.org/markup-compatibility/2006">
               <mc:Choice xmlns:v="urn:schemas-microsoft-com:vml" Requires="v">
-                <p:oleObj spid="_x0000_s7200" name="Document" r:id="rId4" imgW="7321366" imgH="3678605" progId="Word.Document.8">
+                <p:oleObj spid="_x0000_s7201" name="Document" r:id="rId4" imgW="7321366" imgH="3678605" progId="Word.Document.8">
                   <p:embed/>
                 </p:oleObj>
               </mc:Choice>
@@ -10658,17 +7911,10 @@
   <p:clrMapOvr>
     <a:masterClrMapping/>
   </p:clrMapOvr>
-  <p:timing>
-    <p:tnLst>
-      <p:par>
-        <p:cTn id="1" dur="indefinite" restart="never" nodeType="tmRoot"/>
-      </p:par>
-    </p:tnLst>
-  </p:timing>
 </p:sld>
 </file>
 
-<file path=ppt/slides/slide23.xml><?xml version="1.0" encoding="utf-8"?>
+<file path=ppt/slides/slide18.xml><?xml version="1.0" encoding="utf-8"?>
 <p:sld xmlns:a="http://schemas.openxmlformats.org/drawingml/2006/main" xmlns:r="http://schemas.openxmlformats.org/officeDocument/2006/relationships" xmlns:p="http://schemas.openxmlformats.org/presentationml/2006/main">
   <p:cSld>
     <p:spTree>
@@ -10757,7 +8003,7 @@
             <a:fld id="{AA0C0B0A-4D45-410E-AE7C-05B2DDE41A8B}" type="slidenum">
               <a:rPr lang="en-US" altLang="en-US"/>
               <a:pPr algn="r"/>
-              <a:t>23</a:t>
+              <a:t>18</a:t>
             </a:fld>
             <a:endParaRPr lang="en-US" altLang="en-US"/>
           </a:p>
@@ -10779,7 +8025,7 @@
           <a:graphicData uri="http://schemas.openxmlformats.org/presentationml/2006/ole">
             <mc:AlternateContent xmlns:mc="http://schemas.openxmlformats.org/markup-compatibility/2006">
               <mc:Choice xmlns:v="urn:schemas-microsoft-com:vml" Requires="v">
-                <p:oleObj spid="_x0000_s8224" name="Document" r:id="rId4" imgW="6501332" imgH="771764" progId="Word.Document.8">
+                <p:oleObj spid="_x0000_s8225" name="Document" r:id="rId4" imgW="6501332" imgH="771764" progId="Word.Document.8">
                   <p:embed/>
                 </p:oleObj>
               </mc:Choice>
@@ -10907,17 +8153,10 @@
   <p:clrMapOvr>
     <a:masterClrMapping/>
   </p:clrMapOvr>
-  <p:timing>
-    <p:tnLst>
-      <p:par>
-        <p:cTn id="1" dur="indefinite" restart="never" nodeType="tmRoot"/>
-      </p:par>
-    </p:tnLst>
-  </p:timing>
 </p:sld>
 </file>
 
-<file path=ppt/slides/slide24.xml><?xml version="1.0" encoding="utf-8"?>
+<file path=ppt/slides/slide19.xml><?xml version="1.0" encoding="utf-8"?>
 <p:sld xmlns:a="http://schemas.openxmlformats.org/drawingml/2006/main" xmlns:r="http://schemas.openxmlformats.org/officeDocument/2006/relationships" xmlns:p="http://schemas.openxmlformats.org/presentationml/2006/main">
   <p:cSld>
     <p:spTree>
@@ -11006,7 +8245,7 @@
             <a:fld id="{9CD268B8-AF6D-414A-B8B3-FB71BB7569BD}" type="slidenum">
               <a:rPr lang="en-US" altLang="en-US"/>
               <a:pPr algn="r"/>
-              <a:t>24</a:t>
+              <a:t>19</a:t>
             </a:fld>
             <a:endParaRPr lang="en-US" altLang="en-US"/>
           </a:p>
@@ -11028,7 +8267,7 @@
           <a:graphicData uri="http://schemas.openxmlformats.org/presentationml/2006/ole">
             <mc:AlternateContent xmlns:mc="http://schemas.openxmlformats.org/markup-compatibility/2006">
               <mc:Choice xmlns:v="urn:schemas-microsoft-com:vml" Requires="v">
-                <p:oleObj spid="_x0000_s9248" name="Document" r:id="rId4" imgW="7475722" imgH="3697090" progId="Word.Document.8">
+                <p:oleObj spid="_x0000_s9249" name="Document" r:id="rId4" imgW="7475722" imgH="3697090" progId="Word.Document.8">
                   <p:embed/>
                 </p:oleObj>
               </mc:Choice>
@@ -11115,17 +8354,10 @@
   <p:clrMapOvr>
     <a:masterClrMapping/>
   </p:clrMapOvr>
-  <p:timing>
-    <p:tnLst>
-      <p:par>
-        <p:cTn id="1" dur="indefinite" restart="never" nodeType="tmRoot"/>
-      </p:par>
-    </p:tnLst>
-  </p:timing>
 </p:sld>
 </file>
 
-<file path=ppt/slides/slide25.xml><?xml version="1.0" encoding="utf-8"?>
+<file path=ppt/slides/slide2.xml><?xml version="1.0" encoding="utf-8"?>
 <p:sld xmlns:a="http://schemas.openxmlformats.org/drawingml/2006/main" xmlns:r="http://schemas.openxmlformats.org/officeDocument/2006/relationships" xmlns:p="http://schemas.openxmlformats.org/presentationml/2006/main">
   <p:cSld>
     <p:spTree>
@@ -11144,6 +8376,117 @@
       </p:grpSpPr>
       <p:sp>
         <p:nvSpPr>
+          <p:cNvPr id="2" name="Title 1"/>
+          <p:cNvSpPr>
+            <a:spLocks noGrp="1"/>
+          </p:cNvSpPr>
+          <p:nvPr>
+            <p:ph type="title"/>
+          </p:nvPr>
+        </p:nvSpPr>
+        <p:spPr/>
+        <p:txBody>
+          <a:bodyPr>
+            <a:normAutofit/>
+          </a:bodyPr>
+          <a:lstStyle/>
+          <a:p>
+            <a:r>
+              <a:rPr lang="en-US" dirty="0"/>
+              <a:t>Advantages of using LINQ</a:t>
+            </a:r>
+          </a:p>
+        </p:txBody>
+      </p:sp>
+      <p:sp>
+        <p:nvSpPr>
+          <p:cNvPr id="3" name="Content Placeholder 2"/>
+          <p:cNvSpPr>
+            <a:spLocks noGrp="1"/>
+          </p:cNvSpPr>
+          <p:nvPr>
+            <p:ph idx="1"/>
+          </p:nvPr>
+        </p:nvSpPr>
+        <p:spPr/>
+        <p:txBody>
+          <a:bodyPr/>
+          <a:lstStyle/>
+          <a:p>
+            <a:pPr lvl="0"/>
+            <a:r>
+              <a:rPr lang="en-US" dirty="0"/>
+              <a:t>Integrates query language </a:t>
+            </a:r>
+            <a:r>
+              <a:rPr lang="en-US" i="1" dirty="0"/>
+              <a:t>into</a:t>
+            </a:r>
+            <a:r>
+              <a:rPr lang="en-US" dirty="0"/>
+              <a:t> C#, instead of mixing 2 languages in one source file</a:t>
+            </a:r>
+          </a:p>
+          <a:p>
+            <a:pPr lvl="0"/>
+            <a:r>
+              <a:rPr lang="en-US" dirty="0"/>
+              <a:t>Provides IntelliSense, syntax checking, and debugging support</a:t>
+            </a:r>
+          </a:p>
+          <a:p>
+            <a:pPr lvl="0"/>
+            <a:r>
+              <a:rPr lang="en-US" dirty="0"/>
+              <a:t>Lets you use one language to query different types of data sources</a:t>
+            </a:r>
+          </a:p>
+          <a:p>
+            <a:pPr lvl="0"/>
+            <a:r>
+              <a:rPr lang="en-US" dirty="0"/>
+              <a:t>Provides designer tools that create </a:t>
+            </a:r>
+            <a:r>
+              <a:rPr lang="en-US" i="1" dirty="0"/>
+              <a:t>object-relational mappings</a:t>
+            </a:r>
+            <a:endParaRPr lang="en-US" dirty="0"/>
+          </a:p>
+        </p:txBody>
+      </p:sp>
+    </p:spTree>
+    <p:extLst>
+      <p:ext uri="{BB962C8B-B14F-4D97-AF65-F5344CB8AC3E}">
+        <p14:creationId xmlns:p14="http://schemas.microsoft.com/office/powerpoint/2010/main" val="3515982912"/>
+      </p:ext>
+    </p:extLst>
+  </p:cSld>
+  <p:clrMapOvr>
+    <a:masterClrMapping/>
+  </p:clrMapOvr>
+</p:sld>
+</file>
+
+<file path=ppt/slides/slide20.xml><?xml version="1.0" encoding="utf-8"?>
+<p:sld xmlns:a="http://schemas.openxmlformats.org/drawingml/2006/main" xmlns:r="http://schemas.openxmlformats.org/officeDocument/2006/relationships" xmlns:p="http://schemas.openxmlformats.org/presentationml/2006/main">
+  <p:cSld>
+    <p:spTree>
+      <p:nvGrpSpPr>
+        <p:cNvPr id="1" name=""/>
+        <p:cNvGrpSpPr/>
+        <p:nvPr/>
+      </p:nvGrpSpPr>
+      <p:grpSpPr>
+        <a:xfrm>
+          <a:off x="0" y="0"/>
+          <a:ext cx="0" cy="0"/>
+          <a:chOff x="0" y="0"/>
+          <a:chExt cx="0" cy="0"/>
+        </a:xfrm>
+      </p:grpSpPr>
+      <p:sp>
+        <p:nvSpPr>
           <p:cNvPr id="3" name="Date Placeholder 1"/>
           <p:cNvSpPr>
             <a:spLocks noGrp="1"/>
@@ -11214,7 +8557,7 @@
             <a:fld id="{6BD96118-51A4-4FD2-8072-577724A29922}" type="slidenum">
               <a:rPr lang="en-US" altLang="en-US"/>
               <a:pPr algn="r"/>
-              <a:t>25</a:t>
+              <a:t>20</a:t>
             </a:fld>
             <a:endParaRPr lang="en-US" altLang="en-US"/>
           </a:p>
@@ -11236,7 +8579,7 @@
           <a:graphicData uri="http://schemas.openxmlformats.org/presentationml/2006/ole">
             <mc:AlternateContent xmlns:mc="http://schemas.openxmlformats.org/markup-compatibility/2006">
               <mc:Choice xmlns:v="urn:schemas-microsoft-com:vml" Requires="v">
-                <p:oleObj spid="_x0000_s10272" name="Document" r:id="rId4" imgW="7321366" imgH="4261943" progId="Word.Document.8">
+                <p:oleObj spid="_x0000_s10273" name="Document" r:id="rId4" imgW="7321366" imgH="4261943" progId="Word.Document.8">
                   <p:embed/>
                 </p:oleObj>
               </mc:Choice>
@@ -11323,17 +8666,10 @@
   <p:clrMapOvr>
     <a:masterClrMapping/>
   </p:clrMapOvr>
-  <p:timing>
-    <p:tnLst>
-      <p:par>
-        <p:cTn id="1" dur="indefinite" restart="never" nodeType="tmRoot"/>
-      </p:par>
-    </p:tnLst>
-  </p:timing>
 </p:sld>
 </file>
 
-<file path=ppt/slides/slide26.xml><?xml version="1.0" encoding="utf-8"?>
+<file path=ppt/slides/slide21.xml><?xml version="1.0" encoding="utf-8"?>
 <p:sld xmlns:a="http://schemas.openxmlformats.org/drawingml/2006/main" xmlns:r="http://schemas.openxmlformats.org/officeDocument/2006/relationships" xmlns:p="http://schemas.openxmlformats.org/presentationml/2006/main">
   <p:cSld>
     <p:spTree>
@@ -11422,7 +8758,7 @@
             <a:fld id="{D0078368-8490-416E-9F87-0DFFEF6371B5}" type="slidenum">
               <a:rPr lang="en-US" altLang="en-US"/>
               <a:pPr algn="r"/>
-              <a:t>26</a:t>
+              <a:t>21</a:t>
             </a:fld>
             <a:endParaRPr lang="en-US" altLang="en-US"/>
           </a:p>
@@ -11444,7 +8780,7 @@
           <a:graphicData uri="http://schemas.openxmlformats.org/presentationml/2006/ole">
             <mc:AlternateContent xmlns:mc="http://schemas.openxmlformats.org/markup-compatibility/2006">
               <mc:Choice xmlns:v="urn:schemas-microsoft-com:vml" Requires="v">
-                <p:oleObj spid="_x0000_s11296" name="Document" r:id="rId4" imgW="7321366" imgH="3446640" progId="Word.Document.8">
+                <p:oleObj spid="_x0000_s11297" name="Document" r:id="rId4" imgW="7321366" imgH="3446640" progId="Word.Document.8">
                   <p:embed/>
                 </p:oleObj>
               </mc:Choice>
@@ -11531,17 +8867,10 @@
   <p:clrMapOvr>
     <a:masterClrMapping/>
   </p:clrMapOvr>
-  <p:timing>
-    <p:tnLst>
-      <p:par>
-        <p:cTn id="1" dur="indefinite" restart="never" nodeType="tmRoot"/>
-      </p:par>
-    </p:tnLst>
-  </p:timing>
 </p:sld>
 </file>
 
-<file path=ppt/slides/slide27.xml><?xml version="1.0" encoding="utf-8"?>
+<file path=ppt/slides/slide22.xml><?xml version="1.0" encoding="utf-8"?>
 <p:sld xmlns:a="http://schemas.openxmlformats.org/drawingml/2006/main" xmlns:r="http://schemas.openxmlformats.org/officeDocument/2006/relationships" xmlns:p="http://schemas.openxmlformats.org/presentationml/2006/main">
   <p:cSld>
     <p:spTree>
@@ -11630,7 +8959,7 @@
             <a:fld id="{EC0957E5-2367-4217-B565-1446B17B0431}" type="slidenum">
               <a:rPr lang="en-US" altLang="en-US"/>
               <a:pPr algn="r"/>
-              <a:t>27</a:t>
+              <a:t>22</a:t>
             </a:fld>
             <a:endParaRPr lang="en-US" altLang="en-US"/>
           </a:p>
@@ -11652,7 +8981,7 @@
           <a:graphicData uri="http://schemas.openxmlformats.org/presentationml/2006/ole">
             <mc:AlternateContent xmlns:mc="http://schemas.openxmlformats.org/markup-compatibility/2006">
               <mc:Choice xmlns:v="urn:schemas-microsoft-com:vml" Requires="v">
-                <p:oleObj spid="_x0000_s12320" name="Document" r:id="rId4" imgW="7303899" imgH="4032403" progId="Word.Document.8">
+                <p:oleObj spid="_x0000_s12321" name="Document" r:id="rId4" imgW="7303899" imgH="4032403" progId="Word.Document.8">
                   <p:embed/>
                 </p:oleObj>
               </mc:Choice>
@@ -11739,17 +9068,10 @@
   <p:clrMapOvr>
     <a:masterClrMapping/>
   </p:clrMapOvr>
-  <p:timing>
-    <p:tnLst>
-      <p:par>
-        <p:cTn id="1" dur="indefinite" restart="never" nodeType="tmRoot"/>
-      </p:par>
-    </p:tnLst>
-  </p:timing>
 </p:sld>
 </file>
 
-<file path=ppt/slides/slide28.xml><?xml version="1.0" encoding="utf-8"?>
+<file path=ppt/slides/slide23.xml><?xml version="1.0" encoding="utf-8"?>
 <p:sld xmlns:a="http://schemas.openxmlformats.org/drawingml/2006/main" xmlns:r="http://schemas.openxmlformats.org/officeDocument/2006/relationships" xmlns:p="http://schemas.openxmlformats.org/presentationml/2006/main">
   <p:cSld>
     <p:spTree>
@@ -11838,7 +9160,7 @@
             <a:fld id="{9A9BC887-871F-4852-9787-E11172E97DC2}" type="slidenum">
               <a:rPr lang="en-US" altLang="en-US"/>
               <a:pPr algn="r"/>
-              <a:t>28</a:t>
+              <a:t>23</a:t>
             </a:fld>
             <a:endParaRPr lang="en-US" altLang="en-US"/>
           </a:p>
@@ -11860,7 +9182,7 @@
           <a:graphicData uri="http://schemas.openxmlformats.org/presentationml/2006/ole">
             <mc:AlternateContent xmlns:mc="http://schemas.openxmlformats.org/markup-compatibility/2006">
               <mc:Choice xmlns:v="urn:schemas-microsoft-com:vml" Requires="v">
-                <p:oleObj spid="_x0000_s13344" name="Document" r:id="rId4" imgW="7321366" imgH="3446640" progId="Word.Document.8">
+                <p:oleObj spid="_x0000_s13345" name="Document" r:id="rId4" imgW="7321366" imgH="3446640" progId="Word.Document.8">
                   <p:embed/>
                 </p:oleObj>
               </mc:Choice>
@@ -11947,17 +9269,10 @@
   <p:clrMapOvr>
     <a:masterClrMapping/>
   </p:clrMapOvr>
-  <p:timing>
-    <p:tnLst>
-      <p:par>
-        <p:cTn id="1" dur="indefinite" restart="never" nodeType="tmRoot"/>
-      </p:par>
-    </p:tnLst>
-  </p:timing>
 </p:sld>
 </file>
 
-<file path=ppt/slides/slide29.xml><?xml version="1.0" encoding="utf-8"?>
+<file path=ppt/slides/slide24.xml><?xml version="1.0" encoding="utf-8"?>
 <p:sld xmlns:a="http://schemas.openxmlformats.org/drawingml/2006/main" xmlns:r="http://schemas.openxmlformats.org/officeDocument/2006/relationships" xmlns:p="http://schemas.openxmlformats.org/presentationml/2006/main">
   <p:cSld>
     <p:spTree>
@@ -12046,7 +9361,7 @@
             <a:fld id="{1EA8D723-5347-469F-8622-B8933E0969F5}" type="slidenum">
               <a:rPr lang="en-US" altLang="en-US"/>
               <a:pPr algn="r"/>
-              <a:t>29</a:t>
+              <a:t>24</a:t>
             </a:fld>
             <a:endParaRPr lang="en-US" altLang="en-US"/>
           </a:p>
@@ -12068,7 +9383,7 @@
           <a:graphicData uri="http://schemas.openxmlformats.org/presentationml/2006/ole">
             <mc:AlternateContent xmlns:mc="http://schemas.openxmlformats.org/markup-compatibility/2006">
               <mc:Choice xmlns:v="urn:schemas-microsoft-com:vml" Requires="v">
-                <p:oleObj spid="_x0000_s14368" name="Document" r:id="rId4" imgW="7303899" imgH="792362" progId="Word.Document.8">
+                <p:oleObj spid="_x0000_s14369" name="Document" r:id="rId4" imgW="7303899" imgH="792362" progId="Word.Document.8">
                   <p:embed/>
                 </p:oleObj>
               </mc:Choice>
@@ -12196,17 +9511,10 @@
   <p:clrMapOvr>
     <a:masterClrMapping/>
   </p:clrMapOvr>
-  <p:timing>
-    <p:tnLst>
-      <p:par>
-        <p:cTn id="1" dur="indefinite" restart="never" nodeType="tmRoot"/>
-      </p:par>
-    </p:tnLst>
-  </p:timing>
 </p:sld>
 </file>
 
-<file path=ppt/slides/slide3.xml><?xml version="1.0" encoding="utf-8"?>
+<file path=ppt/slides/slide25.xml><?xml version="1.0" encoding="utf-8"?>
 <p:sld xmlns:a="http://schemas.openxmlformats.org/drawingml/2006/main" xmlns:r="http://schemas.openxmlformats.org/officeDocument/2006/relationships" xmlns:p="http://schemas.openxmlformats.org/presentationml/2006/main">
   <p:cSld>
     <p:spTree>
@@ -12225,316 +9533,6 @@
       </p:grpSpPr>
       <p:sp>
         <p:nvSpPr>
-          <p:cNvPr id="2" name="Title 1"/>
-          <p:cNvSpPr>
-            <a:spLocks noGrp="1"/>
-          </p:cNvSpPr>
-          <p:nvPr>
-            <p:ph type="title"/>
-          </p:nvPr>
-        </p:nvSpPr>
-        <p:spPr>
-          <a:xfrm>
-            <a:off x="457200" y="152400"/>
-            <a:ext cx="8229600" cy="792162"/>
-          </a:xfrm>
-        </p:spPr>
-        <p:txBody>
-          <a:bodyPr>
-            <a:noAutofit/>
-          </a:bodyPr>
-          <a:lstStyle/>
-          <a:p>
-            <a:r>
-              <a:rPr lang="en-US" sz="2400" dirty="0" smtClean="0"/>
-              <a:t>Evolution of Dealing with OO C# </a:t>
-            </a:r>
-            <a:br>
-              <a:rPr lang="en-US" sz="2400" dirty="0" smtClean="0"/>
-            </a:br>
-            <a:r>
-              <a:rPr lang="en-US" sz="2400" dirty="0" smtClean="0"/>
-              <a:t>and SQL Databases and Query Language</a:t>
-            </a:r>
-            <a:endParaRPr lang="en-US" sz="2400" dirty="0"/>
-          </a:p>
-        </p:txBody>
-      </p:sp>
-      <p:sp>
-        <p:nvSpPr>
-          <p:cNvPr id="3" name="Content Placeholder 2"/>
-          <p:cNvSpPr>
-            <a:spLocks noGrp="1"/>
-          </p:cNvSpPr>
-          <p:nvPr>
-            <p:ph idx="1"/>
-          </p:nvPr>
-        </p:nvSpPr>
-        <p:spPr>
-          <a:xfrm>
-            <a:off x="228600" y="990600"/>
-            <a:ext cx="8686800" cy="5486400"/>
-          </a:xfrm>
-        </p:spPr>
-        <p:txBody>
-          <a:bodyPr>
-            <a:normAutofit fontScale="47500" lnSpcReduction="20000"/>
-          </a:bodyPr>
-          <a:lstStyle/>
-          <a:p>
-            <a:r>
-              <a:rPr lang="en-US" dirty="0" smtClean="0"/>
-              <a:t>Write communications code and send appropriate messages to SQL Server, write very specific code to deal with the data structure returned (every program writes its own “ADO” code)</a:t>
-            </a:r>
-          </a:p>
-          <a:p>
-            <a:r>
-              <a:rPr lang="en-US" b="1" dirty="0" smtClean="0"/>
-              <a:t>ADO.NET</a:t>
-            </a:r>
-            <a:r>
-              <a:rPr lang="en-US" dirty="0" smtClean="0"/>
-              <a:t> – Complex Classes map SQL interactions (</a:t>
-            </a:r>
-            <a:r>
-              <a:rPr lang="en-US" dirty="0" err="1" smtClean="0"/>
-              <a:t>SQLCommand</a:t>
-            </a:r>
-            <a:r>
-              <a:rPr lang="en-US" dirty="0" smtClean="0"/>
-              <a:t>, DataReader)</a:t>
-            </a:r>
-          </a:p>
-          <a:p>
-            <a:pPr marL="914400" lvl="1" indent="-514350">
-              <a:buFont typeface="+mj-lt"/>
-              <a:buAutoNum type="arabicPeriod"/>
-            </a:pPr>
-            <a:r>
-              <a:rPr lang="en-US" sz="3200" dirty="0" smtClean="0"/>
-              <a:t>Write some ADO object properties (as C# strings)</a:t>
-            </a:r>
-          </a:p>
-          <a:p>
-            <a:pPr marL="914400" lvl="1" indent="-514350">
-              <a:buFont typeface="+mj-lt"/>
-              <a:buAutoNum type="arabicPeriod"/>
-            </a:pPr>
-            <a:r>
-              <a:rPr lang="en-US" sz="3200" dirty="0" smtClean="0"/>
-              <a:t>Cycle thru Reader rows or bind to smart display objects</a:t>
-            </a:r>
-          </a:p>
-          <a:p>
-            <a:r>
-              <a:rPr lang="en-US" b="1" dirty="0" smtClean="0"/>
-              <a:t>ADO DataAdapter </a:t>
-            </a:r>
-            <a:r>
-              <a:rPr lang="en-US" dirty="0" smtClean="0"/>
-              <a:t>with in memory </a:t>
-            </a:r>
-            <a:r>
-              <a:rPr lang="en-US" dirty="0" err="1" smtClean="0"/>
-              <a:t>DataSets</a:t>
-            </a:r>
-            <a:endParaRPr lang="en-US" dirty="0" smtClean="0"/>
-          </a:p>
-          <a:p>
-            <a:pPr marL="914400" lvl="1" indent="-514350">
-              <a:buFont typeface="+mj-lt"/>
-              <a:buAutoNum type="arabicPeriod"/>
-            </a:pPr>
-            <a:r>
-              <a:rPr lang="en-US" sz="3200" dirty="0" smtClean="0"/>
-              <a:t>Able to deal with multiple tables and their relationships</a:t>
-            </a:r>
-          </a:p>
-          <a:p>
-            <a:pPr marL="914400" lvl="1" indent="-514350">
-              <a:buFont typeface="+mj-lt"/>
-              <a:buAutoNum type="arabicPeriod"/>
-            </a:pPr>
-            <a:r>
-              <a:rPr lang="en-US" sz="3200" dirty="0" smtClean="0"/>
-              <a:t>Use Typed </a:t>
-            </a:r>
-            <a:r>
-              <a:rPr lang="en-US" sz="3200" dirty="0" err="1" smtClean="0"/>
-              <a:t>DataTables</a:t>
-            </a:r>
-            <a:r>
-              <a:rPr lang="en-US" sz="3200" dirty="0" smtClean="0"/>
-              <a:t> and can refer to Tables and Fields using OO “dot” notation, compile time checking</a:t>
-            </a:r>
-          </a:p>
-          <a:p>
-            <a:pPr marL="914400" lvl="1" indent="-514350">
-              <a:buFont typeface="+mj-lt"/>
-              <a:buAutoNum type="arabicPeriod"/>
-            </a:pPr>
-            <a:r>
-              <a:rPr lang="en-US" sz="3200" dirty="0" smtClean="0"/>
-              <a:t>BUT still setting up read and write commands using SQL Query language strings</a:t>
-            </a:r>
-          </a:p>
-          <a:p>
-            <a:pPr marL="914400" lvl="1" indent="-514350">
-              <a:buFont typeface="+mj-lt"/>
-              <a:buAutoNum type="arabicPeriod"/>
-            </a:pPr>
-            <a:r>
-              <a:rPr lang="en-US" sz="3200" dirty="0" smtClean="0"/>
-              <a:t>Program data maps 1to 1, directly to the table and row structure of the database</a:t>
-            </a:r>
-          </a:p>
-          <a:p>
-            <a:r>
-              <a:rPr lang="en-US" b="1" dirty="0" smtClean="0"/>
-              <a:t>LINQ</a:t>
-            </a:r>
-            <a:r>
-              <a:rPr lang="en-US" dirty="0" smtClean="0"/>
-              <a:t>  - Language Integrated Query</a:t>
-            </a:r>
-          </a:p>
-          <a:p>
-            <a:pPr marL="914400" lvl="1" indent="-514350">
-              <a:buFont typeface="+mj-lt"/>
-              <a:buAutoNum type="arabicPeriod"/>
-            </a:pPr>
-            <a:r>
-              <a:rPr lang="en-US" sz="3200" dirty="0" smtClean="0"/>
-              <a:t>Native C# syntax for reading/writing to a SQL database (or other types of store), no more “SQL Query </a:t>
-            </a:r>
-            <a:r>
-              <a:rPr lang="en-US" sz="3200" dirty="0"/>
-              <a:t>language”</a:t>
-            </a:r>
-            <a:r>
-              <a:rPr lang="en-US" sz="3200" dirty="0" smtClean="0"/>
-              <a:t>”</a:t>
-            </a:r>
-          </a:p>
-          <a:p>
-            <a:pPr marL="914400" lvl="1" indent="-514350">
-              <a:buFont typeface="+mj-lt"/>
-              <a:buAutoNum type="arabicPeriod"/>
-            </a:pPr>
-            <a:r>
-              <a:rPr lang="en-US" sz="3200" dirty="0" smtClean="0"/>
-              <a:t>Data is returned in objects, (</a:t>
-            </a:r>
-            <a:r>
-              <a:rPr lang="en-US" sz="3200" i="1" dirty="0" smtClean="0"/>
-              <a:t>but program data still maps 1to1 to the table and row structure of the database</a:t>
-            </a:r>
-            <a:r>
-              <a:rPr lang="en-US" sz="3200" dirty="0" smtClean="0"/>
-              <a:t>)</a:t>
-            </a:r>
-          </a:p>
-          <a:p>
-            <a:r>
-              <a:rPr lang="en-US" b="1" dirty="0" smtClean="0"/>
-              <a:t>Entity Framework </a:t>
-            </a:r>
-            <a:r>
-              <a:rPr lang="en-US" dirty="0" smtClean="0"/>
-              <a:t>– create/use data as C# objects</a:t>
-            </a:r>
-          </a:p>
-          <a:p>
-            <a:pPr marL="914400" lvl="1" indent="-514350">
-              <a:buFont typeface="+mj-lt"/>
-              <a:buAutoNum type="arabicPeriod"/>
-            </a:pPr>
-            <a:r>
-              <a:rPr lang="en-US" sz="2900" dirty="0" smtClean="0"/>
-              <a:t>Program data is structured in objects, as an OO programmer would want it</a:t>
-            </a:r>
-          </a:p>
-          <a:p>
-            <a:pPr marL="914400" lvl="1" indent="-514350">
-              <a:buFont typeface="+mj-lt"/>
-              <a:buAutoNum type="arabicPeriod"/>
-            </a:pPr>
-            <a:r>
-              <a:rPr lang="en-US" sz="2900" dirty="0" smtClean="0"/>
-              <a:t>SQL is pushed out of sight, it becomes a backing store that the Entity Framework object model uses, but our code never sees it.</a:t>
-            </a:r>
-          </a:p>
-          <a:p>
-            <a:pPr marL="914400" lvl="1" indent="-514350">
-              <a:buFont typeface="+mj-lt"/>
-              <a:buAutoNum type="arabicPeriod"/>
-            </a:pPr>
-            <a:r>
-              <a:rPr lang="en-US" sz="2900" dirty="0" smtClean="0"/>
-              <a:t>There does not have to be a 1-1 mapping of some object’s data and some one table, an object might own just 2 of 7 rows in one table, 3 rows from another, and 1 row from a third table. </a:t>
-            </a:r>
-          </a:p>
-          <a:p>
-            <a:pPr marL="800100" lvl="2" indent="0">
-              <a:buNone/>
-            </a:pPr>
-            <a:r>
-              <a:rPr lang="en-US" sz="2900" dirty="0" smtClean="0"/>
-              <a:t>a) Data in C# object model is “pure”</a:t>
-            </a:r>
-          </a:p>
-          <a:p>
-            <a:pPr marL="800100" lvl="2" indent="0">
-              <a:buNone/>
-            </a:pPr>
-            <a:r>
-              <a:rPr lang="en-US" sz="2900" dirty="0" smtClean="0"/>
-              <a:t>b) Data in SQL is normalized and efficient</a:t>
-            </a:r>
-          </a:p>
-          <a:p>
-            <a:pPr marL="800100" lvl="2" indent="0">
-              <a:buNone/>
-            </a:pPr>
-            <a:r>
-              <a:rPr lang="en-US" sz="2900" dirty="0" smtClean="0"/>
-              <a:t>c) The Entity Framework does the mapping between them</a:t>
-            </a:r>
-          </a:p>
-        </p:txBody>
-      </p:sp>
-    </p:spTree>
-    <p:extLst>
-      <p:ext uri="{BB962C8B-B14F-4D97-AF65-F5344CB8AC3E}">
-        <p14:creationId xmlns:p14="http://schemas.microsoft.com/office/powerpoint/2010/main" val="1259850933"/>
-      </p:ext>
-    </p:extLst>
-  </p:cSld>
-  <p:clrMapOvr>
-    <a:masterClrMapping/>
-  </p:clrMapOvr>
-</p:sld>
-</file>
-
-<file path=ppt/slides/slide30.xml><?xml version="1.0" encoding="utf-8"?>
-<p:sld xmlns:a="http://schemas.openxmlformats.org/drawingml/2006/main" xmlns:r="http://schemas.openxmlformats.org/officeDocument/2006/relationships" xmlns:p="http://schemas.openxmlformats.org/presentationml/2006/main">
-  <p:cSld>
-    <p:spTree>
-      <p:nvGrpSpPr>
-        <p:cNvPr id="1" name=""/>
-        <p:cNvGrpSpPr/>
-        <p:nvPr/>
-      </p:nvGrpSpPr>
-      <p:grpSpPr>
-        <a:xfrm>
-          <a:off x="0" y="0"/>
-          <a:ext cx="0" cy="0"/>
-          <a:chOff x="0" y="0"/>
-          <a:chExt cx="0" cy="0"/>
-        </a:xfrm>
-      </p:grpSpPr>
-      <p:sp>
-        <p:nvSpPr>
           <p:cNvPr id="3" name="Date Placeholder 1"/>
           <p:cNvSpPr>
             <a:spLocks noGrp="1"/>
@@ -12605,7 +9603,7 @@
             <a:fld id="{2425C5C6-51E5-475B-A21A-C7B4E991C679}" type="slidenum">
               <a:rPr lang="en-US" altLang="en-US"/>
               <a:pPr algn="r"/>
-              <a:t>30</a:t>
+              <a:t>25</a:t>
             </a:fld>
             <a:endParaRPr lang="en-US" altLang="en-US"/>
           </a:p>
@@ -12627,7 +9625,7 @@
           <a:graphicData uri="http://schemas.openxmlformats.org/presentationml/2006/ole">
             <mc:AlternateContent xmlns:mc="http://schemas.openxmlformats.org/markup-compatibility/2006">
               <mc:Choice xmlns:v="urn:schemas-microsoft-com:vml" Requires="v">
-                <p:oleObj spid="_x0000_s15392" name="Document" r:id="rId4" imgW="7285567" imgH="5308467" progId="Word.Document.8">
+                <p:oleObj spid="_x0000_s15393" name="Document" r:id="rId4" imgW="7285567" imgH="5308467" progId="Word.Document.8">
                   <p:embed/>
                 </p:oleObj>
               </mc:Choice>
@@ -12714,17 +9712,10 @@
   <p:clrMapOvr>
     <a:masterClrMapping/>
   </p:clrMapOvr>
-  <p:timing>
-    <p:tnLst>
-      <p:par>
-        <p:cTn id="1" dur="indefinite" restart="never" nodeType="tmRoot"/>
-      </p:par>
-    </p:tnLst>
-  </p:timing>
 </p:sld>
 </file>
 
-<file path=ppt/slides/slide31.xml><?xml version="1.0" encoding="utf-8"?>
+<file path=ppt/slides/slide26.xml><?xml version="1.0" encoding="utf-8"?>
 <p:sld xmlns:a="http://schemas.openxmlformats.org/drawingml/2006/main" xmlns:r="http://schemas.openxmlformats.org/officeDocument/2006/relationships" xmlns:p="http://schemas.openxmlformats.org/presentationml/2006/main">
   <p:cSld>
     <p:spTree>
@@ -12813,7 +9804,7 @@
             <a:fld id="{6D48E1FE-0B0D-4645-87E8-B61BC8FFBABD}" type="slidenum">
               <a:rPr lang="en-US" altLang="en-US"/>
               <a:pPr algn="r"/>
-              <a:t>31</a:t>
+              <a:t>26</a:t>
             </a:fld>
             <a:endParaRPr lang="en-US" altLang="en-US"/>
           </a:p>
@@ -12835,7 +9826,7 @@
           <a:graphicData uri="http://schemas.openxmlformats.org/presentationml/2006/ole">
             <mc:AlternateContent xmlns:mc="http://schemas.openxmlformats.org/markup-compatibility/2006">
               <mc:Choice xmlns:v="urn:schemas-microsoft-com:vml" Requires="v">
-                <p:oleObj spid="_x0000_s16416" name="Document" r:id="rId4" imgW="7285567" imgH="4375640" progId="Word.Document.8">
+                <p:oleObj spid="_x0000_s16417" name="Document" r:id="rId4" imgW="7285567" imgH="4375640" progId="Word.Document.8">
                   <p:embed/>
                 </p:oleObj>
               </mc:Choice>
@@ -12922,17 +9913,10 @@
   <p:clrMapOvr>
     <a:masterClrMapping/>
   </p:clrMapOvr>
-  <p:timing>
-    <p:tnLst>
-      <p:par>
-        <p:cTn id="1" dur="indefinite" restart="never" nodeType="tmRoot"/>
-      </p:par>
-    </p:tnLst>
-  </p:timing>
 </p:sld>
 </file>
 
-<file path=ppt/slides/slide32.xml><?xml version="1.0" encoding="utf-8"?>
+<file path=ppt/slides/slide27.xml><?xml version="1.0" encoding="utf-8"?>
 <p:sld xmlns:a="http://schemas.openxmlformats.org/drawingml/2006/main" xmlns:r="http://schemas.openxmlformats.org/officeDocument/2006/relationships" xmlns:p="http://schemas.openxmlformats.org/presentationml/2006/main">
   <p:cSld>
     <p:spTree>
@@ -13021,7 +10005,7 @@
             <a:fld id="{FB3E3D1E-CD7F-458E-A418-6D6CBA830854}" type="slidenum">
               <a:rPr lang="en-US" altLang="en-US"/>
               <a:pPr algn="r"/>
-              <a:t>32</a:t>
+              <a:t>27</a:t>
             </a:fld>
             <a:endParaRPr lang="en-US" altLang="en-US"/>
           </a:p>
@@ -13043,7 +10027,7 @@
           <a:graphicData uri="http://schemas.openxmlformats.org/presentationml/2006/ole">
             <mc:AlternateContent xmlns:mc="http://schemas.openxmlformats.org/markup-compatibility/2006">
               <mc:Choice xmlns:v="urn:schemas-microsoft-com:vml" Requires="v">
-                <p:oleObj spid="_x0000_s17440" name="Document" r:id="rId4" imgW="7321366" imgH="425215" progId="Word.Document.8">
+                <p:oleObj spid="_x0000_s17441" name="Document" r:id="rId4" imgW="7321366" imgH="425215" progId="Word.Document.8">
                   <p:embed/>
                 </p:oleObj>
               </mc:Choice>
@@ -13171,17 +10155,10 @@
   <p:clrMapOvr>
     <a:masterClrMapping/>
   </p:clrMapOvr>
-  <p:timing>
-    <p:tnLst>
-      <p:par>
-        <p:cTn id="1" dur="indefinite" restart="never" nodeType="tmRoot"/>
-      </p:par>
-    </p:tnLst>
-  </p:timing>
 </p:sld>
 </file>
 
-<file path=ppt/slides/slide33.xml><?xml version="1.0" encoding="utf-8"?>
+<file path=ppt/slides/slide28.xml><?xml version="1.0" encoding="utf-8"?>
 <p:sld xmlns:a="http://schemas.openxmlformats.org/drawingml/2006/main" xmlns:r="http://schemas.openxmlformats.org/officeDocument/2006/relationships" xmlns:p="http://schemas.openxmlformats.org/presentationml/2006/main">
   <p:cSld>
     <p:spTree>
@@ -13270,7 +10247,7 @@
             <a:fld id="{47FFBC2D-F4E6-46AC-908B-F91A0968E2E1}" type="slidenum">
               <a:rPr lang="en-US" altLang="en-US"/>
               <a:pPr algn="r"/>
-              <a:t>33</a:t>
+              <a:t>28</a:t>
             </a:fld>
             <a:endParaRPr lang="en-US" altLang="en-US"/>
           </a:p>
@@ -13292,7 +10269,7 @@
           <a:graphicData uri="http://schemas.openxmlformats.org/presentationml/2006/ole">
             <mc:AlternateContent xmlns:mc="http://schemas.openxmlformats.org/markup-compatibility/2006">
               <mc:Choice xmlns:v="urn:schemas-microsoft-com:vml" Requires="v">
-                <p:oleObj spid="_x0000_s18464" name="Document" r:id="rId4" imgW="7285567" imgH="3338726" progId="Word.Document.8">
+                <p:oleObj spid="_x0000_s18465" name="Document" r:id="rId4" imgW="7285567" imgH="3338726" progId="Word.Document.8">
                   <p:embed/>
                 </p:oleObj>
               </mc:Choice>
@@ -13379,17 +10356,10 @@
   <p:clrMapOvr>
     <a:masterClrMapping/>
   </p:clrMapOvr>
-  <p:timing>
-    <p:tnLst>
-      <p:par>
-        <p:cTn id="1" dur="indefinite" restart="never" nodeType="tmRoot"/>
-      </p:par>
-    </p:tnLst>
-  </p:timing>
 </p:sld>
 </file>
 
-<file path=ppt/slides/slide34.xml><?xml version="1.0" encoding="utf-8"?>
+<file path=ppt/slides/slide29.xml><?xml version="1.0" encoding="utf-8"?>
 <p:sld xmlns:a="http://schemas.openxmlformats.org/drawingml/2006/main" xmlns:r="http://schemas.openxmlformats.org/officeDocument/2006/relationships" xmlns:p="http://schemas.openxmlformats.org/presentationml/2006/main">
   <p:cSld>
     <p:spTree>
@@ -13478,7 +10448,7 @@
             <a:fld id="{56446470-18E5-4B77-A797-81AA54CE721D}" type="slidenum">
               <a:rPr lang="en-US" altLang="en-US"/>
               <a:pPr algn="r"/>
-              <a:t>34</a:t>
+              <a:t>29</a:t>
             </a:fld>
             <a:endParaRPr lang="en-US" altLang="en-US"/>
           </a:p>
@@ -13500,7 +10470,7 @@
           <a:graphicData uri="http://schemas.openxmlformats.org/presentationml/2006/ole">
             <mc:AlternateContent xmlns:mc="http://schemas.openxmlformats.org/markup-compatibility/2006">
               <mc:Choice xmlns:v="urn:schemas-microsoft-com:vml" Requires="v">
-                <p:oleObj spid="_x0000_s19488" name="Document" r:id="rId4" imgW="7303899" imgH="3881494" progId="Word.Document.8">
+                <p:oleObj spid="_x0000_s19489" name="Document" r:id="rId4" imgW="7303899" imgH="3881494" progId="Word.Document.8">
                   <p:embed/>
                 </p:oleObj>
               </mc:Choice>
@@ -13587,17 +10557,10 @@
   <p:clrMapOvr>
     <a:masterClrMapping/>
   </p:clrMapOvr>
-  <p:timing>
-    <p:tnLst>
-      <p:par>
-        <p:cTn id="1" dur="indefinite" restart="never" nodeType="tmRoot"/>
-      </p:par>
-    </p:tnLst>
-  </p:timing>
 </p:sld>
 </file>
 
-<file path=ppt/slides/slide35.xml><?xml version="1.0" encoding="utf-8"?>
+<file path=ppt/slides/slide3.xml><?xml version="1.0" encoding="utf-8"?>
 <p:sld xmlns:a="http://schemas.openxmlformats.org/drawingml/2006/main" xmlns:r="http://schemas.openxmlformats.org/officeDocument/2006/relationships" xmlns:p="http://schemas.openxmlformats.org/presentationml/2006/main">
   <p:cSld>
     <p:spTree>
@@ -13616,6 +10579,307 @@
       </p:grpSpPr>
       <p:sp>
         <p:nvSpPr>
+          <p:cNvPr id="2" name="Title 1"/>
+          <p:cNvSpPr>
+            <a:spLocks noGrp="1"/>
+          </p:cNvSpPr>
+          <p:nvPr>
+            <p:ph type="title"/>
+          </p:nvPr>
+        </p:nvSpPr>
+        <p:spPr>
+          <a:xfrm>
+            <a:off x="457200" y="152400"/>
+            <a:ext cx="8229600" cy="792162"/>
+          </a:xfrm>
+        </p:spPr>
+        <p:txBody>
+          <a:bodyPr>
+            <a:noAutofit/>
+          </a:bodyPr>
+          <a:lstStyle/>
+          <a:p>
+            <a:r>
+              <a:rPr lang="en-US" sz="2400" dirty="0"/>
+              <a:t>Evolution of Dealing with OO C# </a:t>
+            </a:r>
+            <a:br>
+              <a:rPr lang="en-US" sz="2400" dirty="0"/>
+            </a:br>
+            <a:r>
+              <a:rPr lang="en-US" sz="2400" dirty="0"/>
+              <a:t>and SQL Databases and Query Language</a:t>
+            </a:r>
+          </a:p>
+        </p:txBody>
+      </p:sp>
+      <p:sp>
+        <p:nvSpPr>
+          <p:cNvPr id="3" name="Content Placeholder 2"/>
+          <p:cNvSpPr>
+            <a:spLocks noGrp="1"/>
+          </p:cNvSpPr>
+          <p:nvPr>
+            <p:ph idx="1"/>
+          </p:nvPr>
+        </p:nvSpPr>
+        <p:spPr>
+          <a:xfrm>
+            <a:off x="228600" y="990600"/>
+            <a:ext cx="8686800" cy="5486400"/>
+          </a:xfrm>
+        </p:spPr>
+        <p:txBody>
+          <a:bodyPr>
+            <a:normAutofit fontScale="47500" lnSpcReduction="20000"/>
+          </a:bodyPr>
+          <a:lstStyle/>
+          <a:p>
+            <a:r>
+              <a:rPr lang="en-US" dirty="0"/>
+              <a:t>Write communications code and send appropriate messages to SQL Server, write very specific code to deal with the data structure returned (every program writes its own “ADO” code)</a:t>
+            </a:r>
+          </a:p>
+          <a:p>
+            <a:r>
+              <a:rPr lang="en-US" b="1" dirty="0"/>
+              <a:t>ADO.NET</a:t>
+            </a:r>
+            <a:r>
+              <a:rPr lang="en-US" dirty="0"/>
+              <a:t> – Complex Classes map SQL interactions (</a:t>
+            </a:r>
+            <a:r>
+              <a:rPr lang="en-US" dirty="0" err="1"/>
+              <a:t>SQLCommand</a:t>
+            </a:r>
+            <a:r>
+              <a:rPr lang="en-US" dirty="0"/>
+              <a:t>, DataReader)</a:t>
+            </a:r>
+          </a:p>
+          <a:p>
+            <a:pPr marL="914400" lvl="1" indent="-514350">
+              <a:buFont typeface="+mj-lt"/>
+              <a:buAutoNum type="arabicPeriod"/>
+            </a:pPr>
+            <a:r>
+              <a:rPr lang="en-US" sz="3200" dirty="0"/>
+              <a:t>Write some ADO object properties (as C# strings)</a:t>
+            </a:r>
+          </a:p>
+          <a:p>
+            <a:pPr marL="914400" lvl="1" indent="-514350">
+              <a:buFont typeface="+mj-lt"/>
+              <a:buAutoNum type="arabicPeriod"/>
+            </a:pPr>
+            <a:r>
+              <a:rPr lang="en-US" sz="3200" dirty="0"/>
+              <a:t>Cycle thru Reader rows or bind to smart display objects</a:t>
+            </a:r>
+          </a:p>
+          <a:p>
+            <a:r>
+              <a:rPr lang="en-US" b="1" dirty="0"/>
+              <a:t>ADO DataAdapter </a:t>
+            </a:r>
+            <a:r>
+              <a:rPr lang="en-US" dirty="0"/>
+              <a:t>with in memory </a:t>
+            </a:r>
+            <a:r>
+              <a:rPr lang="en-US" dirty="0" err="1"/>
+              <a:t>DataSets</a:t>
+            </a:r>
+            <a:endParaRPr lang="en-US" dirty="0"/>
+          </a:p>
+          <a:p>
+            <a:pPr marL="914400" lvl="1" indent="-514350">
+              <a:buFont typeface="+mj-lt"/>
+              <a:buAutoNum type="arabicPeriod"/>
+            </a:pPr>
+            <a:r>
+              <a:rPr lang="en-US" sz="3200" dirty="0"/>
+              <a:t>Able to deal with multiple tables and their relationships</a:t>
+            </a:r>
+          </a:p>
+          <a:p>
+            <a:pPr marL="914400" lvl="1" indent="-514350">
+              <a:buFont typeface="+mj-lt"/>
+              <a:buAutoNum type="arabicPeriod"/>
+            </a:pPr>
+            <a:r>
+              <a:rPr lang="en-US" sz="3200" dirty="0"/>
+              <a:t>Use Typed </a:t>
+            </a:r>
+            <a:r>
+              <a:rPr lang="en-US" sz="3200" dirty="0" err="1"/>
+              <a:t>DataTables</a:t>
+            </a:r>
+            <a:r>
+              <a:rPr lang="en-US" sz="3200" dirty="0"/>
+              <a:t> and can refer to Tables and Fields using OO “dot” notation, compile time checking</a:t>
+            </a:r>
+          </a:p>
+          <a:p>
+            <a:pPr marL="914400" lvl="1" indent="-514350">
+              <a:buFont typeface="+mj-lt"/>
+              <a:buAutoNum type="arabicPeriod"/>
+            </a:pPr>
+            <a:r>
+              <a:rPr lang="en-US" sz="3200" dirty="0"/>
+              <a:t>BUT still setting up read and write commands using SQL Query language strings</a:t>
+            </a:r>
+          </a:p>
+          <a:p>
+            <a:pPr marL="914400" lvl="1" indent="-514350">
+              <a:buFont typeface="+mj-lt"/>
+              <a:buAutoNum type="arabicPeriod"/>
+            </a:pPr>
+            <a:r>
+              <a:rPr lang="en-US" sz="3200" dirty="0"/>
+              <a:t>Program data maps 1to 1, directly to the table and row structure of the database</a:t>
+            </a:r>
+          </a:p>
+          <a:p>
+            <a:r>
+              <a:rPr lang="en-US" b="1" dirty="0"/>
+              <a:t>LINQ</a:t>
+            </a:r>
+            <a:r>
+              <a:rPr lang="en-US" dirty="0"/>
+              <a:t>  - Language Integrated Query</a:t>
+            </a:r>
+          </a:p>
+          <a:p>
+            <a:pPr marL="914400" lvl="1" indent="-514350">
+              <a:buFont typeface="+mj-lt"/>
+              <a:buAutoNum type="arabicPeriod"/>
+            </a:pPr>
+            <a:r>
+              <a:rPr lang="en-US" sz="3200" dirty="0"/>
+              <a:t>Native C# syntax for reading/writing to a SQL database (or other types of store), no more “SQL Query language””</a:t>
+            </a:r>
+          </a:p>
+          <a:p>
+            <a:pPr marL="914400" lvl="1" indent="-514350">
+              <a:buFont typeface="+mj-lt"/>
+              <a:buAutoNum type="arabicPeriod"/>
+            </a:pPr>
+            <a:r>
+              <a:rPr lang="en-US" sz="3200" dirty="0"/>
+              <a:t>Data is returned in objects, (</a:t>
+            </a:r>
+            <a:r>
+              <a:rPr lang="en-US" sz="3200" i="1" dirty="0"/>
+              <a:t>but program data still maps 1to1 to the table and row structure of the database</a:t>
+            </a:r>
+            <a:r>
+              <a:rPr lang="en-US" sz="3200" dirty="0"/>
+              <a:t>)</a:t>
+            </a:r>
+          </a:p>
+          <a:p>
+            <a:r>
+              <a:rPr lang="en-US" b="1" dirty="0"/>
+              <a:t>Entity Framework </a:t>
+            </a:r>
+            <a:r>
+              <a:rPr lang="en-US" dirty="0"/>
+              <a:t>– create/use data as C# objects</a:t>
+            </a:r>
+          </a:p>
+          <a:p>
+            <a:pPr marL="914400" lvl="1" indent="-514350">
+              <a:buFont typeface="+mj-lt"/>
+              <a:buAutoNum type="arabicPeriod"/>
+            </a:pPr>
+            <a:r>
+              <a:rPr lang="en-US" sz="2900" dirty="0"/>
+              <a:t>Program data is structured in objects, as an OO programmer would want it</a:t>
+            </a:r>
+          </a:p>
+          <a:p>
+            <a:pPr marL="914400" lvl="1" indent="-514350">
+              <a:buFont typeface="+mj-lt"/>
+              <a:buAutoNum type="arabicPeriod"/>
+            </a:pPr>
+            <a:r>
+              <a:rPr lang="en-US" sz="2900" dirty="0"/>
+              <a:t>SQL is pushed out of sight, it becomes a backing store that the Entity Framework object model uses, but our code never sees it.</a:t>
+            </a:r>
+          </a:p>
+          <a:p>
+            <a:pPr marL="914400" lvl="1" indent="-514350">
+              <a:buFont typeface="+mj-lt"/>
+              <a:buAutoNum type="arabicPeriod"/>
+            </a:pPr>
+            <a:r>
+              <a:rPr lang="en-US" sz="2900" dirty="0"/>
+              <a:t>There does not have to be a 1-1 mapping of some object’s data and some one table, an object might own just 2 of 7 rows in one table, 3 rows from another, and 1 row from a third table. </a:t>
+            </a:r>
+          </a:p>
+          <a:p>
+            <a:pPr marL="800100" lvl="2" indent="0">
+              <a:buNone/>
+            </a:pPr>
+            <a:r>
+              <a:rPr lang="en-US" sz="2900" dirty="0"/>
+              <a:t>a) Data in C# object model is “pure”</a:t>
+            </a:r>
+          </a:p>
+          <a:p>
+            <a:pPr marL="800100" lvl="2" indent="0">
+              <a:buNone/>
+            </a:pPr>
+            <a:r>
+              <a:rPr lang="en-US" sz="2900" dirty="0"/>
+              <a:t>b) Data in SQL is normalized and efficient</a:t>
+            </a:r>
+          </a:p>
+          <a:p>
+            <a:pPr marL="800100" lvl="2" indent="0">
+              <a:buNone/>
+            </a:pPr>
+            <a:r>
+              <a:rPr lang="en-US" sz="2900" dirty="0"/>
+              <a:t>c) The Entity Framework does the mapping between them</a:t>
+            </a:r>
+          </a:p>
+        </p:txBody>
+      </p:sp>
+    </p:spTree>
+    <p:extLst>
+      <p:ext uri="{BB962C8B-B14F-4D97-AF65-F5344CB8AC3E}">
+        <p14:creationId xmlns:p14="http://schemas.microsoft.com/office/powerpoint/2010/main" val="1259850933"/>
+      </p:ext>
+    </p:extLst>
+  </p:cSld>
+  <p:clrMapOvr>
+    <a:masterClrMapping/>
+  </p:clrMapOvr>
+</p:sld>
+</file>
+
+<file path=ppt/slides/slide30.xml><?xml version="1.0" encoding="utf-8"?>
+<p:sld xmlns:a="http://schemas.openxmlformats.org/drawingml/2006/main" xmlns:r="http://schemas.openxmlformats.org/officeDocument/2006/relationships" xmlns:p="http://schemas.openxmlformats.org/presentationml/2006/main">
+  <p:cSld>
+    <p:spTree>
+      <p:nvGrpSpPr>
+        <p:cNvPr id="1" name=""/>
+        <p:cNvGrpSpPr/>
+        <p:nvPr/>
+      </p:nvGrpSpPr>
+      <p:grpSpPr>
+        <a:xfrm>
+          <a:off x="0" y="0"/>
+          <a:ext cx="0" cy="0"/>
+          <a:chOff x="0" y="0"/>
+          <a:chExt cx="0" cy="0"/>
+        </a:xfrm>
+      </p:grpSpPr>
+      <p:sp>
+        <p:nvSpPr>
           <p:cNvPr id="3" name="Date Placeholder 1"/>
           <p:cNvSpPr>
             <a:spLocks noGrp="1"/>
@@ -13686,7 +10950,7 @@
             <a:fld id="{D632E0DE-F0BA-4AC4-B9AF-E4F269415A2D}" type="slidenum">
               <a:rPr lang="en-US" altLang="en-US"/>
               <a:pPr algn="r"/>
-              <a:t>35</a:t>
+              <a:t>30</a:t>
             </a:fld>
             <a:endParaRPr lang="en-US" altLang="en-US"/>
           </a:p>
@@ -13708,7 +10972,7 @@
           <a:graphicData uri="http://schemas.openxmlformats.org/presentationml/2006/ole">
             <mc:AlternateContent xmlns:mc="http://schemas.openxmlformats.org/markup-compatibility/2006">
               <mc:Choice xmlns:v="urn:schemas-microsoft-com:vml" Requires="v">
-                <p:oleObj spid="_x0000_s20512" name="Document" r:id="rId4" imgW="7303899" imgH="4322336" progId="Word.Document.8">
+                <p:oleObj spid="_x0000_s20513" name="Document" r:id="rId4" imgW="7303899" imgH="4322336" progId="Word.Document.8">
                   <p:embed/>
                 </p:oleObj>
               </mc:Choice>
@@ -13795,17 +11059,10 @@
   <p:clrMapOvr>
     <a:masterClrMapping/>
   </p:clrMapOvr>
-  <p:timing>
-    <p:tnLst>
-      <p:par>
-        <p:cTn id="1" dur="indefinite" restart="never" nodeType="tmRoot"/>
-      </p:par>
-    </p:tnLst>
-  </p:timing>
 </p:sld>
 </file>
 
-<file path=ppt/slides/slide36.xml><?xml version="1.0" encoding="utf-8"?>
+<file path=ppt/slides/slide31.xml><?xml version="1.0" encoding="utf-8"?>
 <p:sld xmlns:a="http://schemas.openxmlformats.org/drawingml/2006/main" xmlns:r="http://schemas.openxmlformats.org/officeDocument/2006/relationships" xmlns:p="http://schemas.openxmlformats.org/presentationml/2006/main">
   <p:cSld>
     <p:spTree>
@@ -13894,7 +11151,7 @@
             <a:fld id="{9F55D898-45CF-4EF7-B0DF-13D258E1BB3D}" type="slidenum">
               <a:rPr lang="en-US" altLang="en-US"/>
               <a:pPr algn="r"/>
-              <a:t>36</a:t>
+              <a:t>31</a:t>
             </a:fld>
             <a:endParaRPr lang="en-US" altLang="en-US"/>
           </a:p>
@@ -13916,7 +11173,7 @@
           <a:graphicData uri="http://schemas.openxmlformats.org/presentationml/2006/ole">
             <mc:AlternateContent xmlns:mc="http://schemas.openxmlformats.org/markup-compatibility/2006">
               <mc:Choice xmlns:v="urn:schemas-microsoft-com:vml" Requires="v">
-                <p:oleObj spid="_x0000_s21536" name="Document" r:id="rId4" imgW="7237039" imgH="495226" progId="Word.Document.8">
+                <p:oleObj spid="_x0000_s21537" name="Document" r:id="rId4" imgW="7237039" imgH="495226" progId="Word.Document.8">
                   <p:embed/>
                 </p:oleObj>
               </mc:Choice>
@@ -14044,13 +11301,6 @@
   <p:clrMapOvr>
     <a:masterClrMapping/>
   </p:clrMapOvr>
-  <p:timing>
-    <p:tnLst>
-      <p:par>
-        <p:cTn id="1" dur="indefinite" restart="never" nodeType="tmRoot"/>
-      </p:par>
-    </p:tnLst>
-  </p:timing>
 </p:sld>
 </file>
 
@@ -14089,10 +11339,9 @@
           <a:lstStyle/>
           <a:p>
             <a:r>
-              <a:rPr lang="en-US" sz="3600" dirty="0" smtClean="0"/>
-              <a:t>To learn LINQ</a:t>
-            </a:r>
-            <a:endParaRPr lang="en-US" sz="3600" dirty="0"/>
+              <a:rPr lang="en-US" sz="4000" dirty="0"/>
+              <a:t>C# clauses for working with LINQ</a:t>
+            </a:r>
           </a:p>
         </p:txBody>
       </p:sp>
@@ -14109,49 +11358,135 @@
         <p:spPr/>
         <p:txBody>
           <a:bodyPr>
-            <a:normAutofit lnSpcReduction="10000"/>
+            <a:normAutofit fontScale="92500" lnSpcReduction="10000"/>
           </a:bodyPr>
           <a:lstStyle/>
           <a:p>
-            <a:r>
-              <a:rPr lang="en-US" sz="2400" dirty="0" smtClean="0"/>
-              <a:t>We need to learn a new, C# specific query language (just a few phrases)</a:t>
-            </a:r>
-          </a:p>
-          <a:p>
-            <a:endParaRPr lang="en-US" sz="2400" dirty="0" smtClean="0"/>
-          </a:p>
-          <a:p>
-            <a:r>
-              <a:rPr lang="en-US" sz="2400" dirty="0" smtClean="0"/>
-              <a:t>We need to dig into a bit of OO technology to deal with “</a:t>
-            </a:r>
-            <a:r>
-              <a:rPr lang="en-US" sz="2400" dirty="0" err="1" smtClean="0"/>
-              <a:t>System.Collections.IEnumerable</a:t>
-            </a:r>
-            <a:r>
-              <a:rPr lang="en-US" sz="2400" dirty="0" smtClean="0"/>
-              <a:t>”</a:t>
-            </a:r>
-          </a:p>
-          <a:p>
-            <a:endParaRPr lang="en-US" sz="2400" dirty="0" smtClean="0"/>
-          </a:p>
-          <a:p>
-            <a:r>
-              <a:rPr lang="en-US" sz="2400" dirty="0" smtClean="0"/>
-              <a:t>We need to use a particular code construct to get at the data (foreach)</a:t>
-            </a:r>
-          </a:p>
-          <a:p>
-            <a:endParaRPr lang="en-US" sz="2400" dirty="0" smtClean="0"/>
-          </a:p>
-          <a:p>
-            <a:r>
-              <a:rPr lang="en-US" sz="2400" dirty="0" smtClean="0"/>
-              <a:t>And again, we can reference table names, field names, and fields in “related” tables by simply use the “.something” notation.</a:t>
-            </a:r>
+            <a:pPr lvl="0"/>
+            <a:r>
+              <a:rPr lang="en-US" sz="2400" dirty="0">
+                <a:solidFill>
+                  <a:srgbClr val="0070C0"/>
+                </a:solidFill>
+              </a:rPr>
+              <a:t>from</a:t>
+            </a:r>
+          </a:p>
+          <a:p>
+            <a:pPr lvl="0"/>
+            <a:r>
+              <a:rPr lang="en-US" sz="2400" dirty="0">
+                <a:solidFill>
+                  <a:srgbClr val="0070C0"/>
+                </a:solidFill>
+              </a:rPr>
+              <a:t>select</a:t>
+            </a:r>
+            <a:r>
+              <a:rPr lang="en-US" sz="2400" dirty="0"/>
+              <a:t>   (</a:t>
+            </a:r>
+            <a:r>
+              <a:rPr lang="en-US" sz="2400" i="1" dirty="0">
+                <a:solidFill>
+                  <a:schemeClr val="accent6">
+                    <a:lumMod val="75000"/>
+                  </a:schemeClr>
+                </a:solidFill>
+              </a:rPr>
+              <a:t>In LINQ, the SELECT and FROM are in reverse order</a:t>
+            </a:r>
+            <a:r>
+              <a:rPr lang="en-US" sz="2400" dirty="0"/>
+              <a:t>)</a:t>
+            </a:r>
+          </a:p>
+          <a:p>
+            <a:pPr lvl="0"/>
+            <a:r>
+              <a:rPr lang="en-US" sz="2400" dirty="0">
+                <a:solidFill>
+                  <a:srgbClr val="0070C0"/>
+                </a:solidFill>
+              </a:rPr>
+              <a:t>where</a:t>
+            </a:r>
+          </a:p>
+          <a:p>
+            <a:pPr lvl="0"/>
+            <a:r>
+              <a:rPr lang="en-US" sz="2400" dirty="0" err="1">
+                <a:solidFill>
+                  <a:srgbClr val="0070C0"/>
+                </a:solidFill>
+              </a:rPr>
+              <a:t>orderby</a:t>
+            </a:r>
+            <a:endParaRPr lang="en-US" sz="2400" dirty="0">
+              <a:solidFill>
+                <a:srgbClr val="0070C0"/>
+              </a:solidFill>
+            </a:endParaRPr>
+          </a:p>
+          <a:p>
+            <a:pPr lvl="0"/>
+            <a:endParaRPr lang="en-US" sz="2400" dirty="0"/>
+          </a:p>
+          <a:p>
+            <a:pPr lvl="0"/>
+            <a:r>
+              <a:rPr lang="en-US" sz="2400" dirty="0">
+                <a:solidFill>
+                  <a:srgbClr val="0070C0"/>
+                </a:solidFill>
+              </a:rPr>
+              <a:t>let</a:t>
+            </a:r>
+          </a:p>
+          <a:p>
+            <a:pPr lvl="0"/>
+            <a:r>
+              <a:rPr lang="en-US" sz="2400" dirty="0">
+                <a:solidFill>
+                  <a:srgbClr val="0070C0"/>
+                </a:solidFill>
+              </a:rPr>
+              <a:t>join</a:t>
+            </a:r>
+          </a:p>
+          <a:p>
+            <a:pPr lvl="0"/>
+            <a:r>
+              <a:rPr lang="en-US" sz="2400" dirty="0">
+                <a:solidFill>
+                  <a:srgbClr val="0070C0"/>
+                </a:solidFill>
+              </a:rPr>
+              <a:t>group</a:t>
+            </a:r>
+          </a:p>
+          <a:p>
+            <a:pPr lvl="0"/>
+            <a:endParaRPr lang="en-US" sz="2400" dirty="0"/>
+          </a:p>
+          <a:p>
+            <a:pPr lvl="0"/>
+            <a:r>
+              <a:rPr lang="en-US" sz="2400" dirty="0"/>
+              <a:t>When using these clauses to create query expressions, VS helps get the coding correct with IntelliSense and type checking as you edit</a:t>
+            </a:r>
+          </a:p>
+          <a:p>
+            <a:pPr lvl="0"/>
+            <a:r>
+              <a:rPr lang="en-US" sz="2400" dirty="0"/>
+              <a:t>Finds errors before run-time.</a:t>
+            </a:r>
+          </a:p>
+          <a:p>
+            <a:pPr marL="0" indent="0">
+              <a:buNone/>
+            </a:pPr>
             <a:endParaRPr lang="en-US" sz="2400" dirty="0"/>
           </a:p>
         </p:txBody>
@@ -14159,7 +11494,7 @@
     </p:spTree>
     <p:extLst>
       <p:ext uri="{BB962C8B-B14F-4D97-AF65-F5344CB8AC3E}">
-        <p14:creationId xmlns:p14="http://schemas.microsoft.com/office/powerpoint/2010/main" val="3157242847"/>
+        <p14:creationId xmlns:p14="http://schemas.microsoft.com/office/powerpoint/2010/main" val="160287758"/>
       </p:ext>
     </p:extLst>
   </p:cSld>
@@ -14198,148 +11533,57 @@
         </p:nvSpPr>
         <p:spPr/>
         <p:txBody>
+          <a:bodyPr>
+            <a:normAutofit fontScale="90000"/>
+          </a:bodyPr>
+          <a:lstStyle/>
+          <a:p>
+            <a:r>
+              <a:rPr lang="en-US" dirty="0"/>
+              <a:t>The three stages of a query operation</a:t>
+            </a:r>
+          </a:p>
+        </p:txBody>
+      </p:sp>
+      <p:sp>
+        <p:nvSpPr>
+          <p:cNvPr id="3" name="Content Placeholder 2"/>
+          <p:cNvSpPr>
+            <a:spLocks noGrp="1"/>
+          </p:cNvSpPr>
+          <p:nvPr>
+            <p:ph idx="1"/>
+          </p:nvPr>
+        </p:nvSpPr>
+        <p:spPr/>
+        <p:txBody>
           <a:bodyPr/>
           <a:lstStyle/>
           <a:p>
-            <a:r>
-              <a:rPr lang="en-US" dirty="0" err="1"/>
-              <a:t>IEnumerable</a:t>
-            </a:r>
-            <a:endParaRPr lang="en-US" dirty="0"/>
-          </a:p>
-        </p:txBody>
-      </p:sp>
-      <p:sp>
-        <p:nvSpPr>
-          <p:cNvPr id="3" name="Content Placeholder 2"/>
-          <p:cNvSpPr>
-            <a:spLocks noGrp="1"/>
-          </p:cNvSpPr>
-          <p:nvPr>
-            <p:ph idx="1"/>
-          </p:nvPr>
-        </p:nvSpPr>
-        <p:spPr/>
-        <p:txBody>
-          <a:bodyPr>
-            <a:normAutofit fontScale="92500" lnSpcReduction="20000"/>
-          </a:bodyPr>
-          <a:lstStyle/>
-          <a:p>
-            <a:r>
-              <a:rPr lang="en-US" dirty="0" err="1"/>
-              <a:t>IEnumerable</a:t>
-            </a:r>
+            <a:pPr lvl="0"/>
             <a:r>
               <a:rPr lang="en-US" dirty="0"/>
-              <a:t> is the base interface for all non-generic collections that can be enumerated</a:t>
-            </a:r>
-            <a:r>
-              <a:rPr lang="en-US" dirty="0" smtClean="0"/>
-              <a:t>.</a:t>
-            </a:r>
-          </a:p>
-          <a:p>
-            <a:r>
-              <a:rPr lang="en-US" dirty="0" smtClean="0"/>
-              <a:t>There is also </a:t>
-            </a:r>
-            <a:r>
-              <a:rPr lang="en-US" dirty="0" err="1"/>
-              <a:t>IEnumerable</a:t>
-            </a:r>
+              <a:t>Q1 - Get the data source.</a:t>
+            </a:r>
+          </a:p>
+          <a:p>
+            <a:pPr lvl="0"/>
             <a:r>
               <a:rPr lang="en-US" dirty="0"/>
-              <a:t>&lt;T</a:t>
-            </a:r>
-            <a:r>
-              <a:rPr lang="en-US" dirty="0" smtClean="0"/>
-              <a:t>&gt; for </a:t>
-            </a:r>
+              <a:t>Q2 - Define the query expression.</a:t>
+            </a:r>
+          </a:p>
+          <a:p>
+            <a:pPr lvl="0"/>
             <a:r>
               <a:rPr lang="en-US" dirty="0"/>
-              <a:t>the generic version of this </a:t>
-            </a:r>
-            <a:r>
-              <a:rPr lang="en-US" dirty="0" smtClean="0"/>
-              <a:t>interface</a:t>
-            </a:r>
-          </a:p>
-          <a:p>
-            <a:r>
-              <a:rPr lang="en-US" dirty="0" err="1" smtClean="0"/>
-              <a:t>IEnumerable</a:t>
-            </a:r>
-            <a:r>
-              <a:rPr lang="en-US" dirty="0" smtClean="0"/>
-              <a:t> </a:t>
-            </a:r>
-            <a:r>
-              <a:rPr lang="en-US" dirty="0"/>
-              <a:t>contains a single method, </a:t>
-            </a:r>
-            <a:endParaRPr lang="en-US" dirty="0" smtClean="0"/>
-          </a:p>
-          <a:p>
-            <a:pPr lvl="1"/>
-            <a:r>
-              <a:rPr lang="en-US" dirty="0" err="1" smtClean="0"/>
-              <a:t>GetEnumerator</a:t>
-            </a:r>
-            <a:r>
-              <a:rPr lang="en-US" dirty="0"/>
-              <a:t>, which returns an </a:t>
-            </a:r>
-            <a:r>
-              <a:rPr lang="en-US" dirty="0" err="1"/>
-              <a:t>IEnumerator</a:t>
-            </a:r>
-            <a:r>
-              <a:rPr lang="en-US" dirty="0" smtClean="0"/>
-              <a:t>.</a:t>
-            </a:r>
-          </a:p>
-          <a:p>
-            <a:pPr lvl="1"/>
-            <a:r>
-              <a:rPr lang="en-US" dirty="0" smtClean="0"/>
-              <a:t> </a:t>
-            </a:r>
-            <a:r>
-              <a:rPr lang="en-US" dirty="0" err="1"/>
-              <a:t>IEnumerator</a:t>
-            </a:r>
-            <a:r>
-              <a:rPr lang="en-US" dirty="0"/>
-              <a:t> provides the ability to iterate through the collection by exposing a </a:t>
-            </a:r>
-            <a:endParaRPr lang="en-US" dirty="0" smtClean="0"/>
-          </a:p>
-          <a:p>
-            <a:pPr lvl="2"/>
-            <a:r>
-              <a:rPr lang="en-US" dirty="0" smtClean="0"/>
-              <a:t>Current property</a:t>
-            </a:r>
-          </a:p>
-          <a:p>
-            <a:pPr lvl="2"/>
-            <a:r>
-              <a:rPr lang="en-US" dirty="0" err="1" smtClean="0"/>
-              <a:t>MoveNext</a:t>
-            </a:r>
-            <a:r>
-              <a:rPr lang="en-US" smtClean="0"/>
-              <a:t> method</a:t>
-            </a:r>
-            <a:endParaRPr lang="en-US" dirty="0"/>
-          </a:p>
-          <a:p>
-            <a:pPr lvl="2"/>
-            <a:r>
-              <a:rPr lang="en-US" dirty="0" smtClean="0"/>
-              <a:t>Reset method.</a:t>
-            </a:r>
+              <a:t>Q3 – Execute (use) the query to return the results.</a:t>
+            </a:r>
+          </a:p>
+          <a:p>
+            <a:pPr marL="0" indent="0">
+              <a:buNone/>
+            </a:pPr>
             <a:endParaRPr lang="en-US" dirty="0"/>
           </a:p>
         </p:txBody>
@@ -14347,7 +11591,7 @@
     </p:spTree>
     <p:extLst>
       <p:ext uri="{BB962C8B-B14F-4D97-AF65-F5344CB8AC3E}">
-        <p14:creationId xmlns:p14="http://schemas.microsoft.com/office/powerpoint/2010/main" val="182287704"/>
+        <p14:creationId xmlns:p14="http://schemas.microsoft.com/office/powerpoint/2010/main" val="3303919214"/>
       </p:ext>
     </p:extLst>
   </p:cSld>
@@ -14384,382 +11628,465 @@
             <p:ph type="title"/>
           </p:nvPr>
         </p:nvSpPr>
+        <p:spPr/>
+        <p:txBody>
+          <a:bodyPr>
+            <a:normAutofit fontScale="90000"/>
+          </a:bodyPr>
+          <a:lstStyle/>
+          <a:p>
+            <a:r>
+              <a:rPr lang="en-US" sz="3200" dirty="0"/>
+              <a:t>A LINQ-to-Objects query example where the</a:t>
+            </a:r>
+            <a:br>
+              <a:rPr lang="en-US" sz="3200" dirty="0"/>
+            </a:br>
+            <a:r>
+              <a:rPr lang="en-US" sz="3200" dirty="0"/>
+              <a:t>data is in a generic list (with deferred execution)-1</a:t>
+            </a:r>
+          </a:p>
+        </p:txBody>
+      </p:sp>
+      <p:sp>
+        <p:nvSpPr>
+          <p:cNvPr id="3" name="Content Placeholder 2"/>
+          <p:cNvSpPr>
+            <a:spLocks noGrp="1"/>
+          </p:cNvSpPr>
+          <p:nvPr>
+            <p:ph idx="1"/>
+          </p:nvPr>
+        </p:nvSpPr>
         <p:spPr>
           <a:xfrm>
-            <a:off x="457200" y="274638"/>
-            <a:ext cx="8229600" cy="868362"/>
+            <a:off x="304800" y="1828800"/>
+            <a:ext cx="8229600" cy="4343400"/>
           </a:xfrm>
         </p:spPr>
         <p:txBody>
           <a:bodyPr>
-            <a:normAutofit/>
+            <a:noAutofit/>
           </a:bodyPr>
           <a:lstStyle/>
           <a:p>
-            <a:r>
-              <a:rPr lang="en-US" sz="3200" dirty="0"/>
-              <a:t>LINQ</a:t>
-            </a:r>
-            <a:r>
-              <a:rPr lang="en-US" sz="3600" dirty="0"/>
-              <a:t> </a:t>
-            </a:r>
-            <a:r>
-              <a:rPr lang="en-US" sz="4000" b="1" dirty="0" smtClean="0"/>
-              <a:t>providers</a:t>
-            </a:r>
-            <a:endParaRPr lang="en-US" sz="4000" b="1" dirty="0"/>
-          </a:p>
-        </p:txBody>
-      </p:sp>
-      <p:sp>
-        <p:nvSpPr>
-          <p:cNvPr id="3" name="Content Placeholder 2"/>
-          <p:cNvSpPr>
-            <a:spLocks noGrp="1"/>
-          </p:cNvSpPr>
-          <p:nvPr>
-            <p:ph idx="1"/>
-          </p:nvPr>
-        </p:nvSpPr>
-        <p:spPr>
-          <a:xfrm>
-            <a:off x="457200" y="1143000"/>
-            <a:ext cx="8229600" cy="5105400"/>
-          </a:xfrm>
-        </p:spPr>
-        <p:txBody>
-          <a:bodyPr>
-            <a:normAutofit fontScale="92500" lnSpcReduction="10000"/>
-          </a:bodyPr>
-          <a:lstStyle/>
-          <a:p>
-            <a:pPr lvl="0"/>
-            <a:r>
-              <a:rPr lang="en-US" sz="2400" dirty="0" smtClean="0"/>
-              <a:t>Providers translate </a:t>
-            </a:r>
-            <a:r>
-              <a:rPr lang="en-US" sz="2400" dirty="0"/>
-              <a:t>queries into </a:t>
-            </a:r>
-            <a:r>
-              <a:rPr lang="en-US" sz="2400" dirty="0" smtClean="0"/>
-              <a:t>whatever commands the </a:t>
-            </a:r>
-            <a:r>
-              <a:rPr lang="en-US" sz="2400" dirty="0"/>
-              <a:t>data source </a:t>
-            </a:r>
-            <a:r>
-              <a:rPr lang="en-US" sz="2400" dirty="0" smtClean="0"/>
-              <a:t>requires.</a:t>
-            </a:r>
-          </a:p>
-          <a:p>
-            <a:pPr lvl="0"/>
-            <a:endParaRPr lang="en-US" sz="1100" dirty="0"/>
-          </a:p>
-          <a:p>
-            <a:pPr lvl="0"/>
-            <a:r>
-              <a:rPr lang="en-US" sz="2400" dirty="0" smtClean="0"/>
-              <a:t>They convert </a:t>
-            </a:r>
-            <a:r>
-              <a:rPr lang="en-US" sz="2400" dirty="0"/>
-              <a:t>the data that’s returned from a data source to the objects defined by the query</a:t>
-            </a:r>
-            <a:r>
-              <a:rPr lang="en-US" sz="2400" dirty="0" smtClean="0"/>
-              <a:t>.</a:t>
-            </a:r>
-          </a:p>
-          <a:p>
-            <a:pPr marL="0" lvl="0" indent="0">
+            <a:pPr marL="347345" marR="0">
+              <a:spcBef>
+                <a:spcPts val="0"/>
+              </a:spcBef>
+              <a:spcAft>
+                <a:spcPts val="600"/>
+              </a:spcAft>
+              <a:tabLst>
+                <a:tab pos="1371600" algn="l"/>
+                <a:tab pos="2743200" algn="l"/>
+              </a:tabLst>
+            </a:pPr>
+            <a:r>
+              <a:rPr lang="en-US" sz="2000" spc="-10" dirty="0">
+                <a:solidFill>
+                  <a:srgbClr val="0000FF"/>
+                </a:solidFill>
+                <a:effectLst/>
+                <a:latin typeface="Arial"/>
+                <a:ea typeface="Times New Roman"/>
+                <a:cs typeface="Times New Roman"/>
+              </a:rPr>
+              <a:t>Q1 - statement that declares and populates a list</a:t>
+            </a:r>
+          </a:p>
+          <a:p>
+            <a:pPr marL="347345" marR="0">
+              <a:spcBef>
+                <a:spcPts val="0"/>
+              </a:spcBef>
+              <a:spcAft>
+                <a:spcPts val="600"/>
+              </a:spcAft>
+              <a:tabLst>
+                <a:tab pos="1371600" algn="l"/>
+                <a:tab pos="2743200" algn="l"/>
+              </a:tabLst>
+            </a:pPr>
+            <a:r>
+              <a:rPr lang="en-US" sz="2000" spc="-10" dirty="0">
+                <a:latin typeface="Arial"/>
+                <a:ea typeface="Times New Roman"/>
+                <a:cs typeface="Times New Roman"/>
+              </a:rPr>
+              <a:t>First get the data source. Depends on what type of data source. </a:t>
+            </a:r>
+          </a:p>
+          <a:p>
+            <a:pPr marL="747395" lvl="1">
+              <a:spcBef>
+                <a:spcPts val="0"/>
+              </a:spcBef>
+              <a:spcAft>
+                <a:spcPts val="600"/>
+              </a:spcAft>
+              <a:tabLst>
+                <a:tab pos="1371600" algn="l"/>
+                <a:tab pos="2743200" algn="l"/>
+              </a:tabLst>
+            </a:pPr>
+            <a:r>
+              <a:rPr lang="en-US" sz="1600" spc="-10" dirty="0">
+                <a:effectLst/>
+                <a:latin typeface="Arial"/>
+                <a:ea typeface="Times New Roman"/>
+                <a:cs typeface="Times New Roman"/>
+              </a:rPr>
+              <a:t>For this generic List&lt;T&gt;, declare a </a:t>
+            </a:r>
+            <a:r>
+              <a:rPr lang="en-US" sz="1600" spc="-10" dirty="0" err="1">
+                <a:effectLst/>
+                <a:latin typeface="Arial"/>
+                <a:ea typeface="Times New Roman"/>
+                <a:cs typeface="Times New Roman"/>
+              </a:rPr>
+              <a:t>var</a:t>
+            </a:r>
+            <a:r>
+              <a:rPr lang="en-US" sz="1600" spc="-10" dirty="0">
+                <a:effectLst/>
+                <a:latin typeface="Arial"/>
+                <a:ea typeface="Times New Roman"/>
+                <a:cs typeface="Times New Roman"/>
+              </a:rPr>
+              <a:t> to hold the list</a:t>
+            </a:r>
+          </a:p>
+          <a:p>
+            <a:pPr marL="747395" lvl="1">
+              <a:spcBef>
+                <a:spcPts val="0"/>
+              </a:spcBef>
+              <a:spcAft>
+                <a:spcPts val="600"/>
+              </a:spcAft>
+              <a:tabLst>
+                <a:tab pos="1371600" algn="l"/>
+                <a:tab pos="2743200" algn="l"/>
+              </a:tabLst>
+            </a:pPr>
+            <a:r>
+              <a:rPr lang="en-US" sz="1600" spc="-10" dirty="0">
+                <a:latin typeface="Arial"/>
+                <a:ea typeface="Times New Roman"/>
+                <a:cs typeface="Times New Roman"/>
+              </a:rPr>
+              <a:t>Then call some method that will return the list</a:t>
+            </a:r>
+            <a:endParaRPr lang="en-US" sz="1600" spc="-10" dirty="0">
+              <a:effectLst/>
+              <a:latin typeface="Arial"/>
+              <a:ea typeface="Times New Roman"/>
+              <a:cs typeface="Times New Roman"/>
+            </a:endParaRPr>
+          </a:p>
+          <a:p>
+            <a:pPr marL="4445" marR="0" indent="0">
+              <a:spcBef>
+                <a:spcPts val="0"/>
+              </a:spcBef>
+              <a:spcAft>
+                <a:spcPts val="600"/>
+              </a:spcAft>
               <a:buNone/>
+              <a:tabLst>
+                <a:tab pos="1371600" algn="l"/>
+              </a:tabLst>
             </a:pPr>
-            <a:endParaRPr lang="en-US" sz="1100" dirty="0"/>
-          </a:p>
-          <a:p>
-            <a:pPr lvl="0"/>
-            <a:r>
-              <a:rPr lang="en-US" sz="2400" dirty="0" smtClean="0"/>
-              <a:t>When updating, they convert object’s data back to data in the required format needed to update the original source of the data.</a:t>
-            </a:r>
-          </a:p>
-          <a:p>
-            <a:pPr lvl="0"/>
-            <a:endParaRPr lang="en-US" sz="1100" dirty="0" smtClean="0"/>
-          </a:p>
-          <a:p>
-            <a:r>
-              <a:rPr lang="en-US" sz="2400" b="1" dirty="0" smtClean="0"/>
-              <a:t>LINQ Providers provided with C#: </a:t>
-            </a:r>
-            <a:r>
-              <a:rPr lang="en-US" sz="2400" dirty="0"/>
-              <a:t>( the </a:t>
-            </a:r>
-            <a:r>
-              <a:rPr lang="en-US" sz="2400" dirty="0">
-                <a:solidFill>
-                  <a:srgbClr val="0070C0"/>
-                </a:solidFill>
+            <a:endParaRPr lang="en-US" sz="1600" b="1" dirty="0">
+              <a:solidFill>
+                <a:srgbClr val="000000"/>
+              </a:solidFill>
+              <a:effectLst/>
+              <a:latin typeface="Courier New"/>
+              <a:ea typeface="Times New Roman"/>
+              <a:cs typeface="Times New Roman"/>
+            </a:endParaRPr>
+          </a:p>
+          <a:p>
+            <a:pPr marL="4445" marR="0" indent="0">
+              <a:spcBef>
+                <a:spcPts val="0"/>
+              </a:spcBef>
+              <a:spcAft>
+                <a:spcPts val="600"/>
+              </a:spcAft>
+              <a:buNone/>
+              <a:tabLst>
+                <a:tab pos="1371600" algn="l"/>
+              </a:tabLst>
+            </a:pPr>
+            <a:r>
+              <a:rPr lang="en-US" sz="1600" b="1" dirty="0">
+                <a:solidFill>
+                  <a:srgbClr val="000000"/>
+                </a:solidFill>
+                <a:effectLst/>
+                <a:latin typeface="Courier New"/>
+                <a:ea typeface="Times New Roman"/>
+                <a:cs typeface="Times New Roman"/>
               </a:rPr>
-              <a:t>–</a:t>
-            </a:r>
-            <a:r>
-              <a:rPr lang="en-US" sz="2400" dirty="0"/>
-              <a:t>’s are mine</a:t>
-            </a:r>
-            <a:r>
-              <a:rPr lang="en-US" sz="2400" dirty="0" smtClean="0"/>
-              <a:t>)</a:t>
-            </a:r>
-            <a:endParaRPr lang="en-US" sz="2400" b="1" dirty="0" smtClean="0"/>
-          </a:p>
-          <a:p>
-            <a:pPr lvl="1"/>
-            <a:r>
-              <a:rPr lang="en-US" sz="2000" dirty="0" smtClean="0"/>
-              <a:t>LINQ</a:t>
-            </a:r>
-            <a:r>
-              <a:rPr lang="en-US" sz="2000" dirty="0">
-                <a:solidFill>
-                  <a:srgbClr val="0070C0"/>
-                </a:solidFill>
+              <a:t>List&lt;Invoice&gt; </a:t>
+            </a:r>
+            <a:r>
+              <a:rPr lang="en-US" sz="1600" b="1" dirty="0" err="1">
+                <a:solidFill>
+                  <a:srgbClr val="000000"/>
+                </a:solidFill>
+                <a:effectLst/>
+                <a:latin typeface="Courier New"/>
+                <a:ea typeface="Times New Roman"/>
+                <a:cs typeface="Times New Roman"/>
               </a:rPr>
-              <a:t> – </a:t>
-            </a:r>
-            <a:r>
-              <a:rPr lang="en-US" sz="2000" dirty="0" smtClean="0"/>
-              <a:t>to</a:t>
-            </a:r>
-            <a:r>
-              <a:rPr lang="en-US" sz="2000" dirty="0">
-                <a:solidFill>
-                  <a:srgbClr val="0070C0"/>
-                </a:solidFill>
+              <a:t>invoiceList</a:t>
+            </a:r>
+            <a:r>
+              <a:rPr lang="en-US" sz="1600" b="1" dirty="0">
+                <a:solidFill>
+                  <a:srgbClr val="000000"/>
+                </a:solidFill>
+                <a:effectLst/>
+                <a:latin typeface="Courier New"/>
+                <a:ea typeface="Times New Roman"/>
+                <a:cs typeface="Times New Roman"/>
               </a:rPr>
-              <a:t> – </a:t>
-            </a:r>
-            <a:r>
-              <a:rPr lang="en-US" sz="2000" dirty="0" smtClean="0"/>
-              <a:t>Objects </a:t>
-            </a:r>
-            <a:r>
-              <a:rPr lang="en-US" sz="2000" dirty="0" smtClean="0"/>
-              <a:t>(such as a List&lt;t&gt;)  (Collections)</a:t>
-            </a:r>
-          </a:p>
-          <a:p>
-            <a:pPr lvl="1"/>
-            <a:r>
-              <a:rPr lang="en-US" sz="2000" dirty="0" smtClean="0"/>
-              <a:t>LINQ</a:t>
-            </a:r>
-            <a:r>
-              <a:rPr lang="en-US" sz="2000" dirty="0">
-                <a:solidFill>
-                  <a:srgbClr val="0070C0"/>
-                </a:solidFill>
+              <a:t> = </a:t>
+            </a:r>
+            <a:r>
+              <a:rPr lang="en-US" sz="1600" b="1" dirty="0" err="1">
+                <a:solidFill>
+                  <a:srgbClr val="000000"/>
+                </a:solidFill>
+                <a:effectLst/>
+                <a:latin typeface="Courier New"/>
+                <a:ea typeface="Times New Roman"/>
+                <a:cs typeface="Times New Roman"/>
               </a:rPr>
-              <a:t> – </a:t>
-            </a:r>
-            <a:r>
-              <a:rPr lang="en-US" sz="2000" dirty="0" smtClean="0"/>
-              <a:t>to</a:t>
-            </a:r>
-            <a:r>
-              <a:rPr lang="en-US" sz="2000" dirty="0" smtClean="0">
-                <a:solidFill>
-                  <a:srgbClr val="0070C0"/>
-                </a:solidFill>
+              <a:t>InvoiceDB.GetInvoices</a:t>
+            </a:r>
+            <a:r>
+              <a:rPr lang="en-US" sz="1600" b="1" dirty="0">
+                <a:solidFill>
+                  <a:srgbClr val="000000"/>
+                </a:solidFill>
+                <a:effectLst/>
+                <a:latin typeface="Courier New"/>
+                <a:ea typeface="Times New Roman"/>
+                <a:cs typeface="Times New Roman"/>
               </a:rPr>
-              <a:t> </a:t>
-            </a:r>
-            <a:r>
-              <a:rPr lang="en-US" sz="2000" dirty="0">
-                <a:solidFill>
-                  <a:srgbClr val="0070C0"/>
-                </a:solidFill>
+              <a:t>();</a:t>
+            </a:r>
+          </a:p>
+          <a:p>
+            <a:pPr marL="4445" marR="0" indent="0">
+              <a:spcBef>
+                <a:spcPts val="0"/>
+              </a:spcBef>
+              <a:spcAft>
+                <a:spcPts val="600"/>
+              </a:spcAft>
+              <a:buNone/>
+              <a:tabLst>
+                <a:tab pos="1371600" algn="l"/>
+              </a:tabLst>
+            </a:pPr>
+            <a:r>
+              <a:rPr lang="en-US" sz="1600" b="1" dirty="0">
+                <a:solidFill>
+                  <a:srgbClr val="1C6E1C"/>
+                </a:solidFill>
+                <a:latin typeface="Courier New"/>
+                <a:ea typeface="Times New Roman"/>
+                <a:cs typeface="Times New Roman"/>
               </a:rPr>
-              <a:t>– </a:t>
-            </a:r>
-            <a:r>
-              <a:rPr lang="en-US" sz="2000" dirty="0" smtClean="0"/>
-              <a:t>DataSet</a:t>
-            </a:r>
-            <a:endParaRPr lang="en-US" sz="2000" dirty="0" smtClean="0"/>
-          </a:p>
-          <a:p>
-            <a:pPr lvl="1"/>
-            <a:r>
-              <a:rPr lang="en-US" sz="2000" dirty="0" smtClean="0"/>
-              <a:t>LINQ</a:t>
-            </a:r>
-            <a:r>
-              <a:rPr lang="en-US" sz="2000" dirty="0">
-                <a:solidFill>
-                  <a:srgbClr val="0070C0"/>
-                </a:solidFill>
+              <a:t>// assumes there is an </a:t>
+            </a:r>
+            <a:r>
+              <a:rPr lang="en-US" sz="1600" b="1" dirty="0" err="1">
+                <a:solidFill>
+                  <a:srgbClr val="1C6E1C"/>
+                </a:solidFill>
+                <a:latin typeface="Courier New"/>
+                <a:ea typeface="Times New Roman"/>
+                <a:cs typeface="Times New Roman"/>
               </a:rPr>
-              <a:t> – </a:t>
-            </a:r>
-            <a:r>
-              <a:rPr lang="en-US" sz="2000" dirty="0" smtClean="0"/>
-              <a:t>to</a:t>
-            </a:r>
-            <a:r>
-              <a:rPr lang="en-US" sz="2000" dirty="0">
-                <a:solidFill>
-                  <a:srgbClr val="0070C0"/>
-                </a:solidFill>
+              <a:t>InvoiceDB</a:t>
+            </a:r>
+            <a:r>
+              <a:rPr lang="en-US" sz="1600" b="1" dirty="0">
+                <a:solidFill>
+                  <a:srgbClr val="1C6E1C"/>
+                </a:solidFill>
+                <a:latin typeface="Courier New"/>
+                <a:ea typeface="Times New Roman"/>
+                <a:cs typeface="Times New Roman"/>
               </a:rPr>
-              <a:t> – </a:t>
-            </a:r>
-            <a:r>
-              <a:rPr lang="en-US" sz="2000" dirty="0" smtClean="0"/>
-              <a:t>ADO.NET</a:t>
-            </a:r>
-            <a:endParaRPr lang="en-US" sz="2000" dirty="0" smtClean="0"/>
-          </a:p>
-          <a:p>
-            <a:pPr lvl="2"/>
-            <a:r>
-              <a:rPr lang="en-US" sz="1900" dirty="0" smtClean="0"/>
-              <a:t>LINQ</a:t>
-            </a:r>
-            <a:r>
-              <a:rPr lang="en-US" sz="2000" dirty="0">
-                <a:solidFill>
-                  <a:srgbClr val="0070C0"/>
-                </a:solidFill>
+              <a:t> class with a </a:t>
+            </a:r>
+            <a:r>
+              <a:rPr lang="en-US" sz="1600" b="1" dirty="0" err="1">
+                <a:solidFill>
+                  <a:srgbClr val="1C6E1C"/>
+                </a:solidFill>
+                <a:latin typeface="Courier New"/>
+                <a:ea typeface="Times New Roman"/>
+                <a:cs typeface="Times New Roman"/>
               </a:rPr>
-              <a:t> – </a:t>
-            </a:r>
-            <a:r>
-              <a:rPr lang="en-US" sz="1900" dirty="0" smtClean="0"/>
-              <a:t>to</a:t>
-            </a:r>
-            <a:r>
-              <a:rPr lang="en-US" sz="2000" dirty="0" smtClean="0">
-                <a:solidFill>
-                  <a:srgbClr val="0070C0"/>
-                </a:solidFill>
+              <a:t>GetInvoices</a:t>
+            </a:r>
+            <a:r>
+              <a:rPr lang="en-US" sz="1600" b="1" dirty="0">
+                <a:solidFill>
+                  <a:srgbClr val="1C6E1C"/>
+                </a:solidFill>
+                <a:latin typeface="Courier New"/>
+                <a:ea typeface="Times New Roman"/>
+                <a:cs typeface="Times New Roman"/>
               </a:rPr>
-              <a:t> </a:t>
-            </a:r>
-            <a:r>
-              <a:rPr lang="en-US" sz="2000" dirty="0">
-                <a:solidFill>
-                  <a:srgbClr val="0070C0"/>
-                </a:solidFill>
+              <a:t>() method that will return a List&lt;objects of type Invoice&gt;</a:t>
+            </a:r>
+          </a:p>
+          <a:p>
+            <a:pPr marL="4445" marR="0" indent="0">
+              <a:spcBef>
+                <a:spcPts val="0"/>
+              </a:spcBef>
+              <a:spcAft>
+                <a:spcPts val="600"/>
+              </a:spcAft>
+              <a:buNone/>
+              <a:tabLst>
+                <a:tab pos="1371600" algn="l"/>
+              </a:tabLst>
+            </a:pPr>
+            <a:endParaRPr lang="en-US" sz="1600" b="1" dirty="0">
+              <a:solidFill>
+                <a:srgbClr val="1C6E1C"/>
+              </a:solidFill>
+              <a:effectLst/>
+              <a:latin typeface="Courier New"/>
+              <a:ea typeface="Times New Roman"/>
+              <a:cs typeface="Times New Roman"/>
+            </a:endParaRPr>
+          </a:p>
+          <a:p>
+            <a:pPr marL="4445" marR="0" indent="0">
+              <a:spcBef>
+                <a:spcPts val="0"/>
+              </a:spcBef>
+              <a:spcAft>
+                <a:spcPts val="600"/>
+              </a:spcAft>
+              <a:buNone/>
+              <a:tabLst>
+                <a:tab pos="1371600" algn="l"/>
+              </a:tabLst>
+            </a:pPr>
+            <a:r>
+              <a:rPr lang="en-US" sz="1600" b="1" dirty="0">
+                <a:solidFill>
+                  <a:srgbClr val="1C6E1C"/>
+                </a:solidFill>
+                <a:latin typeface="Courier New"/>
+                <a:ea typeface="Times New Roman"/>
+                <a:cs typeface="Times New Roman"/>
               </a:rPr>
-              <a:t>– </a:t>
-            </a:r>
-            <a:r>
-              <a:rPr lang="en-US" sz="1900" dirty="0" smtClean="0"/>
-              <a:t>XML</a:t>
-            </a:r>
-            <a:endParaRPr lang="en-US" sz="1900" dirty="0" smtClean="0"/>
-          </a:p>
-          <a:p>
-            <a:pPr lvl="2"/>
-            <a:r>
-              <a:rPr lang="en-US" sz="1900" dirty="0" smtClean="0"/>
-              <a:t>LINQ</a:t>
-            </a:r>
-            <a:r>
-              <a:rPr lang="en-US" sz="2000" dirty="0">
-                <a:solidFill>
-                  <a:srgbClr val="0070C0"/>
-                </a:solidFill>
-              </a:rPr>
-              <a:t> – </a:t>
-            </a:r>
-            <a:r>
-              <a:rPr lang="en-US" sz="1900" dirty="0" smtClean="0"/>
-              <a:t>to</a:t>
-            </a:r>
-            <a:r>
-              <a:rPr lang="en-US" sz="2000" dirty="0" smtClean="0">
-                <a:solidFill>
-                  <a:srgbClr val="0070C0"/>
-                </a:solidFill>
-              </a:rPr>
-              <a:t> </a:t>
-            </a:r>
-            <a:r>
-              <a:rPr lang="en-US" sz="2000" dirty="0">
-                <a:solidFill>
-                  <a:srgbClr val="0070C0"/>
-                </a:solidFill>
-              </a:rPr>
-              <a:t>– </a:t>
-            </a:r>
-            <a:r>
-              <a:rPr lang="en-US" sz="1900" dirty="0" smtClean="0"/>
-              <a:t>SQL  </a:t>
-            </a:r>
-            <a:r>
-              <a:rPr lang="en-US" sz="1900" dirty="0" smtClean="0"/>
-              <a:t>(SQL Server)  (Chapter 17)</a:t>
-            </a:r>
-          </a:p>
-          <a:p>
-            <a:pPr lvl="2"/>
-            <a:r>
-              <a:rPr lang="en-US" sz="1900" dirty="0" smtClean="0"/>
-              <a:t>LINQ</a:t>
-            </a:r>
-            <a:r>
-              <a:rPr lang="en-US" sz="2000" dirty="0">
-                <a:solidFill>
-                  <a:srgbClr val="0070C0"/>
-                </a:solidFill>
-              </a:rPr>
-              <a:t> – </a:t>
-            </a:r>
-            <a:r>
-              <a:rPr lang="en-US" sz="1900" dirty="0" smtClean="0"/>
-              <a:t>to</a:t>
-            </a:r>
-            <a:r>
-              <a:rPr lang="en-US" sz="2000" dirty="0">
-                <a:solidFill>
-                  <a:srgbClr val="0070C0"/>
-                </a:solidFill>
-              </a:rPr>
-              <a:t> – </a:t>
-            </a:r>
-            <a:r>
-              <a:rPr lang="en-US" sz="1900" dirty="0" smtClean="0"/>
-              <a:t>Entities </a:t>
-            </a:r>
-            <a:r>
-              <a:rPr lang="en-US" sz="1900" dirty="0" smtClean="0"/>
-              <a:t>(any relational database)  (Chapter 18)</a:t>
-            </a:r>
-          </a:p>
-          <a:p>
-            <a:pPr lvl="1"/>
-            <a:endParaRPr lang="en-US" sz="2000" dirty="0"/>
-          </a:p>
-          <a:p>
-            <a:pPr marL="0" indent="0">
+              <a:t>// so now we “have” the data</a:t>
+            </a:r>
+            <a:endParaRPr lang="en-US" sz="1600" b="1" dirty="0">
+              <a:solidFill>
+                <a:srgbClr val="1C6E1C"/>
+              </a:solidFill>
+              <a:effectLst/>
+              <a:latin typeface="Courier New"/>
+              <a:ea typeface="Times New Roman"/>
+              <a:cs typeface="Times New Roman"/>
+            </a:endParaRPr>
+          </a:p>
+          <a:p>
+            <a:pPr marL="4445" marR="0" indent="0">
+              <a:spcBef>
+                <a:spcPts val="0"/>
+              </a:spcBef>
+              <a:spcAft>
+                <a:spcPts val="600"/>
+              </a:spcAft>
               <a:buNone/>
+              <a:tabLst>
+                <a:tab pos="1371600" algn="l"/>
+              </a:tabLst>
             </a:pPr>
-            <a:endParaRPr lang="en-US" sz="2400" dirty="0"/>
+            <a:endParaRPr lang="en-US" sz="1600" dirty="0">
+              <a:solidFill>
+                <a:srgbClr val="000000"/>
+              </a:solidFill>
+              <a:latin typeface="Courier New"/>
+              <a:ea typeface="Times New Roman"/>
+              <a:cs typeface="Times New Roman"/>
+            </a:endParaRPr>
+          </a:p>
+          <a:p>
+            <a:pPr marL="4445" indent="0">
+              <a:spcBef>
+                <a:spcPts val="0"/>
+              </a:spcBef>
+              <a:spcAft>
+                <a:spcPts val="600"/>
+              </a:spcAft>
+              <a:buNone/>
+              <a:tabLst>
+                <a:tab pos="1371600" algn="l"/>
+              </a:tabLst>
+            </a:pPr>
+            <a:endParaRPr lang="en-US" sz="1600" dirty="0">
+              <a:solidFill>
+                <a:srgbClr val="000000"/>
+              </a:solidFill>
+              <a:effectLst/>
+              <a:latin typeface="Courier New"/>
+              <a:ea typeface="Times New Roman"/>
+              <a:cs typeface="Times New Roman"/>
+            </a:endParaRPr>
+          </a:p>
+          <a:p>
+            <a:pPr marL="4445" marR="0" indent="0">
+              <a:spcBef>
+                <a:spcPts val="0"/>
+              </a:spcBef>
+              <a:spcAft>
+                <a:spcPts val="600"/>
+              </a:spcAft>
+              <a:buNone/>
+              <a:tabLst>
+                <a:tab pos="1371600" algn="l"/>
+              </a:tabLst>
+            </a:pPr>
+            <a:endParaRPr lang="en-US" sz="300" dirty="0">
+              <a:solidFill>
+                <a:srgbClr val="000000"/>
+              </a:solidFill>
+              <a:effectLst/>
+              <a:latin typeface="Courier New"/>
+              <a:ea typeface="Times New Roman"/>
+              <a:cs typeface="Times New Roman"/>
+            </a:endParaRPr>
+          </a:p>
+          <a:p>
+            <a:endParaRPr lang="en-US" sz="1600" dirty="0"/>
           </a:p>
         </p:txBody>
       </p:sp>
     </p:spTree>
     <p:extLst>
       <p:ext uri="{BB962C8B-B14F-4D97-AF65-F5344CB8AC3E}">
-        <p14:creationId xmlns:p14="http://schemas.microsoft.com/office/powerpoint/2010/main" val="1581772857"/>
+        <p14:creationId xmlns:p14="http://schemas.microsoft.com/office/powerpoint/2010/main" val="2228889091"/>
       </p:ext>
     </p:extLst>
   </p:cSld>
@@ -14799,20 +12126,26 @@
         <p:spPr>
           <a:xfrm>
             <a:off x="457200" y="274638"/>
-            <a:ext cx="8229600" cy="715962"/>
+            <a:ext cx="8229600" cy="944562"/>
           </a:xfrm>
         </p:spPr>
         <p:txBody>
           <a:bodyPr>
-            <a:normAutofit/>
+            <a:normAutofit fontScale="90000"/>
           </a:bodyPr>
           <a:lstStyle/>
           <a:p>
             <a:r>
-              <a:rPr lang="en-US" sz="3600" dirty="0" smtClean="0"/>
-              <a:t>LINQ is implemented …</a:t>
-            </a:r>
-            <a:endParaRPr lang="en-US" sz="3600" dirty="0"/>
+              <a:rPr lang="en-US" sz="3200" dirty="0"/>
+              <a:t>A LINQ-to-Objects query example where the</a:t>
+            </a:r>
+            <a:br>
+              <a:rPr lang="en-US" sz="3200" dirty="0"/>
+            </a:br>
+            <a:r>
+              <a:rPr lang="en-US" sz="3200" dirty="0"/>
+              <a:t>data is in a generic list (with deferred execution)-2</a:t>
+            </a:r>
           </a:p>
         </p:txBody>
       </p:sp>
@@ -14828,212 +12161,800 @@
         </p:nvSpPr>
         <p:spPr>
           <a:xfrm>
-            <a:off x="457200" y="1066800"/>
-            <a:ext cx="8229600" cy="5059363"/>
+            <a:off x="228600" y="1600200"/>
+            <a:ext cx="8229600" cy="4953000"/>
           </a:xfrm>
         </p:spPr>
         <p:txBody>
           <a:bodyPr>
-            <a:normAutofit fontScale="85000" lnSpcReduction="10000"/>
+            <a:noAutofit/>
           </a:bodyPr>
           <a:lstStyle/>
           <a:p>
-            <a:r>
-              <a:rPr lang="en-US" sz="2400" dirty="0" smtClean="0">
-                <a:solidFill>
-                  <a:schemeClr val="tx1">
-                    <a:lumMod val="65000"/>
-                    <a:lumOff val="35000"/>
+            <a:pPr marL="347345" marR="0">
+              <a:spcBef>
+                <a:spcPts val="0"/>
+              </a:spcBef>
+              <a:spcAft>
+                <a:spcPts val="600"/>
+              </a:spcAft>
+              <a:tabLst>
+                <a:tab pos="1371600" algn="l"/>
+                <a:tab pos="2743200" algn="l"/>
+              </a:tabLst>
+            </a:pPr>
+            <a:r>
+              <a:rPr lang="en-US" sz="2000" spc="-10" dirty="0">
+                <a:solidFill>
+                  <a:srgbClr val="0000FF"/>
+                </a:solidFill>
+                <a:effectLst/>
+                <a:latin typeface="Arial"/>
+                <a:ea typeface="Times New Roman"/>
+                <a:cs typeface="Times New Roman"/>
+              </a:rPr>
+              <a:t>Q2 - statement that defines the query expression</a:t>
+            </a:r>
+          </a:p>
+          <a:p>
+            <a:pPr marL="347345" marR="0">
+              <a:spcBef>
+                <a:spcPts val="0"/>
+              </a:spcBef>
+              <a:spcAft>
+                <a:spcPts val="600"/>
+              </a:spcAft>
+              <a:tabLst>
+                <a:tab pos="1371600" algn="l"/>
+                <a:tab pos="2743200" algn="l"/>
+              </a:tabLst>
+            </a:pPr>
+            <a:r>
+              <a:rPr lang="en-US" sz="2000" spc="-10" dirty="0">
+                <a:effectLst/>
+                <a:latin typeface="Arial"/>
+                <a:ea typeface="Times New Roman"/>
+                <a:cs typeface="Times New Roman"/>
+              </a:rPr>
+              <a:t>Define the query expression</a:t>
+            </a:r>
+          </a:p>
+          <a:p>
+            <a:pPr marL="747395" lvl="1">
+              <a:spcBef>
+                <a:spcPts val="0"/>
+              </a:spcBef>
+              <a:spcAft>
+                <a:spcPts val="600"/>
+              </a:spcAft>
+              <a:tabLst>
+                <a:tab pos="1371600" algn="l"/>
+                <a:tab pos="2743200" algn="l"/>
+              </a:tabLst>
+            </a:pPr>
+            <a:r>
+              <a:rPr lang="en-US" sz="1600" spc="-10" dirty="0">
+                <a:latin typeface="Arial"/>
+                <a:ea typeface="Times New Roman"/>
+                <a:cs typeface="Times New Roman"/>
+              </a:rPr>
+              <a:t>Identify the data source  </a:t>
+            </a:r>
+            <a:r>
+              <a:rPr lang="en-US" sz="1600" b="1" spc="-10" dirty="0">
+                <a:solidFill>
+                  <a:srgbClr val="C00000"/>
+                </a:solidFill>
+                <a:latin typeface="Arial"/>
+                <a:ea typeface="Times New Roman"/>
+                <a:cs typeface="Times New Roman"/>
+              </a:rPr>
+              <a:t>from</a:t>
+            </a:r>
+            <a:r>
+              <a:rPr lang="en-US" sz="1600" spc="-10" dirty="0">
+                <a:latin typeface="Arial"/>
+                <a:ea typeface="Times New Roman"/>
+                <a:cs typeface="Times New Roman"/>
+              </a:rPr>
+              <a:t> (</a:t>
+            </a:r>
+            <a:r>
+              <a:rPr lang="en-US" sz="1600" spc="-10" dirty="0" err="1">
+                <a:latin typeface="Arial"/>
+                <a:ea typeface="Times New Roman"/>
+                <a:cs typeface="Times New Roman"/>
+              </a:rPr>
+              <a:t>invoiceList</a:t>
+            </a:r>
+            <a:r>
+              <a:rPr lang="en-US" sz="1600" spc="-10" dirty="0">
+                <a:latin typeface="Arial"/>
+                <a:ea typeface="Times New Roman"/>
+                <a:cs typeface="Times New Roman"/>
+              </a:rPr>
+              <a:t>)</a:t>
+            </a:r>
+          </a:p>
+          <a:p>
+            <a:pPr marL="747395" lvl="1">
+              <a:spcBef>
+                <a:spcPts val="0"/>
+              </a:spcBef>
+              <a:spcAft>
+                <a:spcPts val="600"/>
+              </a:spcAft>
+              <a:tabLst>
+                <a:tab pos="1371600" algn="l"/>
+                <a:tab pos="2743200" algn="l"/>
+              </a:tabLst>
+            </a:pPr>
+            <a:r>
+              <a:rPr lang="en-US" sz="1600" spc="-10" dirty="0">
+                <a:effectLst/>
+                <a:latin typeface="Arial"/>
+                <a:ea typeface="Times New Roman"/>
+                <a:cs typeface="Times New Roman"/>
+              </a:rPr>
+              <a:t>And specify what data is too be retrieved from it (invoice objects, </a:t>
+            </a:r>
+            <a:r>
+              <a:rPr lang="en-US" sz="1600" b="1" spc="-10" dirty="0">
+                <a:solidFill>
+                  <a:srgbClr val="C00000"/>
+                </a:solidFill>
+                <a:effectLst/>
+                <a:latin typeface="Arial"/>
+                <a:ea typeface="Times New Roman"/>
+                <a:cs typeface="Times New Roman"/>
+              </a:rPr>
+              <a:t>where</a:t>
+            </a:r>
+            <a:r>
+              <a:rPr lang="en-US" sz="1600" spc="-10" dirty="0">
+                <a:effectLst/>
+                <a:latin typeface="Arial"/>
+                <a:ea typeface="Times New Roman"/>
+                <a:cs typeface="Times New Roman"/>
+              </a:rPr>
+              <a:t> their total is &gt; 20000)</a:t>
+            </a:r>
+          </a:p>
+          <a:p>
+            <a:pPr marL="747395" lvl="1">
+              <a:spcBef>
+                <a:spcPts val="0"/>
+              </a:spcBef>
+              <a:spcAft>
+                <a:spcPts val="600"/>
+              </a:spcAft>
+              <a:tabLst>
+                <a:tab pos="1371600" algn="l"/>
+                <a:tab pos="2743200" algn="l"/>
+              </a:tabLst>
+            </a:pPr>
+            <a:r>
+              <a:rPr lang="en-US" sz="1600" spc="-10" dirty="0">
+                <a:latin typeface="Arial"/>
+                <a:ea typeface="Times New Roman"/>
+                <a:cs typeface="Times New Roman"/>
+              </a:rPr>
+              <a:t>Specify an </a:t>
+            </a:r>
+            <a:r>
+              <a:rPr lang="en-US" sz="1600" b="1" spc="-10" dirty="0" err="1">
+                <a:solidFill>
+                  <a:srgbClr val="C00000"/>
+                </a:solidFill>
+                <a:latin typeface="Arial"/>
+                <a:ea typeface="Times New Roman"/>
+                <a:cs typeface="Times New Roman"/>
+              </a:rPr>
+              <a:t>orderby</a:t>
+            </a:r>
+            <a:endParaRPr lang="en-US" sz="1600" b="1" spc="-10" dirty="0">
+              <a:solidFill>
+                <a:srgbClr val="C00000"/>
+              </a:solidFill>
+              <a:effectLst/>
+              <a:latin typeface="Arial"/>
+              <a:ea typeface="Times New Roman"/>
+              <a:cs typeface="Times New Roman"/>
+            </a:endParaRPr>
+          </a:p>
+          <a:p>
+            <a:pPr marL="4445" marR="0" indent="0">
+              <a:spcBef>
+                <a:spcPts val="0"/>
+              </a:spcBef>
+              <a:spcAft>
+                <a:spcPts val="0"/>
+              </a:spcAft>
+              <a:buNone/>
+              <a:tabLst>
+                <a:tab pos="1371600" algn="l"/>
+              </a:tabLst>
+            </a:pPr>
+            <a:r>
+              <a:rPr lang="en-US" sz="1600" b="1" dirty="0" err="1">
+                <a:solidFill>
+                  <a:srgbClr val="000000"/>
+                </a:solidFill>
+                <a:effectLst/>
+                <a:latin typeface="Courier New"/>
+                <a:ea typeface="Times New Roman"/>
+                <a:cs typeface="Times New Roman"/>
+              </a:rPr>
+              <a:t>var</a:t>
+            </a:r>
+            <a:r>
+              <a:rPr lang="en-US" sz="1600" b="1" dirty="0">
+                <a:solidFill>
+                  <a:srgbClr val="000000"/>
+                </a:solidFill>
+                <a:effectLst/>
+                <a:latin typeface="Courier New"/>
+                <a:ea typeface="Times New Roman"/>
+                <a:cs typeface="Times New Roman"/>
+              </a:rPr>
+              <a:t> </a:t>
+            </a:r>
+            <a:r>
+              <a:rPr lang="en-US" sz="1600" b="1" dirty="0">
+                <a:solidFill>
+                  <a:schemeClr val="accent6">
+                    <a:lumMod val="50000"/>
                   </a:schemeClr>
                 </a:solidFill>
+                <a:effectLst/>
+                <a:latin typeface="Courier New"/>
+                <a:ea typeface="Times New Roman"/>
+                <a:cs typeface="Times New Roman"/>
               </a:rPr>
-              <a:t>As a series of </a:t>
-            </a:r>
-            <a:r>
-              <a:rPr lang="en-US" sz="2400" i="1" dirty="0" smtClean="0">
-                <a:solidFill>
-                  <a:schemeClr val="tx1">
-                    <a:lumMod val="65000"/>
-                    <a:lumOff val="35000"/>
+              <a:t>invoices</a:t>
+            </a:r>
+            <a:r>
+              <a:rPr lang="en-US" sz="1600" b="1" dirty="0">
+                <a:solidFill>
+                  <a:srgbClr val="000000"/>
+                </a:solidFill>
+                <a:effectLst/>
+                <a:latin typeface="Courier New"/>
+                <a:ea typeface="Times New Roman"/>
+                <a:cs typeface="Times New Roman"/>
+              </a:rPr>
+              <a:t> = from invoice in </a:t>
+            </a:r>
+            <a:r>
+              <a:rPr lang="en-US" sz="1600" b="1" dirty="0" err="1">
+                <a:solidFill>
+                  <a:srgbClr val="000000"/>
+                </a:solidFill>
+                <a:effectLst/>
+                <a:latin typeface="Courier New"/>
+                <a:ea typeface="Times New Roman"/>
+                <a:cs typeface="Times New Roman"/>
+              </a:rPr>
+              <a:t>invoiceList</a:t>
+            </a:r>
+            <a:endParaRPr lang="en-US" sz="1600" b="1" dirty="0">
+              <a:effectLst/>
+              <a:latin typeface="Courier New"/>
+              <a:ea typeface="Times New Roman"/>
+              <a:cs typeface="Times New Roman"/>
+            </a:endParaRPr>
+          </a:p>
+          <a:p>
+            <a:pPr marL="4445" marR="0" indent="0">
+              <a:spcBef>
+                <a:spcPts val="0"/>
+              </a:spcBef>
+              <a:spcAft>
+                <a:spcPts val="0"/>
+              </a:spcAft>
+              <a:buNone/>
+              <a:tabLst>
+                <a:tab pos="1371600" algn="l"/>
+              </a:tabLst>
+            </a:pPr>
+            <a:r>
+              <a:rPr lang="en-US" sz="1600" b="1" dirty="0">
+                <a:solidFill>
+                  <a:srgbClr val="000000"/>
+                </a:solidFill>
+                <a:effectLst/>
+                <a:latin typeface="Courier New"/>
+                <a:ea typeface="Times New Roman"/>
+                <a:cs typeface="Times New Roman"/>
+              </a:rPr>
+              <a:t>               where </a:t>
+            </a:r>
+            <a:r>
+              <a:rPr lang="en-US" sz="1600" b="1" dirty="0" err="1">
+                <a:solidFill>
+                  <a:srgbClr val="000000"/>
+                </a:solidFill>
+                <a:effectLst/>
+                <a:latin typeface="Courier New"/>
+                <a:ea typeface="Times New Roman"/>
+                <a:cs typeface="Times New Roman"/>
+              </a:rPr>
+              <a:t>invoice.InvoiceTotal</a:t>
+            </a:r>
+            <a:r>
+              <a:rPr lang="en-US" sz="1600" b="1" dirty="0">
+                <a:solidFill>
+                  <a:srgbClr val="000000"/>
+                </a:solidFill>
+                <a:effectLst/>
+                <a:latin typeface="Courier New"/>
+                <a:ea typeface="Times New Roman"/>
+                <a:cs typeface="Times New Roman"/>
+              </a:rPr>
+              <a:t> &gt; 20000</a:t>
+            </a:r>
+            <a:endParaRPr lang="en-US" sz="1600" b="1" dirty="0">
+              <a:effectLst/>
+              <a:latin typeface="Courier New"/>
+              <a:ea typeface="Times New Roman"/>
+              <a:cs typeface="Times New Roman"/>
+            </a:endParaRPr>
+          </a:p>
+          <a:p>
+            <a:pPr marL="4445" marR="0" indent="0">
+              <a:spcBef>
+                <a:spcPts val="0"/>
+              </a:spcBef>
+              <a:spcAft>
+                <a:spcPts val="0"/>
+              </a:spcAft>
+              <a:buNone/>
+              <a:tabLst>
+                <a:tab pos="1371600" algn="l"/>
+              </a:tabLst>
+            </a:pPr>
+            <a:r>
+              <a:rPr lang="en-US" sz="1600" b="1" dirty="0">
+                <a:solidFill>
+                  <a:srgbClr val="000000"/>
+                </a:solidFill>
+                <a:effectLst/>
+                <a:latin typeface="Courier New"/>
+                <a:ea typeface="Times New Roman"/>
+                <a:cs typeface="Times New Roman"/>
+              </a:rPr>
+              <a:t>               </a:t>
+            </a:r>
+            <a:r>
+              <a:rPr lang="en-US" sz="1600" b="1" dirty="0" err="1">
+                <a:solidFill>
+                  <a:srgbClr val="000000"/>
+                </a:solidFill>
+                <a:effectLst/>
+                <a:latin typeface="Courier New"/>
+                <a:ea typeface="Times New Roman"/>
+                <a:cs typeface="Times New Roman"/>
+              </a:rPr>
+              <a:t>orderby</a:t>
+            </a:r>
+            <a:r>
+              <a:rPr lang="en-US" sz="1600" b="1" dirty="0">
+                <a:solidFill>
+                  <a:srgbClr val="000000"/>
+                </a:solidFill>
+                <a:effectLst/>
+                <a:latin typeface="Courier New"/>
+                <a:ea typeface="Times New Roman"/>
+                <a:cs typeface="Times New Roman"/>
+              </a:rPr>
+              <a:t> </a:t>
+            </a:r>
+            <a:r>
+              <a:rPr lang="en-US" sz="1600" b="1" dirty="0" err="1">
+                <a:solidFill>
+                  <a:srgbClr val="000000"/>
+                </a:solidFill>
+                <a:effectLst/>
+                <a:latin typeface="Courier New"/>
+                <a:ea typeface="Times New Roman"/>
+                <a:cs typeface="Times New Roman"/>
+              </a:rPr>
+              <a:t>invoice.InvoiceTotal</a:t>
+            </a:r>
+            <a:r>
+              <a:rPr lang="en-US" sz="1600" b="1" dirty="0">
+                <a:solidFill>
+                  <a:srgbClr val="000000"/>
+                </a:solidFill>
+                <a:effectLst/>
+                <a:latin typeface="Courier New"/>
+                <a:ea typeface="Times New Roman"/>
+                <a:cs typeface="Times New Roman"/>
+              </a:rPr>
+              <a:t> descending</a:t>
+            </a:r>
+          </a:p>
+          <a:p>
+            <a:pPr marL="4445" marR="0" indent="0">
+              <a:spcBef>
+                <a:spcPts val="0"/>
+              </a:spcBef>
+              <a:spcAft>
+                <a:spcPts val="0"/>
+              </a:spcAft>
+              <a:buNone/>
+              <a:tabLst>
+                <a:tab pos="1371600" algn="l"/>
+              </a:tabLst>
+            </a:pPr>
+            <a:endParaRPr lang="en-US" sz="1600" b="1" dirty="0">
+              <a:solidFill>
+                <a:srgbClr val="000000"/>
+              </a:solidFill>
+              <a:latin typeface="Courier New"/>
+              <a:ea typeface="Times New Roman"/>
+              <a:cs typeface="Times New Roman"/>
+            </a:endParaRPr>
+          </a:p>
+          <a:p>
+            <a:pPr marL="347345">
+              <a:spcBef>
+                <a:spcPts val="0"/>
+              </a:spcBef>
+              <a:tabLst>
+                <a:tab pos="1371600" algn="l"/>
+              </a:tabLst>
+            </a:pPr>
+            <a:r>
+              <a:rPr lang="en-US" sz="2000" spc="-10" dirty="0">
+                <a:solidFill>
+                  <a:prstClr val="black"/>
+                </a:solidFill>
+                <a:latin typeface="Arial"/>
+                <a:ea typeface="Times New Roman"/>
+                <a:cs typeface="Times New Roman"/>
+              </a:rPr>
+              <a:t>The query expression is stored in a </a:t>
+            </a:r>
+            <a:r>
+              <a:rPr lang="en-US" sz="2000" i="1" spc="-10" dirty="0">
+                <a:solidFill>
+                  <a:prstClr val="black"/>
+                </a:solidFill>
+                <a:latin typeface="Arial"/>
+                <a:ea typeface="Times New Roman"/>
+                <a:cs typeface="Times New Roman"/>
+              </a:rPr>
+              <a:t>query variable </a:t>
+            </a:r>
+            <a:r>
+              <a:rPr lang="en-US" sz="2000" spc="-10" dirty="0">
+                <a:solidFill>
+                  <a:prstClr val="black"/>
+                </a:solidFill>
+                <a:latin typeface="Arial"/>
+                <a:ea typeface="Times New Roman"/>
+                <a:cs typeface="Times New Roman"/>
+              </a:rPr>
+              <a:t>(invoices)</a:t>
+            </a:r>
+          </a:p>
+          <a:p>
+            <a:pPr marL="747395" lvl="1">
+              <a:spcBef>
+                <a:spcPts val="0"/>
+              </a:spcBef>
+              <a:tabLst>
+                <a:tab pos="1371600" algn="l"/>
+              </a:tabLst>
+            </a:pPr>
+            <a:r>
+              <a:rPr lang="en-US" sz="1400" spc="-10" dirty="0">
+                <a:solidFill>
+                  <a:prstClr val="black"/>
+                </a:solidFill>
+                <a:effectLst/>
+                <a:latin typeface="Arial"/>
+                <a:ea typeface="Times New Roman"/>
+                <a:cs typeface="Times New Roman"/>
+              </a:rPr>
+              <a:t>Must be this way as the query is not executed here, it is just defined (</a:t>
+            </a:r>
+            <a:r>
+              <a:rPr lang="en-US" sz="1400" i="1" spc="-10" dirty="0">
+                <a:solidFill>
+                  <a:srgbClr val="0070C0"/>
+                </a:solidFill>
+                <a:effectLst/>
+                <a:latin typeface="Arial"/>
+                <a:ea typeface="Times New Roman"/>
+                <a:cs typeface="Times New Roman"/>
+              </a:rPr>
+              <a:t>deferred ex</a:t>
+            </a:r>
+            <a:r>
+              <a:rPr lang="en-US" sz="1400" spc="-10" dirty="0">
+                <a:solidFill>
+                  <a:prstClr val="black"/>
+                </a:solidFill>
+                <a:effectLst/>
+                <a:latin typeface="Arial"/>
+                <a:ea typeface="Times New Roman"/>
+                <a:cs typeface="Times New Roman"/>
+              </a:rPr>
+              <a:t>)</a:t>
+            </a:r>
+          </a:p>
+          <a:p>
+            <a:pPr marL="747395" lvl="1">
+              <a:spcBef>
+                <a:spcPts val="0"/>
+              </a:spcBef>
+              <a:tabLst>
+                <a:tab pos="1371600" algn="l"/>
+              </a:tabLst>
+            </a:pPr>
+            <a:r>
+              <a:rPr lang="en-US" sz="1400" spc="-10" dirty="0">
+                <a:solidFill>
+                  <a:prstClr val="black"/>
+                </a:solidFill>
+                <a:latin typeface="Arial"/>
+                <a:ea typeface="Times New Roman"/>
+                <a:cs typeface="Times New Roman"/>
+              </a:rPr>
+              <a:t>This query variable, </a:t>
+            </a:r>
+            <a:r>
+              <a:rPr lang="en-US" sz="1400" b="1" dirty="0">
+                <a:solidFill>
+                  <a:schemeClr val="accent6">
+                    <a:lumMod val="50000"/>
                   </a:schemeClr>
                 </a:solidFill>
+                <a:effectLst/>
+                <a:latin typeface="Courier New"/>
+                <a:ea typeface="Times New Roman"/>
+                <a:cs typeface="Times New Roman"/>
               </a:rPr>
-              <a:t>extension methods </a:t>
-            </a:r>
-            <a:r>
-              <a:rPr lang="en-US" sz="2400" dirty="0" smtClean="0">
-                <a:solidFill>
-                  <a:schemeClr val="tx1">
-                    <a:lumMod val="65000"/>
-                    <a:lumOff val="35000"/>
+              <a:t>invoices,</a:t>
+            </a:r>
+            <a:r>
+              <a:rPr lang="en-US" sz="1400" spc="-10" dirty="0">
+                <a:solidFill>
+                  <a:prstClr val="black"/>
+                </a:solidFill>
+                <a:latin typeface="Arial"/>
+                <a:ea typeface="Times New Roman"/>
+                <a:cs typeface="Times New Roman"/>
+              </a:rPr>
+              <a:t> is not given a pre-defined type,  it gets its type set based on the type of elements returned from the right side of the statement.</a:t>
+            </a:r>
+          </a:p>
+          <a:p>
+            <a:pPr marL="747395" lvl="1">
+              <a:spcBef>
+                <a:spcPts val="0"/>
+              </a:spcBef>
+              <a:tabLst>
+                <a:tab pos="1371600" algn="l"/>
+              </a:tabLst>
+            </a:pPr>
+            <a:r>
+              <a:rPr lang="en-US" sz="1400" spc="-10" dirty="0">
+                <a:solidFill>
+                  <a:prstClr val="black"/>
+                </a:solidFill>
+                <a:effectLst/>
+                <a:latin typeface="Arial"/>
+                <a:ea typeface="Times New Roman"/>
+                <a:cs typeface="Times New Roman"/>
+              </a:rPr>
+              <a:t>In this case, </a:t>
+            </a:r>
+            <a:r>
+              <a:rPr lang="en-US" sz="1400" b="1" dirty="0">
+                <a:solidFill>
+                  <a:schemeClr val="accent6">
+                    <a:lumMod val="50000"/>
                   </a:schemeClr>
                 </a:solidFill>
+                <a:effectLst/>
+                <a:latin typeface="Courier New"/>
+                <a:ea typeface="Times New Roman"/>
+                <a:cs typeface="Times New Roman"/>
               </a:rPr>
-              <a:t>that are defined by the </a:t>
-            </a:r>
-            <a:r>
-              <a:rPr lang="en-US" sz="2400" b="1" dirty="0" smtClean="0">
-                <a:solidFill>
-                  <a:schemeClr val="tx1">
-                    <a:lumMod val="65000"/>
-                    <a:lumOff val="35000"/>
-                  </a:schemeClr>
-                </a:solidFill>
+              <a:t>invoices</a:t>
+            </a:r>
+            <a:r>
+              <a:rPr lang="en-US" sz="1400" b="1" dirty="0">
+                <a:solidFill>
+                  <a:srgbClr val="000000"/>
+                </a:solidFill>
+                <a:effectLst/>
+                <a:latin typeface="Courier New"/>
+                <a:ea typeface="Times New Roman"/>
+                <a:cs typeface="Times New Roman"/>
               </a:rPr>
-              <a:t>Enumerable</a:t>
-            </a:r>
-            <a:r>
-              <a:rPr lang="en-US" sz="2400" dirty="0" smtClean="0">
-                <a:solidFill>
-                  <a:schemeClr val="tx1">
-                    <a:lumMod val="65000"/>
-                    <a:lumOff val="35000"/>
-                  </a:schemeClr>
-                </a:solidFill>
+              <a:t> </a:t>
+            </a:r>
+            <a:r>
+              <a:rPr lang="en-US" sz="1400" spc="-10" dirty="0">
+                <a:solidFill>
+                  <a:prstClr val="black"/>
+                </a:solidFill>
+                <a:effectLst/>
+                <a:latin typeface="Arial"/>
+                <a:ea typeface="Times New Roman"/>
+                <a:cs typeface="Times New Roman"/>
               </a:rPr>
-              <a:t> and </a:t>
-            </a:r>
-            <a:r>
-              <a:rPr lang="en-US" sz="2400" b="1" dirty="0" err="1" smtClean="0">
-                <a:solidFill>
-                  <a:schemeClr val="tx1">
-                    <a:lumMod val="65000"/>
-                    <a:lumOff val="35000"/>
-                  </a:schemeClr>
-                </a:solidFill>
+              <a:t>is given the type </a:t>
+            </a:r>
+            <a:r>
+              <a:rPr lang="en-US" sz="1400" spc="-10" dirty="0" err="1">
+                <a:solidFill>
+                  <a:prstClr val="black"/>
+                </a:solidFill>
+                <a:effectLst/>
+                <a:latin typeface="Arial"/>
+                <a:ea typeface="Times New Roman"/>
+                <a:cs typeface="Times New Roman"/>
               </a:rPr>
-              <a:t>Queryable</a:t>
-            </a:r>
-            <a:r>
-              <a:rPr lang="en-US" sz="2400" dirty="0" smtClean="0">
-                <a:solidFill>
-                  <a:schemeClr val="tx1">
-                    <a:lumMod val="65000"/>
-                    <a:lumOff val="35000"/>
-                  </a:schemeClr>
-                </a:solidFill>
+              <a:t>IEnumerable</a:t>
+            </a:r>
+            <a:r>
+              <a:rPr lang="en-US" sz="1400" spc="-10" dirty="0">
+                <a:solidFill>
+                  <a:prstClr val="black"/>
+                </a:solidFill>
+                <a:latin typeface="Arial"/>
+                <a:ea typeface="Times New Roman"/>
+                <a:cs typeface="Times New Roman"/>
               </a:rPr>
-              <a:t> classes and these particular methods are called </a:t>
-            </a:r>
-            <a:r>
-              <a:rPr lang="en-US" sz="2400" i="1" dirty="0" smtClean="0">
-                <a:solidFill>
-                  <a:schemeClr val="tx1">
-                    <a:lumMod val="65000"/>
-                    <a:lumOff val="35000"/>
-                  </a:schemeClr>
-                </a:solidFill>
+              <a:t>&lt;Invoice&gt; </a:t>
+            </a:r>
+          </a:p>
+          <a:p>
+            <a:pPr marL="747395" lvl="1">
+              <a:spcBef>
+                <a:spcPts val="0"/>
+              </a:spcBef>
+              <a:tabLst>
+                <a:tab pos="1371600" algn="l"/>
+              </a:tabLst>
+            </a:pPr>
+            <a:r>
+              <a:rPr lang="en-US" sz="1400" spc="-10" dirty="0">
+                <a:solidFill>
+                  <a:prstClr val="black"/>
+                </a:solidFill>
+                <a:latin typeface="Arial"/>
+                <a:ea typeface="Times New Roman"/>
+                <a:cs typeface="Times New Roman"/>
               </a:rPr>
-              <a:t>query operators</a:t>
-            </a:r>
-            <a:r>
-              <a:rPr lang="en-US" sz="2400" dirty="0" smtClean="0">
-                <a:solidFill>
-                  <a:schemeClr val="tx1">
-                    <a:lumMod val="65000"/>
-                    <a:lumOff val="35000"/>
-                  </a:schemeClr>
-                </a:solidFill>
+              <a:t>For this to work, the data source must be an enumerable type, meaning, it implements the </a:t>
+            </a:r>
+            <a:r>
+              <a:rPr lang="en-US" sz="1400" spc="-10" dirty="0" err="1">
+                <a:solidFill>
+                  <a:prstClr val="black"/>
+                </a:solidFill>
+                <a:latin typeface="Arial"/>
+                <a:ea typeface="Times New Roman"/>
+                <a:cs typeface="Times New Roman"/>
               </a:rPr>
-              <a:t>.</a:t>
-            </a:r>
-          </a:p>
-          <a:p>
-            <a:pPr lvl="1"/>
-            <a:r>
-              <a:rPr lang="en-US" sz="2000" dirty="0" smtClean="0">
-                <a:solidFill>
-                  <a:schemeClr val="tx1">
-                    <a:lumMod val="65000"/>
-                    <a:lumOff val="35000"/>
-                  </a:schemeClr>
-                </a:solidFill>
-                <a:effectLst/>
+              <a:t>IEnumerable</a:t>
+            </a:r>
+            <a:r>
+              <a:rPr lang="en-US" sz="1400" spc="-10" dirty="0">
+                <a:solidFill>
+                  <a:prstClr val="black"/>
+                </a:solidFill>
+                <a:latin typeface="Arial"/>
+                <a:ea typeface="Times New Roman"/>
+                <a:cs typeface="Times New Roman"/>
               </a:rPr>
-              <a:t>Extension methods enable you to "add" methods to existing types without creating a new derived type, recompiling, or otherwise modifying the original type. </a:t>
-            </a:r>
-          </a:p>
-          <a:p>
-            <a:pPr lvl="1"/>
-            <a:r>
-              <a:rPr lang="en-US" sz="2000" dirty="0" smtClean="0">
-                <a:solidFill>
-                  <a:schemeClr val="tx1">
-                    <a:lumMod val="65000"/>
-                    <a:lumOff val="35000"/>
-                  </a:schemeClr>
-                </a:solidFill>
-                <a:effectLst/>
+              <a:t>&lt;T&gt; interface (or another one, the </a:t>
+            </a:r>
+            <a:r>
+              <a:rPr lang="en-US" sz="1400" spc="-10" dirty="0" err="1">
+                <a:solidFill>
+                  <a:prstClr val="black"/>
+                </a:solidFill>
+                <a:latin typeface="Arial"/>
+                <a:ea typeface="Times New Roman"/>
+                <a:cs typeface="Times New Roman"/>
               </a:rPr>
-              <a:t>Extension methods are a special kind of static method, but they are called as if they were instance methods on the extended type. </a:t>
-            </a:r>
-          </a:p>
-          <a:p>
-            <a:pPr lvl="1"/>
-            <a:r>
-              <a:rPr lang="en-US" sz="2000" dirty="0" smtClean="0">
-                <a:solidFill>
-                  <a:schemeClr val="tx1">
-                    <a:lumMod val="65000"/>
-                    <a:lumOff val="35000"/>
-                  </a:schemeClr>
-                </a:solidFill>
-                <a:effectLst/>
+              <a:t>IQueryable</a:t>
+            </a:r>
+            <a:r>
+              <a:rPr lang="en-US" sz="1400" spc="-10" dirty="0">
+                <a:solidFill>
+                  <a:prstClr val="black"/>
+                </a:solidFill>
+                <a:latin typeface="Arial"/>
+                <a:ea typeface="Times New Roman"/>
+                <a:cs typeface="Times New Roman"/>
               </a:rPr>
-              <a:t>For client code written in C#, there is no apparent difference between calling an extension method and the methods that are actually defined in a type.</a:t>
-            </a:r>
-          </a:p>
-          <a:p>
-            <a:pPr lvl="1"/>
-            <a:r>
-              <a:rPr lang="en-US" sz="1800" dirty="0" smtClean="0">
-                <a:solidFill>
-                  <a:schemeClr val="tx1">
-                    <a:lumMod val="65000"/>
-                    <a:lumOff val="35000"/>
-                  </a:schemeClr>
-                </a:solidFill>
-                <a:effectLst/>
+              <a:t>&lt;T&gt; interface which is a superset</a:t>
+            </a:r>
+          </a:p>
+          <a:p>
+            <a:pPr marL="747395" lvl="1">
+              <a:spcBef>
+                <a:spcPts val="0"/>
+              </a:spcBef>
+              <a:tabLst>
+                <a:tab pos="1371600" algn="l"/>
+              </a:tabLst>
+            </a:pPr>
+            <a:r>
+              <a:rPr lang="en-US" sz="1400" spc="-10" dirty="0">
+                <a:solidFill>
+                  <a:prstClr val="black"/>
+                </a:solidFill>
+                <a:latin typeface="Arial"/>
+                <a:ea typeface="Times New Roman"/>
+                <a:cs typeface="Times New Roman"/>
               </a:rPr>
-              <a:t>The most common extension methods are the LINQ standard query operators that add query functionality to the existing System.Collections.IEnumerable and System.Collections.Generic.IEnumerable&lt;T&gt; types.</a:t>
-            </a:r>
-            <a:r>
-              <a:rPr lang="en-US" sz="1800" dirty="0" smtClean="0">
-                <a:effectLst/>
+              <a:t>(The List&lt;&gt; class </a:t>
+            </a:r>
+            <a:r>
+              <a:rPr lang="en-US" sz="1400" i="1" spc="-10" dirty="0">
+                <a:solidFill>
+                  <a:prstClr val="black"/>
+                </a:solidFill>
+                <a:latin typeface="Arial"/>
+                <a:ea typeface="Times New Roman"/>
+                <a:cs typeface="Times New Roman"/>
               </a:rPr>
-              <a:t> </a:t>
-            </a:r>
-            <a:endParaRPr lang="en-US" sz="2000" dirty="0" smtClean="0"/>
-          </a:p>
-          <a:p>
-            <a:r>
-              <a:rPr lang="en-US" sz="2400" dirty="0" smtClean="0"/>
-              <a:t>While you can call these query operators directly with your code, it is normal to (and we will only) use the supplied C# built in clauses.</a:t>
-            </a:r>
-          </a:p>
-          <a:p>
-            <a:r>
-              <a:rPr lang="en-US" sz="2400" dirty="0" smtClean="0"/>
-              <a:t>When you use a C# clause to code a LINQ query, the result is called a </a:t>
-            </a:r>
-            <a:r>
-              <a:rPr lang="en-US" sz="2400" i="1" dirty="0" smtClean="0"/>
-              <a:t>query expression</a:t>
-            </a:r>
-          </a:p>
-          <a:p>
-            <a:r>
-              <a:rPr lang="en-US" sz="2400" dirty="0" smtClean="0"/>
-              <a:t>These C# clauses look very similar to the SQL language …</a:t>
-            </a:r>
-            <a:endParaRPr lang="en-US" sz="2400" dirty="0"/>
+              <a:t>does</a:t>
+            </a:r>
+            <a:r>
+              <a:rPr lang="en-US" sz="1400" spc="-10" dirty="0">
+                <a:solidFill>
+                  <a:prstClr val="black"/>
+                </a:solidFill>
+                <a:latin typeface="Arial"/>
+                <a:ea typeface="Times New Roman"/>
+                <a:cs typeface="Times New Roman"/>
+              </a:rPr>
+              <a:t> implement the </a:t>
+            </a:r>
+            <a:r>
+              <a:rPr lang="en-US" sz="1400" spc="-10" dirty="0" err="1">
+                <a:solidFill>
+                  <a:prstClr val="black"/>
+                </a:solidFill>
+                <a:latin typeface="Arial"/>
+                <a:ea typeface="Times New Roman"/>
+                <a:cs typeface="Times New Roman"/>
+              </a:rPr>
+              <a:t>IEnumerable</a:t>
+            </a:r>
+            <a:r>
+              <a:rPr lang="en-US" sz="1400" spc="-10" dirty="0">
+                <a:solidFill>
+                  <a:prstClr val="black"/>
+                </a:solidFill>
+                <a:latin typeface="Arial"/>
+                <a:ea typeface="Times New Roman"/>
+                <a:cs typeface="Times New Roman"/>
+              </a:rPr>
+              <a:t>&lt;T&gt; interface )</a:t>
+            </a:r>
+            <a:endParaRPr lang="en-US" sz="1100" dirty="0">
+              <a:latin typeface="Courier New"/>
+              <a:ea typeface="Times New Roman"/>
+              <a:cs typeface="Times New Roman"/>
+            </a:endParaRPr>
           </a:p>
         </p:txBody>
       </p:sp>
     </p:spTree>
     <p:extLst>
       <p:ext uri="{BB962C8B-B14F-4D97-AF65-F5344CB8AC3E}">
-        <p14:creationId xmlns:p14="http://schemas.microsoft.com/office/powerpoint/2010/main" val="2480388977"/>
+        <p14:creationId xmlns:p14="http://schemas.microsoft.com/office/powerpoint/2010/main" val="1869031716"/>
       </p:ext>
     </p:extLst>
   </p:cSld>
@@ -15060,6 +12981,47 @@
           <a:chExt cx="0" cy="0"/>
         </a:xfrm>
       </p:grpSpPr>
+      <p:pic>
+        <p:nvPicPr>
+          <p:cNvPr id="4" name="Picture 3" descr="Figure 17-2"/>
+          <p:cNvPicPr>
+            <a:picLocks noChangeAspect="1" noChangeArrowheads="1"/>
+          </p:cNvPicPr>
+          <p:nvPr/>
+        </p:nvPicPr>
+        <p:blipFill>
+          <a:blip r:embed="rId2">
+            <a:extLst>
+              <a:ext uri="{28A0092B-C50C-407E-A947-70E740481C1C}">
+                <a14:useLocalDpi xmlns:a14="http://schemas.microsoft.com/office/drawing/2010/main" val="0"/>
+              </a:ext>
+            </a:extLst>
+          </a:blip>
+          <a:srcRect/>
+          <a:stretch>
+            <a:fillRect/>
+          </a:stretch>
+        </p:blipFill>
+        <p:spPr bwMode="auto">
+          <a:xfrm>
+            <a:off x="6553200" y="152400"/>
+            <a:ext cx="2461846" cy="2000250"/>
+          </a:xfrm>
+          <a:prstGeom prst="rect">
+            <a:avLst/>
+          </a:prstGeom>
+          <a:noFill/>
+          <a:extLst>
+            <a:ext uri="{909E8E84-426E-40DD-AFC4-6F175D3DCCD1}">
+              <a14:hiddenFill xmlns:a14="http://schemas.microsoft.com/office/drawing/2010/main">
+                <a:solidFill>
+                  <a:srgbClr val="FFFFFF"/>
+                </a:solidFill>
+              </a14:hiddenFill>
+            </a:ext>
+          </a:extLst>
+        </p:spPr>
+      </p:pic>
       <p:sp>
         <p:nvSpPr>
           <p:cNvPr id="2" name="Title 1"/>
@@ -15070,22 +13032,23 @@
             <p:ph type="title"/>
           </p:nvPr>
         </p:nvSpPr>
-        <p:spPr/>
+        <p:spPr>
+          <a:xfrm>
+            <a:off x="457200" y="274638"/>
+            <a:ext cx="5715000" cy="1143000"/>
+          </a:xfrm>
+        </p:spPr>
         <p:txBody>
           <a:bodyPr>
-            <a:normAutofit/>
+            <a:normAutofit fontScale="90000"/>
           </a:bodyPr>
           <a:lstStyle/>
           <a:p>
-            <a:r>
-              <a:rPr lang="en-US" sz="4000" dirty="0"/>
-              <a:t>C# clauses for working with </a:t>
-            </a:r>
-            <a:r>
-              <a:rPr lang="en-US" sz="4000" dirty="0" smtClean="0"/>
-              <a:t>LINQ</a:t>
-            </a:r>
-            <a:endParaRPr lang="en-US" sz="4000" dirty="0"/>
+            <a:pPr algn="l"/>
+            <a:r>
+              <a:rPr lang="en-US" sz="2800" dirty="0"/>
+              <a:t>A LINQ-to-Objects query example where the data is in a generic list (with deferred execution)-3</a:t>
+            </a:r>
           </a:p>
         </p:txBody>
       </p:sp>
@@ -15099,174 +13062,683 @@
             <p:ph idx="1"/>
           </p:nvPr>
         </p:nvSpPr>
-        <p:spPr/>
+        <p:spPr>
+          <a:xfrm>
+            <a:off x="228600" y="1752600"/>
+            <a:ext cx="8229600" cy="4724400"/>
+          </a:xfrm>
+        </p:spPr>
         <p:txBody>
           <a:bodyPr>
-            <a:normAutofit fontScale="92500" lnSpcReduction="10000"/>
+            <a:noAutofit/>
           </a:bodyPr>
           <a:lstStyle/>
           <a:p>
-            <a:pPr lvl="0"/>
-            <a:r>
-              <a:rPr lang="en-US" sz="2400" dirty="0" smtClean="0">
-                <a:solidFill>
-                  <a:srgbClr val="0070C0"/>
-                </a:solidFill>
+            <a:pPr marL="347345" marR="0">
+              <a:spcBef>
+                <a:spcPts val="0"/>
+              </a:spcBef>
+              <a:spcAft>
+                <a:spcPts val="600"/>
+              </a:spcAft>
+              <a:tabLst>
+                <a:tab pos="1371600" algn="l"/>
+                <a:tab pos="2743200" algn="l"/>
+              </a:tabLst>
+            </a:pPr>
+            <a:r>
+              <a:rPr lang="en-US" sz="2000" b="1" spc="-10" dirty="0">
+                <a:solidFill>
+                  <a:srgbClr val="0000FF"/>
+                </a:solidFill>
+                <a:effectLst/>
+                <a:latin typeface="Arial"/>
+                <a:ea typeface="Times New Roman"/>
+                <a:cs typeface="Times New Roman"/>
               </a:rPr>
-              <a:t>from</a:t>
-            </a:r>
-            <a:endParaRPr lang="en-US" sz="2400" dirty="0">
+              <a:t>Q3 - Code that executes the query</a:t>
+            </a:r>
+          </a:p>
+          <a:p>
+            <a:pPr marL="347345" marR="0">
+              <a:spcBef>
+                <a:spcPts val="0"/>
+              </a:spcBef>
+              <a:spcAft>
+                <a:spcPts val="600"/>
+              </a:spcAft>
+              <a:tabLst>
+                <a:tab pos="1371600" algn="l"/>
+                <a:tab pos="2743200" algn="l"/>
+              </a:tabLst>
+            </a:pPr>
+            <a:r>
+              <a:rPr lang="en-US" sz="2000" spc="-10" dirty="0">
+                <a:latin typeface="Arial"/>
+                <a:ea typeface="Times New Roman"/>
+                <a:cs typeface="Times New Roman"/>
+              </a:rPr>
+              <a:t>Typically use a </a:t>
+            </a:r>
+            <a:r>
+              <a:rPr lang="en-US" sz="2000" spc="-10" dirty="0" err="1">
+                <a:latin typeface="Arial"/>
+                <a:ea typeface="Times New Roman"/>
+                <a:cs typeface="Times New Roman"/>
+              </a:rPr>
+              <a:t>foreach</a:t>
+            </a:r>
+            <a:r>
+              <a:rPr lang="en-US" sz="2000" spc="-10" dirty="0">
+                <a:latin typeface="Arial"/>
+                <a:ea typeface="Times New Roman"/>
+                <a:cs typeface="Times New Roman"/>
+              </a:rPr>
+              <a:t> loop</a:t>
+            </a:r>
+          </a:p>
+          <a:p>
+            <a:pPr marL="347345" marR="0">
+              <a:spcBef>
+                <a:spcPts val="0"/>
+              </a:spcBef>
+              <a:spcAft>
+                <a:spcPts val="600"/>
+              </a:spcAft>
+              <a:tabLst>
+                <a:tab pos="1371600" algn="l"/>
+                <a:tab pos="2743200" algn="l"/>
+              </a:tabLst>
+            </a:pPr>
+            <a:r>
+              <a:rPr lang="en-US" sz="2000" spc="-10" dirty="0">
+                <a:latin typeface="Arial"/>
+                <a:ea typeface="Times New Roman"/>
+                <a:cs typeface="Times New Roman"/>
+              </a:rPr>
+              <a:t>(In this example, we are just taking the query results and appending them all to one string.)</a:t>
+            </a:r>
+          </a:p>
+          <a:p>
+            <a:pPr marL="4445" marR="0" indent="0">
+              <a:spcBef>
+                <a:spcPts val="0"/>
+              </a:spcBef>
+              <a:spcAft>
+                <a:spcPts val="600"/>
+              </a:spcAft>
+              <a:buNone/>
+              <a:tabLst>
+                <a:tab pos="1371600" algn="l"/>
+                <a:tab pos="2743200" algn="l"/>
+              </a:tabLst>
+            </a:pPr>
+            <a:endParaRPr lang="en-US" sz="2000" spc="-10" dirty="0">
+              <a:effectLst/>
+              <a:latin typeface="Arial"/>
+              <a:ea typeface="Times New Roman"/>
+              <a:cs typeface="Times New Roman"/>
+            </a:endParaRPr>
+          </a:p>
+          <a:p>
+            <a:pPr marL="4445" marR="0" indent="0">
+              <a:spcBef>
+                <a:spcPts val="0"/>
+              </a:spcBef>
+              <a:spcAft>
+                <a:spcPts val="0"/>
+              </a:spcAft>
+              <a:buNone/>
+              <a:tabLst>
+                <a:tab pos="1371600" algn="l"/>
+              </a:tabLst>
+            </a:pPr>
+            <a:r>
+              <a:rPr lang="en-US" sz="1600" b="1" dirty="0">
+                <a:solidFill>
+                  <a:srgbClr val="000000"/>
+                </a:solidFill>
+                <a:effectLst/>
+                <a:latin typeface="Courier New"/>
+                <a:ea typeface="Times New Roman"/>
+                <a:cs typeface="Times New Roman"/>
+              </a:rPr>
+              <a:t>string </a:t>
+            </a:r>
+            <a:r>
+              <a:rPr lang="en-US" sz="1600" b="1" dirty="0" err="1">
+                <a:solidFill>
+                  <a:srgbClr val="000000"/>
+                </a:solidFill>
+                <a:effectLst/>
+                <a:latin typeface="Courier New"/>
+                <a:ea typeface="Times New Roman"/>
+                <a:cs typeface="Times New Roman"/>
+              </a:rPr>
+              <a:t>invoiceDisplay</a:t>
+            </a:r>
+            <a:r>
+              <a:rPr lang="en-US" sz="1600" b="1" dirty="0">
+                <a:solidFill>
+                  <a:srgbClr val="000000"/>
+                </a:solidFill>
+                <a:effectLst/>
+                <a:latin typeface="Courier New"/>
+                <a:ea typeface="Times New Roman"/>
+                <a:cs typeface="Times New Roman"/>
+              </a:rPr>
+              <a:t> = "Invoice No.\</a:t>
+            </a:r>
+            <a:r>
+              <a:rPr lang="en-US" sz="1600" b="1" dirty="0" err="1">
+                <a:solidFill>
+                  <a:srgbClr val="000000"/>
+                </a:solidFill>
+                <a:effectLst/>
+                <a:latin typeface="Courier New"/>
+                <a:ea typeface="Times New Roman"/>
+                <a:cs typeface="Times New Roman"/>
+              </a:rPr>
+              <a:t>tInvoice</a:t>
+            </a:r>
+            <a:r>
+              <a:rPr lang="en-US" sz="1600" b="1" dirty="0">
+                <a:solidFill>
+                  <a:srgbClr val="000000"/>
+                </a:solidFill>
+                <a:effectLst/>
+                <a:latin typeface="Courier New"/>
+                <a:ea typeface="Times New Roman"/>
+                <a:cs typeface="Times New Roman"/>
+              </a:rPr>
+              <a:t> Total\n";</a:t>
+            </a:r>
+          </a:p>
+          <a:p>
+            <a:pPr marL="4445" marR="0" indent="0">
+              <a:spcBef>
+                <a:spcPts val="0"/>
+              </a:spcBef>
+              <a:spcAft>
+                <a:spcPts val="0"/>
+              </a:spcAft>
+              <a:buNone/>
+              <a:tabLst>
+                <a:tab pos="1371600" algn="l"/>
+              </a:tabLst>
+            </a:pPr>
+            <a:r>
+              <a:rPr lang="en-US" sz="1600" b="1" dirty="0">
+                <a:solidFill>
+                  <a:srgbClr val="1C6E1C"/>
+                </a:solidFill>
+                <a:latin typeface="Courier New"/>
+                <a:ea typeface="Times New Roman"/>
+                <a:cs typeface="Times New Roman"/>
+              </a:rPr>
+              <a:t>// header line</a:t>
+            </a:r>
+            <a:endParaRPr lang="en-US" sz="1600" b="1" dirty="0">
               <a:solidFill>
-                <a:srgbClr val="0070C0"/>
+                <a:srgbClr val="1C6E1C"/>
               </a:solidFill>
+              <a:effectLst/>
+              <a:latin typeface="Courier New"/>
+              <a:ea typeface="Times New Roman"/>
+              <a:cs typeface="Times New Roman"/>
             </a:endParaRPr>
           </a:p>
           <a:p>
-            <a:pPr lvl="0"/>
-            <a:r>
-              <a:rPr lang="en-US" sz="2400" dirty="0">
-                <a:solidFill>
-                  <a:srgbClr val="0070C0"/>
-                </a:solidFill>
+            <a:pPr marL="4445" marR="0" indent="0">
+              <a:spcBef>
+                <a:spcPts val="0"/>
+              </a:spcBef>
+              <a:spcAft>
+                <a:spcPts val="0"/>
+              </a:spcAft>
+              <a:buNone/>
+              <a:tabLst>
+                <a:tab pos="1371600" algn="l"/>
+              </a:tabLst>
+            </a:pPr>
+            <a:endParaRPr lang="en-US" sz="1600" b="1" dirty="0">
+              <a:effectLst/>
+              <a:latin typeface="Courier New"/>
+              <a:ea typeface="Times New Roman"/>
+              <a:cs typeface="Times New Roman"/>
+            </a:endParaRPr>
+          </a:p>
+          <a:p>
+            <a:pPr marL="4445" marR="0" indent="0">
+              <a:spcBef>
+                <a:spcPts val="0"/>
+              </a:spcBef>
+              <a:spcAft>
+                <a:spcPts val="0"/>
+              </a:spcAft>
+              <a:buNone/>
+              <a:tabLst>
+                <a:tab pos="1371600" algn="l"/>
+              </a:tabLst>
+            </a:pPr>
+            <a:r>
+              <a:rPr lang="en-US" sz="1600" b="1" dirty="0" err="1">
+                <a:solidFill>
+                  <a:srgbClr val="000000"/>
+                </a:solidFill>
+                <a:effectLst/>
+                <a:latin typeface="Courier New"/>
+                <a:ea typeface="Times New Roman"/>
+                <a:cs typeface="Times New Roman"/>
               </a:rPr>
-              <a:t>s</a:t>
-            </a:r>
-            <a:r>
-              <a:rPr lang="en-US" sz="2400" dirty="0" smtClean="0">
-                <a:solidFill>
-                  <a:srgbClr val="0070C0"/>
-                </a:solidFill>
+              <a:t>foreach</a:t>
+            </a:r>
+            <a:r>
+              <a:rPr lang="en-US" sz="1600" b="1" dirty="0">
+                <a:solidFill>
+                  <a:srgbClr val="000000"/>
+                </a:solidFill>
+                <a:effectLst/>
+                <a:latin typeface="Courier New"/>
+                <a:ea typeface="Times New Roman"/>
+                <a:cs typeface="Times New Roman"/>
               </a:rPr>
-              <a:t>elect</a:t>
-            </a:r>
-            <a:r>
-              <a:rPr lang="en-US" sz="2400" dirty="0" smtClean="0"/>
-              <a:t>   (</a:t>
-            </a:r>
-            <a:r>
-              <a:rPr lang="en-US" sz="2400" i="1" dirty="0" smtClean="0">
+              <a:t> (</a:t>
+            </a:r>
+            <a:r>
+              <a:rPr lang="en-US" sz="1600" b="1" dirty="0" err="1">
+                <a:solidFill>
+                  <a:srgbClr val="000000"/>
+                </a:solidFill>
+                <a:effectLst/>
+                <a:latin typeface="Courier New"/>
+                <a:ea typeface="Times New Roman"/>
+                <a:cs typeface="Times New Roman"/>
+              </a:rPr>
+              <a:t>var</a:t>
+            </a:r>
+            <a:r>
+              <a:rPr lang="en-US" sz="1600" b="1" dirty="0">
+                <a:solidFill>
+                  <a:srgbClr val="000000"/>
+                </a:solidFill>
+                <a:effectLst/>
+                <a:latin typeface="Courier New"/>
+                <a:ea typeface="Times New Roman"/>
+                <a:cs typeface="Times New Roman"/>
+              </a:rPr>
+              <a:t> invoice in </a:t>
+            </a:r>
+            <a:r>
+              <a:rPr lang="en-US" sz="1600" b="1" dirty="0">
                 <a:solidFill>
                   <a:schemeClr val="accent6">
-                    <a:lumMod val="75000"/>
+                    <a:lumMod val="50000"/>
                   </a:schemeClr>
                 </a:solidFill>
+                <a:effectLst/>
+                <a:latin typeface="Courier New"/>
+                <a:ea typeface="Times New Roman"/>
+                <a:cs typeface="Times New Roman"/>
               </a:rPr>
-              <a:t>In LINQ, the SELECT and FROM are in reverse order</a:t>
-            </a:r>
-            <a:r>
-              <a:rPr lang="en-US" sz="2400" dirty="0" smtClean="0"/>
+              <a:t>invoices</a:t>
+            </a:r>
+            <a:r>
+              <a:rPr lang="en-US" sz="1600" b="1" dirty="0">
+                <a:solidFill>
+                  <a:srgbClr val="000000"/>
+                </a:solidFill>
+                <a:effectLst/>
+                <a:latin typeface="Courier New"/>
+                <a:ea typeface="Times New Roman"/>
+                <a:cs typeface="Times New Roman"/>
+              </a:rPr>
               <a:t>)</a:t>
             </a:r>
-          </a:p>
-          <a:p>
-            <a:pPr lvl="0"/>
-            <a:r>
-              <a:rPr lang="en-US" sz="2400" dirty="0" smtClean="0">
-                <a:solidFill>
-                  <a:srgbClr val="0070C0"/>
-                </a:solidFill>
+            <a:endParaRPr lang="en-US" sz="1600" b="1" dirty="0">
+              <a:effectLst/>
+              <a:latin typeface="Courier New"/>
+              <a:ea typeface="Times New Roman"/>
+              <a:cs typeface="Times New Roman"/>
+            </a:endParaRPr>
+          </a:p>
+          <a:p>
+            <a:pPr marL="4445" marR="0" indent="0">
+              <a:spcBef>
+                <a:spcPts val="0"/>
+              </a:spcBef>
+              <a:spcAft>
+                <a:spcPts val="0"/>
+              </a:spcAft>
+              <a:buNone/>
+              <a:tabLst>
+                <a:tab pos="1371600" algn="l"/>
+              </a:tabLst>
+            </a:pPr>
+            <a:r>
+              <a:rPr lang="en-US" sz="1600" b="1" dirty="0">
+                <a:solidFill>
+                  <a:srgbClr val="000000"/>
+                </a:solidFill>
+                <a:effectLst/>
+                <a:latin typeface="Courier New"/>
+                <a:ea typeface="Times New Roman"/>
+                <a:cs typeface="Times New Roman"/>
               </a:rPr>
-              <a:t>where</a:t>
-            </a:r>
-            <a:endParaRPr lang="en-US" sz="2400" dirty="0">
+              <a:t>{</a:t>
+            </a:r>
+            <a:endParaRPr lang="en-US" sz="1600" b="1" dirty="0">
+              <a:effectLst/>
+              <a:latin typeface="Courier New"/>
+              <a:ea typeface="Times New Roman"/>
+              <a:cs typeface="Times New Roman"/>
+            </a:endParaRPr>
+          </a:p>
+          <a:p>
+            <a:pPr marL="4445" marR="0" indent="0">
+              <a:spcBef>
+                <a:spcPts val="0"/>
+              </a:spcBef>
+              <a:spcAft>
+                <a:spcPts val="0"/>
+              </a:spcAft>
+              <a:buNone/>
+              <a:tabLst>
+                <a:tab pos="1371600" algn="l"/>
+              </a:tabLst>
+            </a:pPr>
+            <a:r>
+              <a:rPr lang="en-US" sz="1600" b="1" dirty="0">
+                <a:solidFill>
+                  <a:srgbClr val="000000"/>
+                </a:solidFill>
+                <a:effectLst/>
+                <a:latin typeface="Courier New"/>
+                <a:ea typeface="Times New Roman"/>
+                <a:cs typeface="Times New Roman"/>
+              </a:rPr>
+              <a:t>  </a:t>
+            </a:r>
+            <a:r>
+              <a:rPr lang="en-US" sz="1600" b="1" dirty="0" err="1">
+                <a:solidFill>
+                  <a:srgbClr val="000000"/>
+                </a:solidFill>
+                <a:effectLst/>
+                <a:latin typeface="Courier New"/>
+                <a:ea typeface="Times New Roman"/>
+                <a:cs typeface="Times New Roman"/>
+              </a:rPr>
+              <a:t>invoiceDisplay</a:t>
+            </a:r>
+            <a:r>
+              <a:rPr lang="en-US" sz="1600" b="1" dirty="0">
+                <a:solidFill>
+                  <a:srgbClr val="000000"/>
+                </a:solidFill>
+                <a:effectLst/>
+                <a:latin typeface="Courier New"/>
+                <a:ea typeface="Times New Roman"/>
+                <a:cs typeface="Times New Roman"/>
+              </a:rPr>
+              <a:t> += </a:t>
+            </a:r>
+            <a:r>
+              <a:rPr lang="en-US" sz="1600" b="1" dirty="0" err="1">
+                <a:solidFill>
+                  <a:srgbClr val="000000"/>
+                </a:solidFill>
+                <a:effectLst/>
+                <a:latin typeface="Courier New"/>
+                <a:ea typeface="Times New Roman"/>
+                <a:cs typeface="Times New Roman"/>
+              </a:rPr>
+              <a:t>invoice.InvoiceNumber</a:t>
+            </a:r>
+            <a:r>
+              <a:rPr lang="en-US" sz="1600" b="1" dirty="0">
+                <a:solidFill>
+                  <a:srgbClr val="000000"/>
+                </a:solidFill>
+                <a:effectLst/>
+                <a:latin typeface="Courier New"/>
+                <a:ea typeface="Times New Roman"/>
+                <a:cs typeface="Times New Roman"/>
+              </a:rPr>
+              <a:t> + "\t\t" + </a:t>
+            </a:r>
+            <a:r>
+              <a:rPr lang="en-US" sz="1600" b="1" dirty="0">
+                <a:solidFill>
+                  <a:srgbClr val="1C6E1C"/>
+                </a:solidFill>
+                <a:latin typeface="Courier New"/>
+                <a:ea typeface="Times New Roman"/>
+                <a:cs typeface="Times New Roman"/>
+              </a:rPr>
+              <a:t>// first col</a:t>
+            </a:r>
+            <a:endParaRPr lang="en-US" sz="1600" b="1" dirty="0">
               <a:solidFill>
-                <a:srgbClr val="0070C0"/>
+                <a:srgbClr val="1C6E1C"/>
               </a:solidFill>
+              <a:effectLst/>
+              <a:latin typeface="Courier New"/>
+              <a:ea typeface="Times New Roman"/>
+              <a:cs typeface="Times New Roman"/>
             </a:endParaRPr>
           </a:p>
           <a:p>
-            <a:pPr lvl="0"/>
-            <a:r>
-              <a:rPr lang="en-US" sz="2400" dirty="0" err="1" smtClean="0">
-                <a:solidFill>
-                  <a:srgbClr val="0070C0"/>
-                </a:solidFill>
+            <a:pPr marL="4445" marR="0" indent="0">
+              <a:spcBef>
+                <a:spcPts val="0"/>
+              </a:spcBef>
+              <a:spcAft>
+                <a:spcPts val="0"/>
+              </a:spcAft>
+              <a:buNone/>
+              <a:tabLst>
+                <a:tab pos="1371600" algn="l"/>
+              </a:tabLst>
+            </a:pPr>
+            <a:r>
+              <a:rPr lang="en-US" sz="1600" b="1" dirty="0">
+                <a:solidFill>
+                  <a:srgbClr val="000000"/>
+                </a:solidFill>
+                <a:effectLst/>
+                <a:latin typeface="Courier New"/>
+                <a:ea typeface="Times New Roman"/>
+                <a:cs typeface="Times New Roman"/>
               </a:rPr>
-              <a:t>orderby</a:t>
-            </a:r>
-            <a:endParaRPr lang="en-US" sz="2400" dirty="0">
+              <a:t>                   </a:t>
+            </a:r>
+            <a:r>
+              <a:rPr lang="en-US" sz="1600" b="1" dirty="0" err="1">
+                <a:solidFill>
+                  <a:srgbClr val="000000"/>
+                </a:solidFill>
+                <a:effectLst/>
+                <a:latin typeface="Courier New"/>
+                <a:ea typeface="Times New Roman"/>
+                <a:cs typeface="Times New Roman"/>
+              </a:rPr>
+              <a:t>invoice.InvoiceTotal.ToString</a:t>
+            </a:r>
+            <a:r>
+              <a:rPr lang="en-US" sz="1600" b="1" dirty="0">
+                <a:solidFill>
+                  <a:srgbClr val="000000"/>
+                </a:solidFill>
+                <a:effectLst/>
+                <a:latin typeface="Courier New"/>
+                <a:ea typeface="Times New Roman"/>
+                <a:cs typeface="Times New Roman"/>
+              </a:rPr>
+              <a:t>("c") + </a:t>
+            </a:r>
+            <a:endParaRPr lang="en-US" sz="1600" b="1" dirty="0">
+              <a:effectLst/>
+              <a:latin typeface="Courier New"/>
+              <a:ea typeface="Times New Roman"/>
+              <a:cs typeface="Times New Roman"/>
+            </a:endParaRPr>
+          </a:p>
+          <a:p>
+            <a:pPr marL="4445" marR="0" indent="0">
+              <a:spcBef>
+                <a:spcPts val="0"/>
+              </a:spcBef>
+              <a:spcAft>
+                <a:spcPts val="0"/>
+              </a:spcAft>
+              <a:buNone/>
+              <a:tabLst>
+                <a:tab pos="1371600" algn="l"/>
+              </a:tabLst>
+            </a:pPr>
+            <a:r>
+              <a:rPr lang="en-US" sz="1600" b="1" dirty="0">
+                <a:solidFill>
+                  <a:srgbClr val="000000"/>
+                </a:solidFill>
+                <a:effectLst/>
+                <a:latin typeface="Courier New"/>
+                <a:ea typeface="Times New Roman"/>
+                <a:cs typeface="Times New Roman"/>
+              </a:rPr>
+              <a:t>                   "\n"; </a:t>
+            </a:r>
+            <a:r>
+              <a:rPr lang="en-US" sz="1600" b="1" dirty="0">
+                <a:solidFill>
+                  <a:srgbClr val="1C6E1C"/>
+                </a:solidFill>
+                <a:latin typeface="Courier New"/>
+                <a:ea typeface="Times New Roman"/>
+                <a:cs typeface="Times New Roman"/>
+              </a:rPr>
+              <a:t>// second column appended to the string</a:t>
+            </a:r>
+            <a:endParaRPr lang="en-US" sz="1600" b="1" dirty="0">
               <a:solidFill>
-                <a:srgbClr val="0070C0"/>
+                <a:srgbClr val="1C6E1C"/>
               </a:solidFill>
+              <a:effectLst/>
+              <a:latin typeface="Courier New"/>
+              <a:ea typeface="Times New Roman"/>
+              <a:cs typeface="Times New Roman"/>
             </a:endParaRPr>
           </a:p>
           <a:p>
-            <a:pPr lvl="0"/>
-            <a:endParaRPr lang="en-US" sz="2400" dirty="0" smtClean="0"/>
-          </a:p>
-          <a:p>
-            <a:pPr lvl="0"/>
-            <a:r>
-              <a:rPr lang="en-US" sz="2400" dirty="0" smtClean="0">
-                <a:solidFill>
-                  <a:srgbClr val="0070C0"/>
-                </a:solidFill>
+            <a:pPr marL="4445" marR="0" indent="0">
+              <a:spcBef>
+                <a:spcPts val="0"/>
+              </a:spcBef>
+              <a:spcAft>
+                <a:spcPts val="0"/>
+              </a:spcAft>
+              <a:buNone/>
+              <a:tabLst>
+                <a:tab pos="1371600" algn="l"/>
+              </a:tabLst>
+            </a:pPr>
+            <a:r>
+              <a:rPr lang="en-US" sz="1600" b="1" dirty="0">
+                <a:solidFill>
+                  <a:srgbClr val="000000"/>
+                </a:solidFill>
+                <a:effectLst/>
+                <a:latin typeface="Courier New"/>
+                <a:ea typeface="Times New Roman"/>
+                <a:cs typeface="Times New Roman"/>
               </a:rPr>
-              <a:t>let</a:t>
-            </a:r>
-            <a:endParaRPr lang="en-US" sz="2400" dirty="0">
-              <a:solidFill>
-                <a:srgbClr val="0070C0"/>
-              </a:solidFill>
+              <a:t>}</a:t>
+            </a:r>
+            <a:endParaRPr lang="en-US" sz="1600" b="1" dirty="0">
+              <a:effectLst/>
+              <a:latin typeface="Courier New"/>
+              <a:ea typeface="Times New Roman"/>
+              <a:cs typeface="Times New Roman"/>
             </a:endParaRPr>
           </a:p>
           <a:p>
-            <a:pPr lvl="0"/>
-            <a:r>
-              <a:rPr lang="en-US" sz="2400" dirty="0">
-                <a:solidFill>
-                  <a:srgbClr val="0070C0"/>
-                </a:solidFill>
+            <a:pPr marL="4445" marR="0" indent="0">
+              <a:spcBef>
+                <a:spcPts val="0"/>
+              </a:spcBef>
+              <a:spcAft>
+                <a:spcPts val="0"/>
+              </a:spcAft>
+              <a:buNone/>
+              <a:tabLst>
+                <a:tab pos="1371600" algn="l"/>
+              </a:tabLst>
+            </a:pPr>
+            <a:r>
+              <a:rPr lang="en-US" sz="1600" b="1" dirty="0" err="1">
+                <a:solidFill>
+                  <a:srgbClr val="000000"/>
+                </a:solidFill>
+                <a:effectLst/>
+                <a:latin typeface="Courier New"/>
+                <a:ea typeface="Times New Roman"/>
+                <a:cs typeface="Times New Roman"/>
               </a:rPr>
-              <a:t>join</a:t>
-            </a:r>
-          </a:p>
-          <a:p>
-            <a:pPr lvl="0"/>
-            <a:r>
-              <a:rPr lang="en-US" sz="2400" dirty="0" smtClean="0">
-                <a:solidFill>
-                  <a:srgbClr val="0070C0"/>
-                </a:solidFill>
+              <a:t>MessageBox.Show</a:t>
+            </a:r>
+            <a:r>
+              <a:rPr lang="en-US" sz="1600" b="1" dirty="0">
+                <a:solidFill>
+                  <a:srgbClr val="000000"/>
+                </a:solidFill>
+                <a:effectLst/>
+                <a:latin typeface="Courier New"/>
+                <a:ea typeface="Times New Roman"/>
+                <a:cs typeface="Times New Roman"/>
               </a:rPr>
-              <a:t>group</a:t>
-            </a:r>
-          </a:p>
-          <a:p>
-            <a:pPr lvl="0"/>
-            <a:endParaRPr lang="en-US" sz="2400" dirty="0" smtClean="0"/>
-          </a:p>
-          <a:p>
-            <a:pPr lvl="0"/>
-            <a:r>
-              <a:rPr lang="en-US" sz="2400" dirty="0" smtClean="0"/>
-              <a:t>When using these clauses to create query expressions, VS helps get the coding correct with IntelliSense and type checking as you edit</a:t>
-            </a:r>
-          </a:p>
-          <a:p>
-            <a:pPr lvl="0"/>
-            <a:r>
-              <a:rPr lang="en-US" sz="2400" dirty="0" smtClean="0"/>
-              <a:t>Finds </a:t>
-            </a:r>
-            <a:r>
-              <a:rPr lang="en-US" sz="2400" dirty="0" smtClean="0"/>
-              <a:t>errors before run-time.</a:t>
-            </a:r>
-            <a:endParaRPr lang="en-US" sz="2400" dirty="0"/>
-          </a:p>
-          <a:p>
-            <a:pPr marL="0" indent="0">
-              <a:buNone/>
-            </a:pPr>
-            <a:endParaRPr lang="en-US" sz="2400" dirty="0"/>
+              <a:t>(</a:t>
+            </a:r>
+            <a:r>
+              <a:rPr lang="en-US" sz="1600" b="1" dirty="0" err="1">
+                <a:solidFill>
+                  <a:srgbClr val="000000"/>
+                </a:solidFill>
+                <a:effectLst/>
+                <a:latin typeface="Courier New"/>
+                <a:ea typeface="Times New Roman"/>
+                <a:cs typeface="Times New Roman"/>
+              </a:rPr>
+              <a:t>invoiceDisplay</a:t>
+            </a:r>
+            <a:r>
+              <a:rPr lang="en-US" sz="1600" b="1" dirty="0">
+                <a:solidFill>
+                  <a:srgbClr val="000000"/>
+                </a:solidFill>
+                <a:effectLst/>
+                <a:latin typeface="Courier New"/>
+                <a:ea typeface="Times New Roman"/>
+                <a:cs typeface="Times New Roman"/>
+              </a:rPr>
+              <a:t>, "Invoices Over $20,000");</a:t>
+            </a:r>
+            <a:endParaRPr lang="en-US" sz="1600" b="1" dirty="0">
+              <a:effectLst/>
+              <a:latin typeface="Courier New"/>
+              <a:ea typeface="Times New Roman"/>
+              <a:cs typeface="Times New Roman"/>
+            </a:endParaRPr>
+          </a:p>
+          <a:p>
+            <a:endParaRPr lang="en-US" sz="1600" dirty="0"/>
           </a:p>
         </p:txBody>
       </p:sp>
     </p:spTree>
     <p:extLst>
       <p:ext uri="{BB962C8B-B14F-4D97-AF65-F5344CB8AC3E}">
-        <p14:creationId xmlns:p14="http://schemas.microsoft.com/office/powerpoint/2010/main" val="160287758"/>
+        <p14:creationId xmlns:p14="http://schemas.microsoft.com/office/powerpoint/2010/main" val="1869031716"/>
       </p:ext>
     </p:extLst>
   </p:cSld>
@@ -15305,18 +13777,15 @@
         </p:nvSpPr>
         <p:spPr/>
         <p:txBody>
-          <a:bodyPr/>
-          <a:lstStyle/>
-          <a:p>
-            <a:r>
-              <a:rPr lang="en-US" dirty="0" smtClean="0"/>
-              <a:t>Open up </a:t>
-            </a:r>
-            <a:r>
-              <a:rPr lang="en-US" dirty="0" err="1" smtClean="0"/>
-              <a:t>FirstLINQproject.ppxt</a:t>
-            </a:r>
-            <a:endParaRPr lang="en-US" dirty="0"/>
+          <a:bodyPr>
+            <a:normAutofit/>
+          </a:bodyPr>
+          <a:lstStyle/>
+          <a:p>
+            <a:r>
+              <a:rPr lang="en-US" sz="4000" dirty="0"/>
+              <a:t>Deferred  or Immediate Execution</a:t>
+            </a:r>
           </a:p>
         </p:txBody>
       </p:sp>
@@ -15332,17 +13801,145 @@
         </p:nvSpPr>
         <p:spPr/>
         <p:txBody>
-          <a:bodyPr/>
-          <a:lstStyle/>
-          <a:p>
-            <a:endParaRPr lang="en-US"/>
+          <a:bodyPr>
+            <a:normAutofit/>
+          </a:bodyPr>
+          <a:lstStyle/>
+          <a:p>
+            <a:r>
+              <a:rPr lang="en-US" sz="2400" dirty="0"/>
+              <a:t>This example uses </a:t>
+            </a:r>
+            <a:r>
+              <a:rPr lang="en-US" sz="2400" b="1" dirty="0"/>
+              <a:t>deferred</a:t>
+            </a:r>
+            <a:r>
+              <a:rPr lang="en-US" sz="2400" dirty="0"/>
+              <a:t>. The query is saved in a query variable </a:t>
+            </a:r>
+            <a:r>
+              <a:rPr lang="en-US" sz="2400" b="1" dirty="0">
+                <a:solidFill>
+                  <a:schemeClr val="accent6">
+                    <a:lumMod val="50000"/>
+                  </a:schemeClr>
+                </a:solidFill>
+                <a:effectLst/>
+                <a:latin typeface="Courier New"/>
+                <a:ea typeface="Times New Roman"/>
+                <a:cs typeface="Times New Roman"/>
+              </a:rPr>
+              <a:t>invoices</a:t>
+            </a:r>
+            <a:r>
+              <a:rPr lang="en-US" sz="2400" b="1" dirty="0">
+                <a:solidFill>
+                  <a:srgbClr val="000000"/>
+                </a:solidFill>
+                <a:effectLst/>
+                <a:latin typeface="Courier New"/>
+                <a:ea typeface="Times New Roman"/>
+                <a:cs typeface="Times New Roman"/>
+              </a:rPr>
+              <a:t> </a:t>
+            </a:r>
+            <a:r>
+              <a:rPr lang="en-US" sz="2400" dirty="0"/>
+              <a:t>but not executed.</a:t>
+            </a:r>
+          </a:p>
+          <a:p>
+            <a:r>
+              <a:rPr lang="en-US" sz="2400" dirty="0"/>
+              <a:t>It does get executed when the code tries to access the individual elements returned by the query</a:t>
+            </a:r>
+          </a:p>
+          <a:p>
+            <a:pPr lvl="1"/>
+            <a:r>
+              <a:rPr lang="en-US" sz="2000" dirty="0"/>
+              <a:t>Such as when the query (</a:t>
+            </a:r>
+            <a:r>
+              <a:rPr lang="en-US" sz="2000" b="1" dirty="0">
+                <a:solidFill>
+                  <a:schemeClr val="accent6">
+                    <a:lumMod val="50000"/>
+                  </a:schemeClr>
+                </a:solidFill>
+                <a:effectLst/>
+                <a:latin typeface="Courier New"/>
+                <a:ea typeface="Times New Roman"/>
+                <a:cs typeface="Times New Roman"/>
+              </a:rPr>
+              <a:t>invoices</a:t>
+            </a:r>
+            <a:r>
+              <a:rPr lang="en-US" sz="2000" b="1" dirty="0">
+                <a:solidFill>
+                  <a:srgbClr val="000000"/>
+                </a:solidFill>
+                <a:effectLst/>
+                <a:latin typeface="Courier New"/>
+                <a:ea typeface="Times New Roman"/>
+                <a:cs typeface="Times New Roman"/>
+              </a:rPr>
+              <a:t>)</a:t>
+            </a:r>
+            <a:r>
+              <a:rPr lang="en-US" sz="2000" dirty="0"/>
+              <a:t>is used in the </a:t>
+            </a:r>
+            <a:r>
+              <a:rPr lang="en-US" sz="2000" dirty="0" err="1"/>
+              <a:t>foreach</a:t>
+            </a:r>
+            <a:endParaRPr lang="en-US" sz="2000" dirty="0"/>
+          </a:p>
+          <a:p>
+            <a:pPr lvl="1"/>
+            <a:endParaRPr lang="en-US" sz="2000" dirty="0"/>
+          </a:p>
+          <a:p>
+            <a:r>
+              <a:rPr lang="en-US" sz="2400" dirty="0"/>
+              <a:t>In contrast, </a:t>
+            </a:r>
+            <a:r>
+              <a:rPr lang="en-US" sz="2400" b="1" dirty="0"/>
+              <a:t>immediate</a:t>
+            </a:r>
+            <a:r>
+              <a:rPr lang="en-US" sz="2400" dirty="0"/>
+              <a:t> execution occurs if </a:t>
+            </a:r>
+            <a:r>
+              <a:rPr lang="en-US" sz="2400" i="1" dirty="0"/>
+              <a:t>a method that requires access</a:t>
+            </a:r>
+            <a:r>
+              <a:rPr lang="en-US" sz="2400" dirty="0"/>
+              <a:t> to the individual elements is executed on the query expression (such as an aggregate function)</a:t>
+            </a:r>
+          </a:p>
+          <a:p>
+            <a:pPr lvl="1"/>
+            <a:r>
+              <a:rPr lang="en-US" sz="2000" dirty="0"/>
+              <a:t>Get a count of the number of elements, using the .Count method on the query expression would force an immediate execution</a:t>
+            </a:r>
+          </a:p>
+          <a:p>
+            <a:pPr lvl="1"/>
+            <a:endParaRPr lang="en-US" sz="2000" dirty="0"/>
           </a:p>
         </p:txBody>
       </p:sp>
     </p:spTree>
     <p:extLst>
       <p:ext uri="{BB962C8B-B14F-4D97-AF65-F5344CB8AC3E}">
-        <p14:creationId xmlns:p14="http://schemas.microsoft.com/office/powerpoint/2010/main" val="23781027"/>
+        <p14:creationId xmlns:p14="http://schemas.microsoft.com/office/powerpoint/2010/main" val="2576331207"/>
       </p:ext>
     </p:extLst>
   </p:cSld>
